--- a/Development Portfolio Documentation/ChoiYoSeb's Portfolio.pptx
+++ b/Development Portfolio Documentation/ChoiYoSeb's Portfolio.pptx
@@ -10,45 +10,44 @@
     <p:sldId id="268" r:id="rId4"/>
     <p:sldId id="257" r:id="rId5"/>
     <p:sldId id="270" r:id="rId6"/>
-    <p:sldId id="272" r:id="rId7"/>
-    <p:sldId id="273" r:id="rId8"/>
-    <p:sldId id="274" r:id="rId9"/>
-    <p:sldId id="275" r:id="rId10"/>
-    <p:sldId id="276" r:id="rId11"/>
-    <p:sldId id="277" r:id="rId12"/>
-    <p:sldId id="266" r:id="rId13"/>
+    <p:sldId id="273" r:id="rId7"/>
+    <p:sldId id="274" r:id="rId8"/>
+    <p:sldId id="275" r:id="rId9"/>
+    <p:sldId id="276" r:id="rId10"/>
+    <p:sldId id="277" r:id="rId11"/>
+    <p:sldId id="266" r:id="rId12"/>
   </p:sldIdLst>
   <p:sldSz cx="12192000" cy="6858000"/>
   <p:notesSz cx="6858000" cy="9144000"/>
   <p:embeddedFontLst>
     <p:embeddedFont>
-      <p:font typeface="Tmon몬소리 Black"/>
+      <p:font typeface="Bodoni MT" panose="02070603080606020203" pitchFamily="18" charset="0"/>
+      <p:regular r:id="rId13"/>
       <p:bold r:id="rId14"/>
+      <p:italic r:id="rId15"/>
+      <p:boldItalic r:id="rId16"/>
     </p:embeddedFont>
     <p:embeddedFont>
-      <p:font typeface="Bodoni MT" panose="02070603080606020203" pitchFamily="18" charset="0"/>
-      <p:regular r:id="rId15"/>
-      <p:bold r:id="rId16"/>
-      <p:italic r:id="rId17"/>
-      <p:boldItalic r:id="rId18"/>
+      <p:font typeface="Tmon몬소리 Black" panose="020B0600000101010101" charset="0"/>
+      <p:bold r:id="rId17"/>
     </p:embeddedFont>
     <p:embeddedFont>
       <p:font typeface="나눔바른고딕" panose="020B0603020101020101" pitchFamily="50" charset="-127"/>
-      <p:regular r:id="rId19"/>
-      <p:bold r:id="rId20"/>
+      <p:regular r:id="rId18"/>
+      <p:bold r:id="rId19"/>
     </p:embeddedFont>
     <p:embeddedFont>
       <p:font typeface="나눔바른고딕 UltraLight" panose="020B0603020101020101" pitchFamily="50" charset="-127"/>
-      <p:regular r:id="rId21"/>
+      <p:regular r:id="rId20"/>
     </p:embeddedFont>
     <p:embeddedFont>
       <p:font typeface="나눔스퀘어 ExtraBold" panose="020B0600000101010101" pitchFamily="50" charset="-127"/>
-      <p:bold r:id="rId22"/>
+      <p:bold r:id="rId21"/>
     </p:embeddedFont>
     <p:embeddedFont>
       <p:font typeface="맑은 고딕" panose="020B0503020000020004" pitchFamily="50" charset="-127"/>
-      <p:regular r:id="rId23"/>
-      <p:bold r:id="rId24"/>
+      <p:regular r:id="rId22"/>
+      <p:bold r:id="rId23"/>
     </p:embeddedFont>
   </p:embeddedFontLst>
   <p:defaultTextStyle>
@@ -294,7 +293,7 @@
           <a:p>
             <a:fld id="{3E8378A1-DC3B-4586-8862-E1B0842E0503}" type="datetimeFigureOut">
               <a:rPr lang="ko-KR" altLang="en-US" smtClean="0"/>
-              <a:t>2019-07-15</a:t>
+              <a:t>2019-08-05</a:t>
             </a:fld>
             <a:endParaRPr lang="ko-KR" altLang="en-US"/>
           </a:p>
@@ -462,7 +461,7 @@
           <a:p>
             <a:fld id="{3E8378A1-DC3B-4586-8862-E1B0842E0503}" type="datetimeFigureOut">
               <a:rPr lang="ko-KR" altLang="en-US" smtClean="0"/>
-              <a:t>2019-07-15</a:t>
+              <a:t>2019-08-05</a:t>
             </a:fld>
             <a:endParaRPr lang="ko-KR" altLang="en-US"/>
           </a:p>
@@ -2547,7 +2546,7 @@
           <a:p>
             <a:fld id="{3E8378A1-DC3B-4586-8862-E1B0842E0503}" type="datetimeFigureOut">
               <a:rPr lang="ko-KR" altLang="en-US" smtClean="0"/>
-              <a:t>2019-07-15</a:t>
+              <a:t>2019-08-05</a:t>
             </a:fld>
             <a:endParaRPr lang="ko-KR" altLang="en-US"/>
           </a:p>
@@ -3695,1575 +3694,6 @@
           <a:chExt cx="0" cy="0"/>
         </a:xfrm>
       </p:grpSpPr>
-      <p:pic>
-        <p:nvPicPr>
-          <p:cNvPr id="10" name="그림 9">
-            <a:extLst>
-              <a:ext uri="{FF2B5EF4-FFF2-40B4-BE49-F238E27FC236}">
-                <a16:creationId xmlns:a16="http://schemas.microsoft.com/office/drawing/2014/main" id="{DFA93DD3-6BBF-4180-98BA-FD4A5C0ECBB2}"/>
-              </a:ext>
-            </a:extLst>
-          </p:cNvPr>
-          <p:cNvPicPr>
-            <a:picLocks noChangeAspect="1"/>
-          </p:cNvPicPr>
-          <p:nvPr/>
-        </p:nvPicPr>
-        <p:blipFill>
-          <a:blip r:embed="rId2" cstate="print">
-            <a:extLst>
-              <a:ext uri="{28A0092B-C50C-407E-A947-70E740481C1C}">
-                <a14:useLocalDpi xmlns:a14="http://schemas.microsoft.com/office/drawing/2010/main" val="0"/>
-              </a:ext>
-            </a:extLst>
-          </a:blip>
-          <a:stretch>
-            <a:fillRect/>
-          </a:stretch>
-        </p:blipFill>
-        <p:spPr>
-          <a:xfrm>
-            <a:off x="8408828" y="1666219"/>
-            <a:ext cx="3414871" cy="1920865"/>
-          </a:xfrm>
-          <a:prstGeom prst="rect">
-            <a:avLst/>
-          </a:prstGeom>
-        </p:spPr>
-      </p:pic>
-      <p:sp>
-        <p:nvSpPr>
-          <p:cNvPr id="35" name="직사각형 34"/>
-          <p:cNvSpPr/>
-          <p:nvPr/>
-        </p:nvSpPr>
-        <p:spPr>
-          <a:xfrm>
-            <a:off x="5641265" y="1128663"/>
-            <a:ext cx="3433953" cy="369332"/>
-          </a:xfrm>
-          <a:prstGeom prst="rect">
-            <a:avLst/>
-          </a:prstGeom>
-        </p:spPr>
-        <p:txBody>
-          <a:bodyPr wrap="none">
-            <a:spAutoFit/>
-          </a:bodyPr>
-          <a:lstStyle/>
-          <a:p>
-            <a:pPr algn="ctr"/>
-            <a:r>
-              <a:rPr lang="ko-KR" altLang="en-US" b="1" dirty="0">
-                <a:ln>
-                  <a:solidFill>
-                    <a:schemeClr val="bg1">
-                      <a:lumMod val="50000"/>
-                      <a:alpha val="0"/>
-                    </a:schemeClr>
-                  </a:solidFill>
-                </a:ln>
-                <a:solidFill>
-                  <a:schemeClr val="tx1">
-                    <a:lumMod val="75000"/>
-                    <a:lumOff val="25000"/>
-                  </a:schemeClr>
-                </a:solidFill>
-                <a:latin typeface="나눔바른고딕" panose="020B0603020101020101" pitchFamily="50" charset="-127"/>
-                <a:ea typeface="나눔바른고딕" panose="020B0603020101020101" pitchFamily="50" charset="-127"/>
-              </a:rPr>
-              <a:t>주요 개발 내용 </a:t>
-            </a:r>
-            <a:r>
-              <a:rPr lang="en-US" altLang="ko-KR" b="1" dirty="0">
-                <a:ln>
-                  <a:solidFill>
-                    <a:schemeClr val="bg1">
-                      <a:lumMod val="50000"/>
-                      <a:alpha val="0"/>
-                    </a:schemeClr>
-                  </a:solidFill>
-                </a:ln>
-                <a:solidFill>
-                  <a:schemeClr val="tx1">
-                    <a:lumMod val="75000"/>
-                    <a:lumOff val="25000"/>
-                  </a:schemeClr>
-                </a:solidFill>
-                <a:latin typeface="나눔바른고딕" panose="020B0603020101020101" pitchFamily="50" charset="-127"/>
-                <a:ea typeface="나눔바른고딕" panose="020B0603020101020101" pitchFamily="50" charset="-127"/>
-              </a:rPr>
-              <a:t>: </a:t>
-            </a:r>
-            <a:r>
-              <a:rPr lang="ko-KR" altLang="en-US" b="1" dirty="0">
-                <a:ln>
-                  <a:solidFill>
-                    <a:schemeClr val="bg1">
-                      <a:lumMod val="50000"/>
-                      <a:alpha val="0"/>
-                    </a:schemeClr>
-                  </a:solidFill>
-                </a:ln>
-                <a:solidFill>
-                  <a:schemeClr val="tx1">
-                    <a:lumMod val="75000"/>
-                    <a:lumOff val="25000"/>
-                  </a:schemeClr>
-                </a:solidFill>
-                <a:latin typeface="나눔바른고딕" panose="020B0603020101020101" pitchFamily="50" charset="-127"/>
-                <a:ea typeface="나눔바른고딕" panose="020B0603020101020101" pitchFamily="50" charset="-127"/>
-              </a:rPr>
-              <a:t>프로젝트 구조 설계</a:t>
-            </a:r>
-            <a:endParaRPr lang="en-US" altLang="ko-KR" b="1" dirty="0">
-              <a:ln>
-                <a:solidFill>
-                  <a:schemeClr val="bg1">
-                    <a:lumMod val="50000"/>
-                    <a:alpha val="0"/>
-                  </a:schemeClr>
-                </a:solidFill>
-              </a:ln>
-              <a:solidFill>
-                <a:schemeClr val="tx1">
-                  <a:lumMod val="75000"/>
-                  <a:lumOff val="25000"/>
-                </a:schemeClr>
-              </a:solidFill>
-              <a:latin typeface="나눔바른고딕" panose="020B0603020101020101" pitchFamily="50" charset="-127"/>
-              <a:ea typeface="나눔바른고딕" panose="020B0603020101020101" pitchFamily="50" charset="-127"/>
-            </a:endParaRPr>
-          </a:p>
-        </p:txBody>
-      </p:sp>
-      <p:sp>
-        <p:nvSpPr>
-          <p:cNvPr id="2" name="Rectangle 2">
-            <a:extLst>
-              <a:ext uri="{FF2B5EF4-FFF2-40B4-BE49-F238E27FC236}">
-                <a16:creationId xmlns:a16="http://schemas.microsoft.com/office/drawing/2014/main" id="{664484F6-F8F4-4B25-933B-829FC23D2EB3}"/>
-              </a:ext>
-            </a:extLst>
-          </p:cNvPr>
-          <p:cNvSpPr>
-            <a:spLocks noChangeArrowheads="1"/>
-          </p:cNvSpPr>
-          <p:nvPr/>
-        </p:nvSpPr>
-        <p:spPr bwMode="auto">
-          <a:xfrm>
-            <a:off x="8788873" y="1437619"/>
-            <a:ext cx="12192000" cy="457200"/>
-          </a:xfrm>
-          <a:prstGeom prst="rect">
-            <a:avLst/>
-          </a:prstGeom>
-          <a:noFill/>
-          <a:ln>
-            <a:noFill/>
-          </a:ln>
-          <a:effectLst/>
-          <a:extLst>
-            <a:ext uri="{909E8E84-426E-40DD-AFC4-6F175D3DCCD1}">
-              <a14:hiddenFill xmlns:a14="http://schemas.microsoft.com/office/drawing/2010/main">
-                <a:solidFill>
-                  <a:schemeClr val="accent1"/>
-                </a:solidFill>
-              </a14:hiddenFill>
-            </a:ext>
-            <a:ext uri="{91240B29-F687-4F45-9708-019B960494DF}">
-              <a14:hiddenLine xmlns:a14="http://schemas.microsoft.com/office/drawing/2010/main" w="9525">
-                <a:solidFill>
-                  <a:schemeClr val="tx1"/>
-                </a:solidFill>
-                <a:miter lim="800000"/>
-                <a:headEnd/>
-                <a:tailEnd/>
-              </a14:hiddenLine>
-            </a:ext>
-            <a:ext uri="{AF507438-7753-43E0-B8FC-AC1667EBCBE1}">
-              <a14:hiddenEffects xmlns:a14="http://schemas.microsoft.com/office/drawing/2010/main">
-                <a:effectLst>
-                  <a:outerShdw dist="35921" dir="2700000" algn="ctr" rotWithShape="0">
-                    <a:schemeClr val="bg2"/>
-                  </a:outerShdw>
-                </a:effectLst>
-              </a14:hiddenEffects>
-            </a:ext>
-          </a:extLst>
-        </p:spPr>
-        <p:txBody>
-          <a:bodyPr vert="horz" wrap="none" lIns="91440" tIns="45720" rIns="91440" bIns="45720" numCol="1" anchor="ctr" anchorCtr="0" compatLnSpc="1">
-            <a:prstTxWarp prst="textNoShape">
-              <a:avLst/>
-            </a:prstTxWarp>
-            <a:spAutoFit/>
-          </a:bodyPr>
-          <a:lstStyle/>
-          <a:p>
-            <a:endParaRPr lang="ko-KR" altLang="en-US"/>
-          </a:p>
-        </p:txBody>
-      </p:sp>
-      <p:sp>
-        <p:nvSpPr>
-          <p:cNvPr id="3" name="Rectangle 4">
-            <a:extLst>
-              <a:ext uri="{FF2B5EF4-FFF2-40B4-BE49-F238E27FC236}">
-                <a16:creationId xmlns:a16="http://schemas.microsoft.com/office/drawing/2014/main" id="{262BE8FA-748A-41E5-AF94-175DD1142FE5}"/>
-              </a:ext>
-            </a:extLst>
-          </p:cNvPr>
-          <p:cNvSpPr>
-            <a:spLocks noChangeArrowheads="1"/>
-          </p:cNvSpPr>
-          <p:nvPr/>
-        </p:nvSpPr>
-        <p:spPr bwMode="auto">
-          <a:xfrm>
-            <a:off x="0" y="0"/>
-            <a:ext cx="12192000" cy="457200"/>
-          </a:xfrm>
-          <a:prstGeom prst="rect">
-            <a:avLst/>
-          </a:prstGeom>
-          <a:noFill/>
-          <a:ln>
-            <a:noFill/>
-          </a:ln>
-          <a:effectLst/>
-          <a:extLst>
-            <a:ext uri="{909E8E84-426E-40DD-AFC4-6F175D3DCCD1}">
-              <a14:hiddenFill xmlns:a14="http://schemas.microsoft.com/office/drawing/2010/main">
-                <a:solidFill>
-                  <a:schemeClr val="accent1"/>
-                </a:solidFill>
-              </a14:hiddenFill>
-            </a:ext>
-            <a:ext uri="{91240B29-F687-4F45-9708-019B960494DF}">
-              <a14:hiddenLine xmlns:a14="http://schemas.microsoft.com/office/drawing/2010/main" w="9525">
-                <a:solidFill>
-                  <a:schemeClr val="tx1"/>
-                </a:solidFill>
-                <a:miter lim="800000"/>
-                <a:headEnd/>
-                <a:tailEnd/>
-              </a14:hiddenLine>
-            </a:ext>
-            <a:ext uri="{AF507438-7753-43E0-B8FC-AC1667EBCBE1}">
-              <a14:hiddenEffects xmlns:a14="http://schemas.microsoft.com/office/drawing/2010/main">
-                <a:effectLst>
-                  <a:outerShdw dist="35921" dir="2700000" algn="ctr" rotWithShape="0">
-                    <a:schemeClr val="bg2"/>
-                  </a:outerShdw>
-                </a:effectLst>
-              </a14:hiddenEffects>
-            </a:ext>
-          </a:extLst>
-        </p:spPr>
-        <p:txBody>
-          <a:bodyPr vert="horz" wrap="none" lIns="91440" tIns="45720" rIns="91440" bIns="45720" numCol="1" anchor="ctr" anchorCtr="0" compatLnSpc="1">
-            <a:prstTxWarp prst="textNoShape">
-              <a:avLst/>
-            </a:prstTxWarp>
-            <a:spAutoFit/>
-          </a:bodyPr>
-          <a:lstStyle/>
-          <a:p>
-            <a:endParaRPr lang="ko-KR" altLang="en-US"/>
-          </a:p>
-        </p:txBody>
-      </p:sp>
-      <p:sp>
-        <p:nvSpPr>
-          <p:cNvPr id="4" name="Rectangle 6">
-            <a:extLst>
-              <a:ext uri="{FF2B5EF4-FFF2-40B4-BE49-F238E27FC236}">
-                <a16:creationId xmlns:a16="http://schemas.microsoft.com/office/drawing/2014/main" id="{0F6BE229-605D-4FBE-92D4-80BE3D355158}"/>
-              </a:ext>
-            </a:extLst>
-          </p:cNvPr>
-          <p:cNvSpPr>
-            <a:spLocks noChangeArrowheads="1"/>
-          </p:cNvSpPr>
-          <p:nvPr/>
-        </p:nvSpPr>
-        <p:spPr bwMode="auto">
-          <a:xfrm>
-            <a:off x="6301290" y="3824694"/>
-            <a:ext cx="12192000" cy="457200"/>
-          </a:xfrm>
-          <a:prstGeom prst="rect">
-            <a:avLst/>
-          </a:prstGeom>
-          <a:noFill/>
-          <a:ln>
-            <a:noFill/>
-          </a:ln>
-          <a:effectLst/>
-          <a:extLst>
-            <a:ext uri="{909E8E84-426E-40DD-AFC4-6F175D3DCCD1}">
-              <a14:hiddenFill xmlns:a14="http://schemas.microsoft.com/office/drawing/2010/main">
-                <a:solidFill>
-                  <a:schemeClr val="accent1"/>
-                </a:solidFill>
-              </a14:hiddenFill>
-            </a:ext>
-            <a:ext uri="{91240B29-F687-4F45-9708-019B960494DF}">
-              <a14:hiddenLine xmlns:a14="http://schemas.microsoft.com/office/drawing/2010/main" w="9525">
-                <a:solidFill>
-                  <a:schemeClr val="tx1"/>
-                </a:solidFill>
-                <a:miter lim="800000"/>
-                <a:headEnd/>
-                <a:tailEnd/>
-              </a14:hiddenLine>
-            </a:ext>
-            <a:ext uri="{AF507438-7753-43E0-B8FC-AC1667EBCBE1}">
-              <a14:hiddenEffects xmlns:a14="http://schemas.microsoft.com/office/drawing/2010/main">
-                <a:effectLst>
-                  <a:outerShdw dist="35921" dir="2700000" algn="ctr" rotWithShape="0">
-                    <a:schemeClr val="bg2"/>
-                  </a:outerShdw>
-                </a:effectLst>
-              </a14:hiddenEffects>
-            </a:ext>
-          </a:extLst>
-        </p:spPr>
-        <p:txBody>
-          <a:bodyPr vert="horz" wrap="none" lIns="91440" tIns="45720" rIns="91440" bIns="45720" numCol="1" anchor="ctr" anchorCtr="0" compatLnSpc="1">
-            <a:prstTxWarp prst="textNoShape">
-              <a:avLst/>
-            </a:prstTxWarp>
-            <a:spAutoFit/>
-          </a:bodyPr>
-          <a:lstStyle/>
-          <a:p>
-            <a:endParaRPr lang="ko-KR" altLang="en-US"/>
-          </a:p>
-        </p:txBody>
-      </p:sp>
-      <p:sp>
-        <p:nvSpPr>
-          <p:cNvPr id="5" name="Rectangle 8">
-            <a:extLst>
-              <a:ext uri="{FF2B5EF4-FFF2-40B4-BE49-F238E27FC236}">
-                <a16:creationId xmlns:a16="http://schemas.microsoft.com/office/drawing/2014/main" id="{952A8774-FBCE-4F34-B002-DACF5876BAF3}"/>
-              </a:ext>
-            </a:extLst>
-          </p:cNvPr>
-          <p:cNvSpPr>
-            <a:spLocks noChangeArrowheads="1"/>
-          </p:cNvSpPr>
-          <p:nvPr/>
-        </p:nvSpPr>
-        <p:spPr bwMode="auto">
-          <a:xfrm>
-            <a:off x="0" y="0"/>
-            <a:ext cx="12192000" cy="457200"/>
-          </a:xfrm>
-          <a:prstGeom prst="rect">
-            <a:avLst/>
-          </a:prstGeom>
-          <a:noFill/>
-          <a:ln>
-            <a:noFill/>
-          </a:ln>
-          <a:effectLst/>
-          <a:extLst>
-            <a:ext uri="{909E8E84-426E-40DD-AFC4-6F175D3DCCD1}">
-              <a14:hiddenFill xmlns:a14="http://schemas.microsoft.com/office/drawing/2010/main">
-                <a:solidFill>
-                  <a:schemeClr val="accent1"/>
-                </a:solidFill>
-              </a14:hiddenFill>
-            </a:ext>
-            <a:ext uri="{91240B29-F687-4F45-9708-019B960494DF}">
-              <a14:hiddenLine xmlns:a14="http://schemas.microsoft.com/office/drawing/2010/main" w="9525">
-                <a:solidFill>
-                  <a:schemeClr val="tx1"/>
-                </a:solidFill>
-                <a:miter lim="800000"/>
-                <a:headEnd/>
-                <a:tailEnd/>
-              </a14:hiddenLine>
-            </a:ext>
-            <a:ext uri="{AF507438-7753-43E0-B8FC-AC1667EBCBE1}">
-              <a14:hiddenEffects xmlns:a14="http://schemas.microsoft.com/office/drawing/2010/main">
-                <a:effectLst>
-                  <a:outerShdw dist="35921" dir="2700000" algn="ctr" rotWithShape="0">
-                    <a:schemeClr val="bg2"/>
-                  </a:outerShdw>
-                </a:effectLst>
-              </a14:hiddenEffects>
-            </a:ext>
-          </a:extLst>
-        </p:spPr>
-        <p:txBody>
-          <a:bodyPr vert="horz" wrap="none" lIns="91440" tIns="45720" rIns="91440" bIns="45720" numCol="1" anchor="ctr" anchorCtr="0" compatLnSpc="1">
-            <a:prstTxWarp prst="textNoShape">
-              <a:avLst/>
-            </a:prstTxWarp>
-            <a:spAutoFit/>
-          </a:bodyPr>
-          <a:lstStyle/>
-          <a:p>
-            <a:endParaRPr lang="ko-KR" altLang="en-US"/>
-          </a:p>
-        </p:txBody>
-      </p:sp>
-      <p:sp>
-        <p:nvSpPr>
-          <p:cNvPr id="24" name="직사각형 23">
-            <a:extLst>
-              <a:ext uri="{FF2B5EF4-FFF2-40B4-BE49-F238E27FC236}">
-                <a16:creationId xmlns:a16="http://schemas.microsoft.com/office/drawing/2014/main" id="{0C3315AB-F23A-4FA0-9092-9BE161AE8B37}"/>
-              </a:ext>
-            </a:extLst>
-          </p:cNvPr>
-          <p:cNvSpPr/>
-          <p:nvPr/>
-        </p:nvSpPr>
-        <p:spPr>
-          <a:xfrm>
-            <a:off x="3390786" y="1735605"/>
-            <a:ext cx="5401866" cy="4401205"/>
-          </a:xfrm>
-          <a:prstGeom prst="rect">
-            <a:avLst/>
-          </a:prstGeom>
-        </p:spPr>
-        <p:txBody>
-          <a:bodyPr wrap="square">
-            <a:spAutoFit/>
-          </a:bodyPr>
-          <a:lstStyle/>
-          <a:p>
-            <a:pPr marL="342900" indent="-342900">
-              <a:buAutoNum type="arabicPeriod"/>
-            </a:pPr>
-            <a:r>
-              <a:rPr lang="en-US" altLang="ko-KR" sz="1400" b="1" dirty="0">
-                <a:ln>
-                  <a:solidFill>
-                    <a:schemeClr val="bg1">
-                      <a:lumMod val="50000"/>
-                      <a:alpha val="0"/>
-                    </a:schemeClr>
-                  </a:solidFill>
-                </a:ln>
-                <a:solidFill>
-                  <a:schemeClr val="tx1">
-                    <a:lumMod val="75000"/>
-                    <a:lumOff val="25000"/>
-                  </a:schemeClr>
-                </a:solidFill>
-                <a:latin typeface="나눔바른고딕" panose="020B0603020101020101" pitchFamily="50" charset="-127"/>
-                <a:ea typeface="나눔바른고딕" panose="020B0603020101020101" pitchFamily="50" charset="-127"/>
-              </a:rPr>
-              <a:t>MVP Model </a:t>
-            </a:r>
-            <a:r>
-              <a:rPr lang="ko-KR" altLang="en-US" sz="1400" b="1" dirty="0">
-                <a:ln>
-                  <a:solidFill>
-                    <a:schemeClr val="bg1">
-                      <a:lumMod val="50000"/>
-                      <a:alpha val="0"/>
-                    </a:schemeClr>
-                  </a:solidFill>
-                </a:ln>
-                <a:solidFill>
-                  <a:schemeClr val="tx1">
-                    <a:lumMod val="75000"/>
-                    <a:lumOff val="25000"/>
-                  </a:schemeClr>
-                </a:solidFill>
-                <a:latin typeface="나눔바른고딕" panose="020B0603020101020101" pitchFamily="50" charset="-127"/>
-                <a:ea typeface="나눔바른고딕" panose="020B0603020101020101" pitchFamily="50" charset="-127"/>
-              </a:rPr>
-              <a:t>채택 </a:t>
-            </a:r>
-            <a:r>
-              <a:rPr lang="en-US" altLang="ko-KR" sz="1400" b="1" dirty="0">
-                <a:ln>
-                  <a:solidFill>
-                    <a:schemeClr val="bg1">
-                      <a:lumMod val="50000"/>
-                      <a:alpha val="0"/>
-                    </a:schemeClr>
-                  </a:solidFill>
-                </a:ln>
-                <a:solidFill>
-                  <a:schemeClr val="tx1">
-                    <a:lumMod val="75000"/>
-                    <a:lumOff val="25000"/>
-                  </a:schemeClr>
-                </a:solidFill>
-                <a:latin typeface="나눔바른고딕" panose="020B0603020101020101" pitchFamily="50" charset="-127"/>
-                <a:ea typeface="나눔바른고딕" panose="020B0603020101020101" pitchFamily="50" charset="-127"/>
-              </a:rPr>
-              <a:t>&amp; </a:t>
-            </a:r>
-            <a:r>
-              <a:rPr lang="ko-KR" altLang="en-US" sz="1400" b="1" dirty="0">
-                <a:ln>
-                  <a:solidFill>
-                    <a:schemeClr val="bg1">
-                      <a:lumMod val="50000"/>
-                      <a:alpha val="0"/>
-                    </a:schemeClr>
-                  </a:solidFill>
-                </a:ln>
-                <a:solidFill>
-                  <a:schemeClr val="tx1">
-                    <a:lumMod val="75000"/>
-                    <a:lumOff val="25000"/>
-                  </a:schemeClr>
-                </a:solidFill>
-                <a:latin typeface="나눔바른고딕" panose="020B0603020101020101" pitchFamily="50" charset="-127"/>
-                <a:ea typeface="나눔바른고딕" panose="020B0603020101020101" pitchFamily="50" charset="-127"/>
-              </a:rPr>
-              <a:t>구현</a:t>
-            </a:r>
-            <a:br>
-              <a:rPr lang="en-US" altLang="ko-KR" sz="1400" b="1" dirty="0">
-                <a:ln>
-                  <a:solidFill>
-                    <a:schemeClr val="bg1">
-                      <a:lumMod val="50000"/>
-                      <a:alpha val="0"/>
-                    </a:schemeClr>
-                  </a:solidFill>
-                </a:ln>
-                <a:solidFill>
-                  <a:schemeClr val="tx1">
-                    <a:lumMod val="75000"/>
-                    <a:lumOff val="25000"/>
-                  </a:schemeClr>
-                </a:solidFill>
-                <a:latin typeface="나눔바른고딕" panose="020B0603020101020101" pitchFamily="50" charset="-127"/>
-                <a:ea typeface="나눔바른고딕" panose="020B0603020101020101" pitchFamily="50" charset="-127"/>
-              </a:rPr>
-            </a:br>
-            <a:br>
-              <a:rPr lang="en-US" altLang="ko-KR" sz="1400" dirty="0">
-                <a:ln>
-                  <a:solidFill>
-                    <a:schemeClr val="bg1">
-                      <a:lumMod val="50000"/>
-                      <a:alpha val="0"/>
-                    </a:schemeClr>
-                  </a:solidFill>
-                </a:ln>
-                <a:solidFill>
-                  <a:schemeClr val="tx1">
-                    <a:lumMod val="75000"/>
-                    <a:lumOff val="25000"/>
-                  </a:schemeClr>
-                </a:solidFill>
-                <a:latin typeface="나눔바른고딕" panose="020B0603020101020101" pitchFamily="50" charset="-127"/>
-                <a:ea typeface="나눔바른고딕" panose="020B0603020101020101" pitchFamily="50" charset="-127"/>
-              </a:rPr>
-            </a:br>
-            <a:r>
-              <a:rPr lang="ko-KR" altLang="en-US" sz="1400" dirty="0">
-                <a:ln>
-                  <a:solidFill>
-                    <a:schemeClr val="bg1">
-                      <a:lumMod val="50000"/>
-                      <a:alpha val="0"/>
-                    </a:schemeClr>
-                  </a:solidFill>
-                </a:ln>
-                <a:solidFill>
-                  <a:schemeClr val="tx1">
-                    <a:lumMod val="75000"/>
-                    <a:lumOff val="25000"/>
-                  </a:schemeClr>
-                </a:solidFill>
-                <a:latin typeface="나눔바른고딕" panose="020B0603020101020101" pitchFamily="50" charset="-127"/>
-                <a:ea typeface="나눔바른고딕" panose="020B0603020101020101" pitchFamily="50" charset="-127"/>
-              </a:rPr>
-              <a:t>해당 프로젝트의 프로토타입을 제작해본 후</a:t>
-            </a:r>
-            <a:r>
-              <a:rPr lang="en-US" altLang="ko-KR" sz="1400" dirty="0">
-                <a:ln>
-                  <a:solidFill>
-                    <a:schemeClr val="bg1">
-                      <a:lumMod val="50000"/>
-                      <a:alpha val="0"/>
-                    </a:schemeClr>
-                  </a:solidFill>
-                </a:ln>
-                <a:solidFill>
-                  <a:schemeClr val="tx1">
-                    <a:lumMod val="75000"/>
-                    <a:lumOff val="25000"/>
-                  </a:schemeClr>
-                </a:solidFill>
-                <a:latin typeface="나눔바른고딕" panose="020B0603020101020101" pitchFamily="50" charset="-127"/>
-                <a:ea typeface="나눔바른고딕" panose="020B0603020101020101" pitchFamily="50" charset="-127"/>
-              </a:rPr>
-              <a:t>, Re-Building</a:t>
-            </a:r>
-            <a:r>
-              <a:rPr lang="ko-KR" altLang="en-US" sz="1400" dirty="0">
-                <a:ln>
-                  <a:solidFill>
-                    <a:schemeClr val="bg1">
-                      <a:lumMod val="50000"/>
-                      <a:alpha val="0"/>
-                    </a:schemeClr>
-                  </a:solidFill>
-                </a:ln>
-                <a:solidFill>
-                  <a:schemeClr val="tx1">
-                    <a:lumMod val="75000"/>
-                    <a:lumOff val="25000"/>
-                  </a:schemeClr>
-                </a:solidFill>
-                <a:latin typeface="나눔바른고딕" panose="020B0603020101020101" pitchFamily="50" charset="-127"/>
-                <a:ea typeface="나눔바른고딕" panose="020B0603020101020101" pitchFamily="50" charset="-127"/>
-              </a:rPr>
-              <a:t> 하는 과정에서 프로젝트의 모델에 대한 고민을 하다가 웹에서 사용되고 있는 </a:t>
-            </a:r>
-            <a:r>
-              <a:rPr lang="en-US" altLang="ko-KR" sz="1400" dirty="0">
-                <a:ln>
-                  <a:solidFill>
-                    <a:schemeClr val="bg1">
-                      <a:lumMod val="50000"/>
-                      <a:alpha val="0"/>
-                    </a:schemeClr>
-                  </a:solidFill>
-                </a:ln>
-                <a:solidFill>
-                  <a:schemeClr val="tx1">
-                    <a:lumMod val="75000"/>
-                    <a:lumOff val="25000"/>
-                  </a:schemeClr>
-                </a:solidFill>
-                <a:latin typeface="나눔바른고딕" panose="020B0603020101020101" pitchFamily="50" charset="-127"/>
-                <a:ea typeface="나눔바른고딕" panose="020B0603020101020101" pitchFamily="50" charset="-127"/>
-              </a:rPr>
-              <a:t>MVC</a:t>
-            </a:r>
-            <a:r>
-              <a:rPr lang="ko-KR" altLang="en-US" sz="1400" dirty="0">
-                <a:ln>
-                  <a:solidFill>
-                    <a:schemeClr val="bg1">
-                      <a:lumMod val="50000"/>
-                      <a:alpha val="0"/>
-                    </a:schemeClr>
-                  </a:solidFill>
-                </a:ln>
-                <a:solidFill>
-                  <a:schemeClr val="tx1">
-                    <a:lumMod val="75000"/>
-                    <a:lumOff val="25000"/>
-                  </a:schemeClr>
-                </a:solidFill>
-                <a:latin typeface="나눔바른고딕" panose="020B0603020101020101" pitchFamily="50" charset="-127"/>
-                <a:ea typeface="나눔바른고딕" panose="020B0603020101020101" pitchFamily="50" charset="-127"/>
-              </a:rPr>
-              <a:t>모델과 비슷한 </a:t>
-            </a:r>
-            <a:r>
-              <a:rPr lang="en-US" altLang="ko-KR" sz="1400" dirty="0">
-                <a:ln>
-                  <a:solidFill>
-                    <a:schemeClr val="bg1">
-                      <a:lumMod val="50000"/>
-                      <a:alpha val="0"/>
-                    </a:schemeClr>
-                  </a:solidFill>
-                </a:ln>
-                <a:solidFill>
-                  <a:schemeClr val="tx1">
-                    <a:lumMod val="75000"/>
-                    <a:lumOff val="25000"/>
-                  </a:schemeClr>
-                </a:solidFill>
-                <a:latin typeface="나눔바른고딕" panose="020B0603020101020101" pitchFamily="50" charset="-127"/>
-                <a:ea typeface="나눔바른고딕" panose="020B0603020101020101" pitchFamily="50" charset="-127"/>
-              </a:rPr>
-              <a:t>MVP</a:t>
-            </a:r>
-            <a:r>
-              <a:rPr lang="ko-KR" altLang="en-US" sz="1400" dirty="0">
-                <a:ln>
-                  <a:solidFill>
-                    <a:schemeClr val="bg1">
-                      <a:lumMod val="50000"/>
-                      <a:alpha val="0"/>
-                    </a:schemeClr>
-                  </a:solidFill>
-                </a:ln>
-                <a:solidFill>
-                  <a:schemeClr val="tx1">
-                    <a:lumMod val="75000"/>
-                    <a:lumOff val="25000"/>
-                  </a:schemeClr>
-                </a:solidFill>
-                <a:latin typeface="나눔바른고딕" panose="020B0603020101020101" pitchFamily="50" charset="-127"/>
-                <a:ea typeface="나눔바른고딕" panose="020B0603020101020101" pitchFamily="50" charset="-127"/>
-              </a:rPr>
-              <a:t>모델이 저희의 프로젝트와 시너지가 좋을 것 같아 고려하게 되었습니다</a:t>
-            </a:r>
-            <a:r>
-              <a:rPr lang="en-US" altLang="ko-KR" sz="1400" dirty="0">
-                <a:ln>
-                  <a:solidFill>
-                    <a:schemeClr val="bg1">
-                      <a:lumMod val="50000"/>
-                      <a:alpha val="0"/>
-                    </a:schemeClr>
-                  </a:solidFill>
-                </a:ln>
-                <a:solidFill>
-                  <a:schemeClr val="tx1">
-                    <a:lumMod val="75000"/>
-                    <a:lumOff val="25000"/>
-                  </a:schemeClr>
-                </a:solidFill>
-                <a:latin typeface="나눔바른고딕" panose="020B0603020101020101" pitchFamily="50" charset="-127"/>
-                <a:ea typeface="나눔바른고딕" panose="020B0603020101020101" pitchFamily="50" charset="-127"/>
-              </a:rPr>
-              <a:t>.</a:t>
-            </a:r>
-            <a:br>
-              <a:rPr lang="en-US" altLang="ko-KR" sz="1400" dirty="0">
-                <a:ln>
-                  <a:solidFill>
-                    <a:schemeClr val="bg1">
-                      <a:lumMod val="50000"/>
-                      <a:alpha val="0"/>
-                    </a:schemeClr>
-                  </a:solidFill>
-                </a:ln>
-                <a:solidFill>
-                  <a:schemeClr val="tx1">
-                    <a:lumMod val="75000"/>
-                    <a:lumOff val="25000"/>
-                  </a:schemeClr>
-                </a:solidFill>
-                <a:latin typeface="나눔바른고딕" panose="020B0603020101020101" pitchFamily="50" charset="-127"/>
-                <a:ea typeface="나눔바른고딕" panose="020B0603020101020101" pitchFamily="50" charset="-127"/>
-              </a:rPr>
-            </a:br>
-            <a:br>
-              <a:rPr lang="en-US" altLang="ko-KR" sz="1400" dirty="0">
-                <a:ln>
-                  <a:solidFill>
-                    <a:schemeClr val="bg1">
-                      <a:lumMod val="50000"/>
-                      <a:alpha val="0"/>
-                    </a:schemeClr>
-                  </a:solidFill>
-                </a:ln>
-                <a:solidFill>
-                  <a:schemeClr val="tx1">
-                    <a:lumMod val="75000"/>
-                    <a:lumOff val="25000"/>
-                  </a:schemeClr>
-                </a:solidFill>
-                <a:latin typeface="나눔바른고딕" panose="020B0603020101020101" pitchFamily="50" charset="-127"/>
-                <a:ea typeface="나눔바른고딕" panose="020B0603020101020101" pitchFamily="50" charset="-127"/>
-              </a:rPr>
-            </a:br>
-            <a:r>
-              <a:rPr lang="en-US" altLang="ko-KR" sz="1400" dirty="0">
-                <a:ln>
-                  <a:solidFill>
-                    <a:schemeClr val="bg1">
-                      <a:lumMod val="50000"/>
-                      <a:alpha val="0"/>
-                    </a:schemeClr>
-                  </a:solidFill>
-                </a:ln>
-                <a:solidFill>
-                  <a:schemeClr val="tx1">
-                    <a:lumMod val="75000"/>
-                    <a:lumOff val="25000"/>
-                  </a:schemeClr>
-                </a:solidFill>
-                <a:latin typeface="나눔바른고딕" panose="020B0603020101020101" pitchFamily="50" charset="-127"/>
-                <a:ea typeface="나눔바른고딕" panose="020B0603020101020101" pitchFamily="50" charset="-127"/>
-              </a:rPr>
-              <a:t>MVP</a:t>
-            </a:r>
-            <a:r>
-              <a:rPr lang="ko-KR" altLang="en-US" sz="1400" dirty="0">
-                <a:ln>
-                  <a:solidFill>
-                    <a:schemeClr val="bg1">
-                      <a:lumMod val="50000"/>
-                      <a:alpha val="0"/>
-                    </a:schemeClr>
-                  </a:solidFill>
-                </a:ln>
-                <a:solidFill>
-                  <a:schemeClr val="tx1">
-                    <a:lumMod val="75000"/>
-                    <a:lumOff val="25000"/>
-                  </a:schemeClr>
-                </a:solidFill>
-                <a:latin typeface="나눔바른고딕" panose="020B0603020101020101" pitchFamily="50" charset="-127"/>
-                <a:ea typeface="나눔바른고딕" panose="020B0603020101020101" pitchFamily="50" charset="-127"/>
-              </a:rPr>
-              <a:t>모델에서 유니티 엔진은 자체적으로 </a:t>
-            </a:r>
-            <a:r>
-              <a:rPr lang="en-US" altLang="ko-KR" sz="1400" dirty="0">
-                <a:ln>
-                  <a:solidFill>
-                    <a:schemeClr val="bg1">
-                      <a:lumMod val="50000"/>
-                      <a:alpha val="0"/>
-                    </a:schemeClr>
-                  </a:solidFill>
-                </a:ln>
-                <a:solidFill>
-                  <a:schemeClr val="tx1">
-                    <a:lumMod val="75000"/>
-                    <a:lumOff val="25000"/>
-                  </a:schemeClr>
-                </a:solidFill>
-                <a:latin typeface="나눔바른고딕" panose="020B0603020101020101" pitchFamily="50" charset="-127"/>
-                <a:ea typeface="나눔바른고딕" panose="020B0603020101020101" pitchFamily="50" charset="-127"/>
-              </a:rPr>
-              <a:t>View </a:t>
-            </a:r>
-            <a:r>
-              <a:rPr lang="ko-KR" altLang="en-US" sz="1400" dirty="0">
-                <a:ln>
-                  <a:solidFill>
-                    <a:schemeClr val="bg1">
-                      <a:lumMod val="50000"/>
-                      <a:alpha val="0"/>
-                    </a:schemeClr>
-                  </a:solidFill>
-                </a:ln>
-                <a:solidFill>
-                  <a:schemeClr val="tx1">
-                    <a:lumMod val="75000"/>
-                    <a:lumOff val="25000"/>
-                  </a:schemeClr>
-                </a:solidFill>
-                <a:latin typeface="나눔바른고딕" panose="020B0603020101020101" pitchFamily="50" charset="-127"/>
-                <a:ea typeface="나눔바른고딕" panose="020B0603020101020101" pitchFamily="50" charset="-127"/>
-              </a:rPr>
-              <a:t>역할을 맡게 되며</a:t>
-            </a:r>
-            <a:r>
-              <a:rPr lang="en-US" altLang="ko-KR" sz="1400" dirty="0">
-                <a:ln>
-                  <a:solidFill>
-                    <a:schemeClr val="bg1">
-                      <a:lumMod val="50000"/>
-                      <a:alpha val="0"/>
-                    </a:schemeClr>
-                  </a:solidFill>
-                </a:ln>
-                <a:solidFill>
-                  <a:schemeClr val="tx1">
-                    <a:lumMod val="75000"/>
-                    <a:lumOff val="25000"/>
-                  </a:schemeClr>
-                </a:solidFill>
-                <a:latin typeface="나눔바른고딕" panose="020B0603020101020101" pitchFamily="50" charset="-127"/>
-                <a:ea typeface="나눔바른고딕" panose="020B0603020101020101" pitchFamily="50" charset="-127"/>
-              </a:rPr>
-              <a:t>, </a:t>
-            </a:r>
-            <a:r>
-              <a:rPr lang="ko-KR" altLang="en-US" sz="1400" dirty="0">
-                <a:ln>
-                  <a:solidFill>
-                    <a:schemeClr val="bg1">
-                      <a:lumMod val="50000"/>
-                      <a:alpha val="0"/>
-                    </a:schemeClr>
-                  </a:solidFill>
-                </a:ln>
-                <a:solidFill>
-                  <a:schemeClr val="tx1">
-                    <a:lumMod val="75000"/>
-                    <a:lumOff val="25000"/>
-                  </a:schemeClr>
-                </a:solidFill>
-                <a:latin typeface="나눔바른고딕" panose="020B0603020101020101" pitchFamily="50" charset="-127"/>
-                <a:ea typeface="나눔바른고딕" panose="020B0603020101020101" pitchFamily="50" charset="-127"/>
-              </a:rPr>
-              <a:t>프로젝트의 데이터를 담당할 </a:t>
-            </a:r>
-            <a:r>
-              <a:rPr lang="en-US" altLang="ko-KR" sz="1400" dirty="0">
-                <a:ln>
-                  <a:solidFill>
-                    <a:schemeClr val="bg1">
-                      <a:lumMod val="50000"/>
-                      <a:alpha val="0"/>
-                    </a:schemeClr>
-                  </a:solidFill>
-                </a:ln>
-                <a:solidFill>
-                  <a:schemeClr val="tx1">
-                    <a:lumMod val="75000"/>
-                    <a:lumOff val="25000"/>
-                  </a:schemeClr>
-                </a:solidFill>
-                <a:latin typeface="나눔바른고딕" panose="020B0603020101020101" pitchFamily="50" charset="-127"/>
-                <a:ea typeface="나눔바른고딕" panose="020B0603020101020101" pitchFamily="50" charset="-127"/>
-              </a:rPr>
-              <a:t>Model</a:t>
-            </a:r>
-            <a:r>
-              <a:rPr lang="ko-KR" altLang="en-US" sz="1400" dirty="0">
-                <a:ln>
-                  <a:solidFill>
-                    <a:schemeClr val="bg1">
-                      <a:lumMod val="50000"/>
-                      <a:alpha val="0"/>
-                    </a:schemeClr>
-                  </a:solidFill>
-                </a:ln>
-                <a:solidFill>
-                  <a:schemeClr val="tx1">
-                    <a:lumMod val="75000"/>
-                    <a:lumOff val="25000"/>
-                  </a:schemeClr>
-                </a:solidFill>
-                <a:latin typeface="나눔바른고딕" panose="020B0603020101020101" pitchFamily="50" charset="-127"/>
-                <a:ea typeface="나눔바른고딕" panose="020B0603020101020101" pitchFamily="50" charset="-127"/>
-              </a:rPr>
-              <a:t>을 완전히 분리하여 두고</a:t>
-            </a:r>
-            <a:r>
-              <a:rPr lang="en-US" altLang="ko-KR" sz="1400" dirty="0">
-                <a:ln>
-                  <a:solidFill>
-                    <a:schemeClr val="bg1">
-                      <a:lumMod val="50000"/>
-                      <a:alpha val="0"/>
-                    </a:schemeClr>
-                  </a:solidFill>
-                </a:ln>
-                <a:solidFill>
-                  <a:schemeClr val="tx1">
-                    <a:lumMod val="75000"/>
-                    <a:lumOff val="25000"/>
-                  </a:schemeClr>
-                </a:solidFill>
-                <a:latin typeface="나눔바른고딕" panose="020B0603020101020101" pitchFamily="50" charset="-127"/>
-                <a:ea typeface="나눔바른고딕" panose="020B0603020101020101" pitchFamily="50" charset="-127"/>
-              </a:rPr>
-              <a:t>, </a:t>
-            </a:r>
-            <a:r>
-              <a:rPr lang="ko-KR" altLang="en-US" sz="1400" dirty="0">
-                <a:ln>
-                  <a:solidFill>
-                    <a:schemeClr val="bg1">
-                      <a:lumMod val="50000"/>
-                      <a:alpha val="0"/>
-                    </a:schemeClr>
-                  </a:solidFill>
-                </a:ln>
-                <a:solidFill>
-                  <a:schemeClr val="tx1">
-                    <a:lumMod val="75000"/>
-                    <a:lumOff val="25000"/>
-                  </a:schemeClr>
-                </a:solidFill>
-                <a:latin typeface="나눔바른고딕" panose="020B0603020101020101" pitchFamily="50" charset="-127"/>
-                <a:ea typeface="나눔바른고딕" panose="020B0603020101020101" pitchFamily="50" charset="-127"/>
-              </a:rPr>
-              <a:t>사용자의 </a:t>
-            </a:r>
-            <a:r>
-              <a:rPr lang="en-US" altLang="ko-KR" sz="1400" dirty="0">
-                <a:ln>
-                  <a:solidFill>
-                    <a:schemeClr val="bg1">
-                      <a:lumMod val="50000"/>
-                      <a:alpha val="0"/>
-                    </a:schemeClr>
-                  </a:solidFill>
-                </a:ln>
-                <a:solidFill>
-                  <a:schemeClr val="tx1">
-                    <a:lumMod val="75000"/>
-                    <a:lumOff val="25000"/>
-                  </a:schemeClr>
-                </a:solidFill>
-                <a:latin typeface="나눔바른고딕" panose="020B0603020101020101" pitchFamily="50" charset="-127"/>
-                <a:ea typeface="나눔바른고딕" panose="020B0603020101020101" pitchFamily="50" charset="-127"/>
-              </a:rPr>
-              <a:t>Input</a:t>
-            </a:r>
-            <a:r>
-              <a:rPr lang="ko-KR" altLang="en-US" sz="1400" dirty="0">
-                <a:ln>
-                  <a:solidFill>
-                    <a:schemeClr val="bg1">
-                      <a:lumMod val="50000"/>
-                      <a:alpha val="0"/>
-                    </a:schemeClr>
-                  </a:solidFill>
-                </a:ln>
-                <a:solidFill>
-                  <a:schemeClr val="tx1">
-                    <a:lumMod val="75000"/>
-                    <a:lumOff val="25000"/>
-                  </a:schemeClr>
-                </a:solidFill>
-                <a:latin typeface="나눔바른고딕" panose="020B0603020101020101" pitchFamily="50" charset="-127"/>
-                <a:ea typeface="나눔바른고딕" panose="020B0603020101020101" pitchFamily="50" charset="-127"/>
-              </a:rPr>
-              <a:t>에 대응하여 실행하는 </a:t>
-            </a:r>
-            <a:r>
-              <a:rPr lang="en-US" altLang="ko-KR" sz="1400" dirty="0">
-                <a:ln>
-                  <a:solidFill>
-                    <a:schemeClr val="bg1">
-                      <a:lumMod val="50000"/>
-                      <a:alpha val="0"/>
-                    </a:schemeClr>
-                  </a:solidFill>
-                </a:ln>
-                <a:solidFill>
-                  <a:schemeClr val="tx1">
-                    <a:lumMod val="75000"/>
-                    <a:lumOff val="25000"/>
-                  </a:schemeClr>
-                </a:solidFill>
-                <a:latin typeface="나눔바른고딕" panose="020B0603020101020101" pitchFamily="50" charset="-127"/>
-                <a:ea typeface="나눔바른고딕" panose="020B0603020101020101" pitchFamily="50" charset="-127"/>
-              </a:rPr>
-              <a:t>Presenter</a:t>
-            </a:r>
-            <a:r>
-              <a:rPr lang="ko-KR" altLang="en-US" sz="1400" dirty="0">
-                <a:ln>
-                  <a:solidFill>
-                    <a:schemeClr val="bg1">
-                      <a:lumMod val="50000"/>
-                      <a:alpha val="0"/>
-                    </a:schemeClr>
-                  </a:solidFill>
-                </a:ln>
-                <a:solidFill>
-                  <a:schemeClr val="tx1">
-                    <a:lumMod val="75000"/>
-                    <a:lumOff val="25000"/>
-                  </a:schemeClr>
-                </a:solidFill>
-                <a:latin typeface="나눔바른고딕" panose="020B0603020101020101" pitchFamily="50" charset="-127"/>
-                <a:ea typeface="나눔바른고딕" panose="020B0603020101020101" pitchFamily="50" charset="-127"/>
-              </a:rPr>
-              <a:t>들을 분리하여 로직을 관리하기 간편하게 정리하였습니다</a:t>
-            </a:r>
-            <a:r>
-              <a:rPr lang="en-US" altLang="ko-KR" sz="1400" dirty="0">
-                <a:ln>
-                  <a:solidFill>
-                    <a:schemeClr val="bg1">
-                      <a:lumMod val="50000"/>
-                      <a:alpha val="0"/>
-                    </a:schemeClr>
-                  </a:solidFill>
-                </a:ln>
-                <a:solidFill>
-                  <a:schemeClr val="tx1">
-                    <a:lumMod val="75000"/>
-                    <a:lumOff val="25000"/>
-                  </a:schemeClr>
-                </a:solidFill>
-                <a:latin typeface="나눔바른고딕" panose="020B0603020101020101" pitchFamily="50" charset="-127"/>
-                <a:ea typeface="나눔바른고딕" panose="020B0603020101020101" pitchFamily="50" charset="-127"/>
-              </a:rPr>
-              <a:t>.</a:t>
-            </a:r>
-            <a:br>
-              <a:rPr lang="en-US" altLang="ko-KR" sz="1400" dirty="0">
-                <a:ln>
-                  <a:solidFill>
-                    <a:schemeClr val="bg1">
-                      <a:lumMod val="50000"/>
-                      <a:alpha val="0"/>
-                    </a:schemeClr>
-                  </a:solidFill>
-                </a:ln>
-                <a:solidFill>
-                  <a:schemeClr val="tx1">
-                    <a:lumMod val="75000"/>
-                    <a:lumOff val="25000"/>
-                  </a:schemeClr>
-                </a:solidFill>
-                <a:latin typeface="나눔바른고딕" panose="020B0603020101020101" pitchFamily="50" charset="-127"/>
-                <a:ea typeface="나눔바른고딕" panose="020B0603020101020101" pitchFamily="50" charset="-127"/>
-              </a:rPr>
-            </a:br>
-            <a:br>
-              <a:rPr lang="en-US" altLang="ko-KR" sz="1400" dirty="0">
-                <a:ln>
-                  <a:solidFill>
-                    <a:schemeClr val="bg1">
-                      <a:lumMod val="50000"/>
-                      <a:alpha val="0"/>
-                    </a:schemeClr>
-                  </a:solidFill>
-                </a:ln>
-                <a:solidFill>
-                  <a:schemeClr val="tx1">
-                    <a:lumMod val="75000"/>
-                    <a:lumOff val="25000"/>
-                  </a:schemeClr>
-                </a:solidFill>
-                <a:latin typeface="나눔바른고딕" panose="020B0603020101020101" pitchFamily="50" charset="-127"/>
-                <a:ea typeface="나눔바른고딕" panose="020B0603020101020101" pitchFamily="50" charset="-127"/>
-              </a:rPr>
-            </a:br>
-            <a:r>
-              <a:rPr lang="en-US" altLang="ko-KR" sz="1400" dirty="0">
-                <a:ln>
-                  <a:solidFill>
-                    <a:schemeClr val="bg1">
-                      <a:lumMod val="50000"/>
-                      <a:alpha val="0"/>
-                    </a:schemeClr>
-                  </a:solidFill>
-                </a:ln>
-                <a:solidFill>
-                  <a:schemeClr val="tx1">
-                    <a:lumMod val="75000"/>
-                    <a:lumOff val="25000"/>
-                  </a:schemeClr>
-                </a:solidFill>
-                <a:latin typeface="나눔바른고딕" panose="020B0603020101020101" pitchFamily="50" charset="-127"/>
-                <a:ea typeface="나눔바른고딕" panose="020B0603020101020101" pitchFamily="50" charset="-127"/>
-              </a:rPr>
-              <a:t>MVP</a:t>
-            </a:r>
-            <a:r>
-              <a:rPr lang="ko-KR" altLang="en-US" sz="1400" dirty="0">
-                <a:ln>
-                  <a:solidFill>
-                    <a:schemeClr val="bg1">
-                      <a:lumMod val="50000"/>
-                      <a:alpha val="0"/>
-                    </a:schemeClr>
-                  </a:solidFill>
-                </a:ln>
-                <a:solidFill>
-                  <a:schemeClr val="tx1">
-                    <a:lumMod val="75000"/>
-                    <a:lumOff val="25000"/>
-                  </a:schemeClr>
-                </a:solidFill>
-                <a:latin typeface="나눔바른고딕" panose="020B0603020101020101" pitchFamily="50" charset="-127"/>
-                <a:ea typeface="나눔바른고딕" panose="020B0603020101020101" pitchFamily="50" charset="-127"/>
-              </a:rPr>
-              <a:t>를 채택함으로써 오는 장점으로는 로직과 데이터를 분리해서 관리할 수 있다는 것이었지만</a:t>
-            </a:r>
-            <a:r>
-              <a:rPr lang="en-US" altLang="ko-KR" sz="1400" dirty="0">
-                <a:ln>
-                  <a:solidFill>
-                    <a:schemeClr val="bg1">
-                      <a:lumMod val="50000"/>
-                      <a:alpha val="0"/>
-                    </a:schemeClr>
-                  </a:solidFill>
-                </a:ln>
-                <a:solidFill>
-                  <a:schemeClr val="tx1">
-                    <a:lumMod val="75000"/>
-                    <a:lumOff val="25000"/>
-                  </a:schemeClr>
-                </a:solidFill>
-                <a:latin typeface="나눔바른고딕" panose="020B0603020101020101" pitchFamily="50" charset="-127"/>
-                <a:ea typeface="나눔바른고딕" panose="020B0603020101020101" pitchFamily="50" charset="-127"/>
-              </a:rPr>
-              <a:t>, Presenter</a:t>
-            </a:r>
-            <a:r>
-              <a:rPr lang="ko-KR" altLang="en-US" sz="1400" dirty="0">
-                <a:ln>
-                  <a:solidFill>
-                    <a:schemeClr val="bg1">
-                      <a:lumMod val="50000"/>
-                      <a:alpha val="0"/>
-                    </a:schemeClr>
-                  </a:solidFill>
-                </a:ln>
-                <a:solidFill>
-                  <a:schemeClr val="tx1">
-                    <a:lumMod val="75000"/>
-                    <a:lumOff val="25000"/>
-                  </a:schemeClr>
-                </a:solidFill>
-                <a:latin typeface="나눔바른고딕" panose="020B0603020101020101" pitchFamily="50" charset="-127"/>
-                <a:ea typeface="나눔바른고딕" panose="020B0603020101020101" pitchFamily="50" charset="-127"/>
-              </a:rPr>
-              <a:t>에 로직이 모여 있다 보니 코드의 가독성이 떨어진다는 문제점이 있어 </a:t>
-            </a:r>
-            <a:r>
-              <a:rPr lang="en-US" altLang="ko-KR" sz="1400" dirty="0">
-                <a:ln>
-                  <a:solidFill>
-                    <a:schemeClr val="bg1">
-                      <a:lumMod val="50000"/>
-                      <a:alpha val="0"/>
-                    </a:schemeClr>
-                  </a:solidFill>
-                </a:ln>
-                <a:solidFill>
-                  <a:schemeClr val="tx1">
-                    <a:lumMod val="75000"/>
-                    <a:lumOff val="25000"/>
-                  </a:schemeClr>
-                </a:solidFill>
-                <a:latin typeface="나눔바른고딕" panose="020B0603020101020101" pitchFamily="50" charset="-127"/>
-                <a:ea typeface="나눔바른고딕" panose="020B0603020101020101" pitchFamily="50" charset="-127"/>
-              </a:rPr>
-              <a:t>Partial Class</a:t>
-            </a:r>
-            <a:r>
-              <a:rPr lang="ko-KR" altLang="en-US" sz="1400" dirty="0">
-                <a:ln>
-                  <a:solidFill>
-                    <a:schemeClr val="bg1">
-                      <a:lumMod val="50000"/>
-                      <a:alpha val="0"/>
-                    </a:schemeClr>
-                  </a:solidFill>
-                </a:ln>
-                <a:solidFill>
-                  <a:schemeClr val="tx1">
-                    <a:lumMod val="75000"/>
-                    <a:lumOff val="25000"/>
-                  </a:schemeClr>
-                </a:solidFill>
-                <a:latin typeface="나눔바른고딕" panose="020B0603020101020101" pitchFamily="50" charset="-127"/>
-                <a:ea typeface="나눔바른고딕" panose="020B0603020101020101" pitchFamily="50" charset="-127"/>
-              </a:rPr>
-              <a:t>와 </a:t>
-            </a:r>
-            <a:r>
-              <a:rPr lang="en-US" altLang="ko-KR" sz="1400" dirty="0" err="1">
-                <a:ln>
-                  <a:solidFill>
-                    <a:schemeClr val="bg1">
-                      <a:lumMod val="50000"/>
-                      <a:alpha val="0"/>
-                    </a:schemeClr>
-                  </a:solidFill>
-                </a:ln>
-                <a:solidFill>
-                  <a:schemeClr val="tx1">
-                    <a:lumMod val="75000"/>
-                    <a:lumOff val="25000"/>
-                  </a:schemeClr>
-                </a:solidFill>
-                <a:latin typeface="나눔바른고딕" panose="020B0603020101020101" pitchFamily="50" charset="-127"/>
-                <a:ea typeface="나눔바른고딕" panose="020B0603020101020101" pitchFamily="50" charset="-127"/>
-              </a:rPr>
-              <a:t>UniRx</a:t>
-            </a:r>
-            <a:r>
-              <a:rPr lang="en-US" altLang="ko-KR" sz="1400" dirty="0">
-                <a:ln>
-                  <a:solidFill>
-                    <a:schemeClr val="bg1">
-                      <a:lumMod val="50000"/>
-                      <a:alpha val="0"/>
-                    </a:schemeClr>
-                  </a:solidFill>
-                </a:ln>
-                <a:solidFill>
-                  <a:schemeClr val="tx1">
-                    <a:lumMod val="75000"/>
-                    <a:lumOff val="25000"/>
-                  </a:schemeClr>
-                </a:solidFill>
-                <a:latin typeface="나눔바른고딕" panose="020B0603020101020101" pitchFamily="50" charset="-127"/>
-                <a:ea typeface="나눔바른고딕" panose="020B0603020101020101" pitchFamily="50" charset="-127"/>
-              </a:rPr>
-              <a:t> </a:t>
-            </a:r>
-            <a:r>
-              <a:rPr lang="ko-KR" altLang="en-US" sz="1400" dirty="0">
-                <a:ln>
-                  <a:solidFill>
-                    <a:schemeClr val="bg1">
-                      <a:lumMod val="50000"/>
-                      <a:alpha val="0"/>
-                    </a:schemeClr>
-                  </a:solidFill>
-                </a:ln>
-                <a:solidFill>
-                  <a:schemeClr val="tx1">
-                    <a:lumMod val="75000"/>
-                    <a:lumOff val="25000"/>
-                  </a:schemeClr>
-                </a:solidFill>
-                <a:latin typeface="나눔바른고딕" panose="020B0603020101020101" pitchFamily="50" charset="-127"/>
-                <a:ea typeface="나눔바른고딕" panose="020B0603020101020101" pitchFamily="50" charset="-127"/>
-              </a:rPr>
-              <a:t>등의 사용으로 해당 문제를 해결하려고 노력하였습니다</a:t>
-            </a:r>
-            <a:r>
-              <a:rPr lang="en-US" altLang="ko-KR" sz="1400" dirty="0">
-                <a:ln>
-                  <a:solidFill>
-                    <a:schemeClr val="bg1">
-                      <a:lumMod val="50000"/>
-                      <a:alpha val="0"/>
-                    </a:schemeClr>
-                  </a:solidFill>
-                </a:ln>
-                <a:solidFill>
-                  <a:schemeClr val="tx1">
-                    <a:lumMod val="75000"/>
-                    <a:lumOff val="25000"/>
-                  </a:schemeClr>
-                </a:solidFill>
-                <a:latin typeface="나눔바른고딕" panose="020B0603020101020101" pitchFamily="50" charset="-127"/>
-                <a:ea typeface="나눔바른고딕" panose="020B0603020101020101" pitchFamily="50" charset="-127"/>
-              </a:rPr>
-              <a:t>.</a:t>
-            </a:r>
-            <a:endParaRPr lang="en-US" altLang="ko-KR" sz="1400" b="1" dirty="0">
-              <a:ln>
-                <a:solidFill>
-                  <a:schemeClr val="bg1">
-                    <a:lumMod val="50000"/>
-                    <a:alpha val="0"/>
-                  </a:schemeClr>
-                </a:solidFill>
-              </a:ln>
-              <a:solidFill>
-                <a:schemeClr val="tx1">
-                  <a:lumMod val="75000"/>
-                  <a:lumOff val="25000"/>
-                </a:schemeClr>
-              </a:solidFill>
-              <a:latin typeface="나눔바른고딕" panose="020B0603020101020101" pitchFamily="50" charset="-127"/>
-              <a:ea typeface="나눔바른고딕" panose="020B0603020101020101" pitchFamily="50" charset="-127"/>
-            </a:endParaRPr>
-          </a:p>
-          <a:p>
-            <a:endParaRPr lang="en-US" altLang="ko-KR" sz="1400" b="1" dirty="0">
-              <a:ln>
-                <a:solidFill>
-                  <a:schemeClr val="bg1">
-                    <a:lumMod val="50000"/>
-                    <a:alpha val="0"/>
-                  </a:schemeClr>
-                </a:solidFill>
-              </a:ln>
-              <a:solidFill>
-                <a:schemeClr val="tx1">
-                  <a:lumMod val="75000"/>
-                  <a:lumOff val="25000"/>
-                </a:schemeClr>
-              </a:solidFill>
-              <a:latin typeface="나눔바른고딕" panose="020B0603020101020101" pitchFamily="50" charset="-127"/>
-              <a:ea typeface="나눔바른고딕" panose="020B0603020101020101" pitchFamily="50" charset="-127"/>
-            </a:endParaRPr>
-          </a:p>
-          <a:p>
-            <a:br>
-              <a:rPr lang="en-US" altLang="ko-KR" sz="1400" b="1" dirty="0">
-                <a:ln>
-                  <a:solidFill>
-                    <a:schemeClr val="bg1">
-                      <a:lumMod val="50000"/>
-                      <a:alpha val="0"/>
-                    </a:schemeClr>
-                  </a:solidFill>
-                </a:ln>
-                <a:solidFill>
-                  <a:srgbClr val="C00000"/>
-                </a:solidFill>
-                <a:latin typeface="나눔바른고딕" panose="020B0603020101020101" pitchFamily="50" charset="-127"/>
-                <a:ea typeface="나눔바른고딕" panose="020B0603020101020101" pitchFamily="50" charset="-127"/>
-              </a:rPr>
-            </a:br>
-            <a:endParaRPr lang="en-US" altLang="ko-KR" sz="1400" b="1" dirty="0">
-              <a:ln>
-                <a:solidFill>
-                  <a:schemeClr val="bg1">
-                    <a:lumMod val="50000"/>
-                    <a:alpha val="0"/>
-                  </a:schemeClr>
-                </a:solidFill>
-              </a:ln>
-              <a:solidFill>
-                <a:srgbClr val="C00000"/>
-              </a:solidFill>
-              <a:latin typeface="나눔바른고딕" panose="020B0603020101020101" pitchFamily="50" charset="-127"/>
-              <a:ea typeface="나눔바른고딕" panose="020B0603020101020101" pitchFamily="50" charset="-127"/>
-            </a:endParaRPr>
-          </a:p>
-          <a:p>
-            <a:endParaRPr lang="en-US" altLang="ko-KR" sz="1400" dirty="0">
-              <a:ln>
-                <a:solidFill>
-                  <a:schemeClr val="bg1">
-                    <a:lumMod val="50000"/>
-                    <a:alpha val="0"/>
-                  </a:schemeClr>
-                </a:solidFill>
-              </a:ln>
-              <a:solidFill>
-                <a:schemeClr val="tx1">
-                  <a:lumMod val="75000"/>
-                  <a:lumOff val="25000"/>
-                </a:schemeClr>
-              </a:solidFill>
-              <a:latin typeface="나눔바른고딕 UltraLight" panose="020B0603020101020101" pitchFamily="50" charset="-127"/>
-              <a:ea typeface="나눔바른고딕 UltraLight" panose="020B0603020101020101" pitchFamily="50" charset="-127"/>
-            </a:endParaRPr>
-          </a:p>
-        </p:txBody>
-      </p:sp>
-      <p:sp>
-        <p:nvSpPr>
-          <p:cNvPr id="6" name="Rectangle 2">
-            <a:extLst>
-              <a:ext uri="{FF2B5EF4-FFF2-40B4-BE49-F238E27FC236}">
-                <a16:creationId xmlns:a16="http://schemas.microsoft.com/office/drawing/2014/main" id="{28037EF8-1F0D-4085-80EE-548A39FC6546}"/>
-              </a:ext>
-            </a:extLst>
-          </p:cNvPr>
-          <p:cNvSpPr>
-            <a:spLocks noChangeArrowheads="1"/>
-          </p:cNvSpPr>
-          <p:nvPr/>
-        </p:nvSpPr>
-        <p:spPr bwMode="auto">
-          <a:xfrm>
-            <a:off x="7118350" y="1525994"/>
-            <a:ext cx="12192000" cy="457200"/>
-          </a:xfrm>
-          <a:prstGeom prst="rect">
-            <a:avLst/>
-          </a:prstGeom>
-          <a:noFill/>
-          <a:ln>
-            <a:noFill/>
-          </a:ln>
-          <a:effectLst/>
-          <a:extLst>
-            <a:ext uri="{909E8E84-426E-40DD-AFC4-6F175D3DCCD1}">
-              <a14:hiddenFill xmlns:a14="http://schemas.microsoft.com/office/drawing/2010/main">
-                <a:solidFill>
-                  <a:schemeClr val="accent1"/>
-                </a:solidFill>
-              </a14:hiddenFill>
-            </a:ext>
-            <a:ext uri="{91240B29-F687-4F45-9708-019B960494DF}">
-              <a14:hiddenLine xmlns:a14="http://schemas.microsoft.com/office/drawing/2010/main" w="9525">
-                <a:solidFill>
-                  <a:schemeClr val="tx1"/>
-                </a:solidFill>
-                <a:miter lim="800000"/>
-                <a:headEnd/>
-                <a:tailEnd/>
-              </a14:hiddenLine>
-            </a:ext>
-            <a:ext uri="{AF507438-7753-43E0-B8FC-AC1667EBCBE1}">
-              <a14:hiddenEffects xmlns:a14="http://schemas.microsoft.com/office/drawing/2010/main">
-                <a:effectLst>
-                  <a:outerShdw dist="35921" dir="2700000" algn="ctr" rotWithShape="0">
-                    <a:schemeClr val="bg2"/>
-                  </a:outerShdw>
-                </a:effectLst>
-              </a14:hiddenEffects>
-            </a:ext>
-          </a:extLst>
-        </p:spPr>
-        <p:txBody>
-          <a:bodyPr vert="horz" wrap="none" lIns="91440" tIns="45720" rIns="91440" bIns="45720" numCol="1" anchor="ctr" anchorCtr="0" compatLnSpc="1">
-            <a:prstTxWarp prst="textNoShape">
-              <a:avLst/>
-            </a:prstTxWarp>
-            <a:spAutoFit/>
-          </a:bodyPr>
-          <a:lstStyle/>
-          <a:p>
-            <a:endParaRPr lang="ko-KR" altLang="en-US"/>
-          </a:p>
-        </p:txBody>
-      </p:sp>
-      <p:pic>
-        <p:nvPicPr>
-          <p:cNvPr id="11" name="그림 10">
-            <a:extLst>
-              <a:ext uri="{FF2B5EF4-FFF2-40B4-BE49-F238E27FC236}">
-                <a16:creationId xmlns:a16="http://schemas.microsoft.com/office/drawing/2014/main" id="{57DEA16A-E283-42E9-B8BD-A062EFAD2403}"/>
-              </a:ext>
-            </a:extLst>
-          </p:cNvPr>
-          <p:cNvPicPr>
-            <a:picLocks noChangeAspect="1"/>
-          </p:cNvPicPr>
-          <p:nvPr/>
-        </p:nvPicPr>
-        <p:blipFill>
-          <a:blip r:embed="rId3"/>
-          <a:stretch>
-            <a:fillRect/>
-          </a:stretch>
-        </p:blipFill>
-        <p:spPr>
-          <a:xfrm>
-            <a:off x="8702087" y="3727309"/>
-            <a:ext cx="2828351" cy="2355709"/>
-          </a:xfrm>
-          <a:prstGeom prst="rect">
-            <a:avLst/>
-          </a:prstGeom>
-        </p:spPr>
-      </p:pic>
-    </p:spTree>
-    <p:extLst>
-      <p:ext uri="{BB962C8B-B14F-4D97-AF65-F5344CB8AC3E}">
-        <p14:creationId xmlns:p14="http://schemas.microsoft.com/office/powerpoint/2010/main" val="995306297"/>
-      </p:ext>
-    </p:extLst>
-  </p:cSld>
-  <p:clrMapOvr>
-    <a:masterClrMapping/>
-  </p:clrMapOvr>
-</p:sld>
-</file>
-
-<file path=ppt/slides/slide11.xml><?xml version="1.0" encoding="utf-8"?>
-<p:sld xmlns:a="http://schemas.openxmlformats.org/drawingml/2006/main" xmlns:r="http://schemas.openxmlformats.org/officeDocument/2006/relationships" xmlns:p="http://schemas.openxmlformats.org/presentationml/2006/main">
-  <p:cSld>
-    <p:spTree>
-      <p:nvGrpSpPr>
-        <p:cNvPr id="1" name=""/>
-        <p:cNvGrpSpPr/>
-        <p:nvPr/>
-      </p:nvGrpSpPr>
-      <p:grpSpPr>
-        <a:xfrm>
-          <a:off x="0" y="0"/>
-          <a:ext cx="0" cy="0"/>
-          <a:chOff x="0" y="0"/>
-          <a:chExt cx="0" cy="0"/>
-        </a:xfrm>
-      </p:grpSpPr>
       <p:sp>
         <p:nvSpPr>
           <p:cNvPr id="35" name="직사각형 34"/>
@@ -7032,7 +5462,7 @@
 </p:sld>
 </file>
 
-<file path=ppt/slides/slide12.xml><?xml version="1.0" encoding="utf-8"?>
+<file path=ppt/slides/slide11.xml><?xml version="1.0" encoding="utf-8"?>
 <p:sld xmlns:a="http://schemas.openxmlformats.org/drawingml/2006/main" xmlns:r="http://schemas.openxmlformats.org/officeDocument/2006/relationships" xmlns:p="http://schemas.openxmlformats.org/presentationml/2006/main">
   <p:cSld>
     <p:spTree>
@@ -12328,15 +10758,6 @@
                 <a:srgbClr val="FFFFFF"/>
               </a:contourClr>
             </a:sp3d>
-            <a:extLst>
-              <a:ext uri="{909E8E84-426E-40DD-AFC4-6F175D3DCCD1}">
-                <a14:hiddenFill xmlns:a14="http://schemas.microsoft.com/office/drawing/2010/main">
-                  <a:solidFill>
-                    <a:srgbClr val="FFFFFF"/>
-                  </a:solidFill>
-                </a14:hiddenFill>
-              </a:ext>
-            </a:extLst>
           </p:spPr>
         </p:pic>
         <p:pic>
@@ -12404,15 +10825,6 @@
                 <a:srgbClr val="FFFFFF"/>
               </a:contourClr>
             </a:sp3d>
-            <a:extLst>
-              <a:ext uri="{909E8E84-426E-40DD-AFC4-6F175D3DCCD1}">
-                <a14:hiddenFill xmlns:a14="http://schemas.microsoft.com/office/drawing/2010/main">
-                  <a:solidFill>
-                    <a:srgbClr val="FFFFFF"/>
-                  </a:solidFill>
-                </a14:hiddenFill>
-              </a:ext>
-            </a:extLst>
           </p:spPr>
         </p:pic>
         <p:pic>
@@ -12480,15 +10892,6 @@
                 <a:srgbClr val="FFFFFF"/>
               </a:contourClr>
             </a:sp3d>
-            <a:extLst>
-              <a:ext uri="{909E8E84-426E-40DD-AFC4-6F175D3DCCD1}">
-                <a14:hiddenFill xmlns:a14="http://schemas.microsoft.com/office/drawing/2010/main">
-                  <a:solidFill>
-                    <a:srgbClr val="FFFFFF"/>
-                  </a:solidFill>
-                </a14:hiddenFill>
-              </a:ext>
-            </a:extLst>
           </p:spPr>
         </p:pic>
         <p:pic>
@@ -12556,15 +10959,6 @@
                 <a:srgbClr val="FFFFFF"/>
               </a:contourClr>
             </a:sp3d>
-            <a:extLst>
-              <a:ext uri="{909E8E84-426E-40DD-AFC4-6F175D3DCCD1}">
-                <a14:hiddenFill xmlns:a14="http://schemas.microsoft.com/office/drawing/2010/main">
-                  <a:solidFill>
-                    <a:srgbClr val="FFFFFF"/>
-                  </a:solidFill>
-                </a14:hiddenFill>
-              </a:ext>
-            </a:extLst>
           </p:spPr>
         </p:pic>
       </p:grpSp>
@@ -16421,2544 +14815,6 @@
 </file>
 
 <file path=ppt/slides/slide6.xml><?xml version="1.0" encoding="utf-8"?>
-<p:sld xmlns:a="http://schemas.openxmlformats.org/drawingml/2006/main" xmlns:r="http://schemas.openxmlformats.org/officeDocument/2006/relationships" xmlns:p="http://schemas.openxmlformats.org/presentationml/2006/main">
-  <p:cSld>
-    <p:spTree>
-      <p:nvGrpSpPr>
-        <p:cNvPr id="1" name=""/>
-        <p:cNvGrpSpPr/>
-        <p:nvPr/>
-      </p:nvGrpSpPr>
-      <p:grpSpPr>
-        <a:xfrm>
-          <a:off x="0" y="0"/>
-          <a:ext cx="0" cy="0"/>
-          <a:chOff x="0" y="0"/>
-          <a:chExt cx="0" cy="0"/>
-        </a:xfrm>
-      </p:grpSpPr>
-      <p:sp>
-        <p:nvSpPr>
-          <p:cNvPr id="35" name="직사각형 34"/>
-          <p:cNvSpPr/>
-          <p:nvPr/>
-        </p:nvSpPr>
-        <p:spPr>
-          <a:xfrm>
-            <a:off x="5496993" y="1128663"/>
-            <a:ext cx="3722494" cy="369332"/>
-          </a:xfrm>
-          <a:prstGeom prst="rect">
-            <a:avLst/>
-          </a:prstGeom>
-        </p:spPr>
-        <p:txBody>
-          <a:bodyPr wrap="none">
-            <a:spAutoFit/>
-          </a:bodyPr>
-          <a:lstStyle/>
-          <a:p>
-            <a:pPr algn="ctr"/>
-            <a:r>
-              <a:rPr lang="ko-KR" altLang="en-US" b="1" dirty="0">
-                <a:ln>
-                  <a:solidFill>
-                    <a:schemeClr val="bg1">
-                      <a:lumMod val="50000"/>
-                      <a:alpha val="0"/>
-                    </a:schemeClr>
-                  </a:solidFill>
-                </a:ln>
-                <a:solidFill>
-                  <a:schemeClr val="tx1">
-                    <a:lumMod val="75000"/>
-                    <a:lumOff val="25000"/>
-                  </a:schemeClr>
-                </a:solidFill>
-                <a:latin typeface="나눔바른고딕" panose="020B0603020101020101" pitchFamily="50" charset="-127"/>
-                <a:ea typeface="나눔바른고딕" panose="020B0603020101020101" pitchFamily="50" charset="-127"/>
-              </a:rPr>
-              <a:t>주요 개발 내용 </a:t>
-            </a:r>
-            <a:r>
-              <a:rPr lang="en-US" altLang="ko-KR" b="1" dirty="0">
-                <a:ln>
-                  <a:solidFill>
-                    <a:schemeClr val="bg1">
-                      <a:lumMod val="50000"/>
-                      <a:alpha val="0"/>
-                    </a:schemeClr>
-                  </a:solidFill>
-                </a:ln>
-                <a:solidFill>
-                  <a:schemeClr val="tx1">
-                    <a:lumMod val="75000"/>
-                    <a:lumOff val="25000"/>
-                  </a:schemeClr>
-                </a:solidFill>
-                <a:latin typeface="나눔바른고딕" panose="020B0603020101020101" pitchFamily="50" charset="-127"/>
-                <a:ea typeface="나눔바른고딕" panose="020B0603020101020101" pitchFamily="50" charset="-127"/>
-              </a:rPr>
-              <a:t>: </a:t>
-            </a:r>
-            <a:r>
-              <a:rPr lang="ko-KR" altLang="en-US" b="1" dirty="0">
-                <a:ln>
-                  <a:solidFill>
-                    <a:schemeClr val="bg1">
-                      <a:lumMod val="50000"/>
-                      <a:alpha val="0"/>
-                    </a:schemeClr>
-                  </a:solidFill>
-                </a:ln>
-                <a:solidFill>
-                  <a:schemeClr val="tx1">
-                    <a:lumMod val="75000"/>
-                    <a:lumOff val="25000"/>
-                  </a:schemeClr>
-                </a:solidFill>
-                <a:latin typeface="나눔바른고딕" panose="020B0603020101020101" pitchFamily="50" charset="-127"/>
-                <a:ea typeface="나눔바른고딕" panose="020B0603020101020101" pitchFamily="50" charset="-127"/>
-              </a:rPr>
-              <a:t>서버</a:t>
-            </a:r>
-            <a:r>
-              <a:rPr lang="en-US" altLang="ko-KR" b="1" dirty="0">
-                <a:ln>
-                  <a:solidFill>
-                    <a:schemeClr val="bg1">
-                      <a:lumMod val="50000"/>
-                      <a:alpha val="0"/>
-                    </a:schemeClr>
-                  </a:solidFill>
-                </a:ln>
-                <a:solidFill>
-                  <a:schemeClr val="tx1">
-                    <a:lumMod val="75000"/>
-                    <a:lumOff val="25000"/>
-                  </a:schemeClr>
-                </a:solidFill>
-                <a:latin typeface="나눔바른고딕" panose="020B0603020101020101" pitchFamily="50" charset="-127"/>
-                <a:ea typeface="나눔바른고딕" panose="020B0603020101020101" pitchFamily="50" charset="-127"/>
-              </a:rPr>
-              <a:t>-</a:t>
-            </a:r>
-            <a:r>
-              <a:rPr lang="ko-KR" altLang="en-US" b="1" dirty="0">
-                <a:ln>
-                  <a:solidFill>
-                    <a:schemeClr val="bg1">
-                      <a:lumMod val="50000"/>
-                      <a:alpha val="0"/>
-                    </a:schemeClr>
-                  </a:solidFill>
-                </a:ln>
-                <a:solidFill>
-                  <a:schemeClr val="tx1">
-                    <a:lumMod val="75000"/>
-                    <a:lumOff val="25000"/>
-                  </a:schemeClr>
-                </a:solidFill>
-                <a:latin typeface="나눔바른고딕" panose="020B0603020101020101" pitchFamily="50" charset="-127"/>
-                <a:ea typeface="나눔바른고딕" panose="020B0603020101020101" pitchFamily="50" charset="-127"/>
-              </a:rPr>
-              <a:t>클라이언트 연결</a:t>
-            </a:r>
-            <a:endParaRPr lang="en-US" altLang="ko-KR" b="1" dirty="0">
-              <a:ln>
-                <a:solidFill>
-                  <a:schemeClr val="bg1">
-                    <a:lumMod val="50000"/>
-                    <a:alpha val="0"/>
-                  </a:schemeClr>
-                </a:solidFill>
-              </a:ln>
-              <a:solidFill>
-                <a:schemeClr val="tx1">
-                  <a:lumMod val="75000"/>
-                  <a:lumOff val="25000"/>
-                </a:schemeClr>
-              </a:solidFill>
-              <a:latin typeface="나눔바른고딕" panose="020B0603020101020101" pitchFamily="50" charset="-127"/>
-              <a:ea typeface="나눔바른고딕" panose="020B0603020101020101" pitchFamily="50" charset="-127"/>
-            </a:endParaRPr>
-          </a:p>
-        </p:txBody>
-      </p:sp>
-      <p:sp>
-        <p:nvSpPr>
-          <p:cNvPr id="2" name="Rectangle 2">
-            <a:extLst>
-              <a:ext uri="{FF2B5EF4-FFF2-40B4-BE49-F238E27FC236}">
-                <a16:creationId xmlns:a16="http://schemas.microsoft.com/office/drawing/2014/main" id="{664484F6-F8F4-4B25-933B-829FC23D2EB3}"/>
-              </a:ext>
-            </a:extLst>
-          </p:cNvPr>
-          <p:cNvSpPr>
-            <a:spLocks noChangeArrowheads="1"/>
-          </p:cNvSpPr>
-          <p:nvPr/>
-        </p:nvSpPr>
-        <p:spPr bwMode="auto">
-          <a:xfrm>
-            <a:off x="8788873" y="1437619"/>
-            <a:ext cx="12192000" cy="457200"/>
-          </a:xfrm>
-          <a:prstGeom prst="rect">
-            <a:avLst/>
-          </a:prstGeom>
-          <a:noFill/>
-          <a:ln>
-            <a:noFill/>
-          </a:ln>
-          <a:effectLst/>
-          <a:extLst>
-            <a:ext uri="{909E8E84-426E-40DD-AFC4-6F175D3DCCD1}">
-              <a14:hiddenFill xmlns:a14="http://schemas.microsoft.com/office/drawing/2010/main">
-                <a:solidFill>
-                  <a:schemeClr val="accent1"/>
-                </a:solidFill>
-              </a14:hiddenFill>
-            </a:ext>
-            <a:ext uri="{91240B29-F687-4F45-9708-019B960494DF}">
-              <a14:hiddenLine xmlns:a14="http://schemas.microsoft.com/office/drawing/2010/main" w="9525">
-                <a:solidFill>
-                  <a:schemeClr val="tx1"/>
-                </a:solidFill>
-                <a:miter lim="800000"/>
-                <a:headEnd/>
-                <a:tailEnd/>
-              </a14:hiddenLine>
-            </a:ext>
-            <a:ext uri="{AF507438-7753-43E0-B8FC-AC1667EBCBE1}">
-              <a14:hiddenEffects xmlns:a14="http://schemas.microsoft.com/office/drawing/2010/main">
-                <a:effectLst>
-                  <a:outerShdw dist="35921" dir="2700000" algn="ctr" rotWithShape="0">
-                    <a:schemeClr val="bg2"/>
-                  </a:outerShdw>
-                </a:effectLst>
-              </a14:hiddenEffects>
-            </a:ext>
-          </a:extLst>
-        </p:spPr>
-        <p:txBody>
-          <a:bodyPr vert="horz" wrap="none" lIns="91440" tIns="45720" rIns="91440" bIns="45720" numCol="1" anchor="ctr" anchorCtr="0" compatLnSpc="1">
-            <a:prstTxWarp prst="textNoShape">
-              <a:avLst/>
-            </a:prstTxWarp>
-            <a:spAutoFit/>
-          </a:bodyPr>
-          <a:lstStyle/>
-          <a:p>
-            <a:endParaRPr lang="ko-KR" altLang="en-US"/>
-          </a:p>
-        </p:txBody>
-      </p:sp>
-      <p:sp>
-        <p:nvSpPr>
-          <p:cNvPr id="3" name="Rectangle 4">
-            <a:extLst>
-              <a:ext uri="{FF2B5EF4-FFF2-40B4-BE49-F238E27FC236}">
-                <a16:creationId xmlns:a16="http://schemas.microsoft.com/office/drawing/2014/main" id="{262BE8FA-748A-41E5-AF94-175DD1142FE5}"/>
-              </a:ext>
-            </a:extLst>
-          </p:cNvPr>
-          <p:cNvSpPr>
-            <a:spLocks noChangeArrowheads="1"/>
-          </p:cNvSpPr>
-          <p:nvPr/>
-        </p:nvSpPr>
-        <p:spPr bwMode="auto">
-          <a:xfrm>
-            <a:off x="0" y="0"/>
-            <a:ext cx="12192000" cy="457200"/>
-          </a:xfrm>
-          <a:prstGeom prst="rect">
-            <a:avLst/>
-          </a:prstGeom>
-          <a:noFill/>
-          <a:ln>
-            <a:noFill/>
-          </a:ln>
-          <a:effectLst/>
-          <a:extLst>
-            <a:ext uri="{909E8E84-426E-40DD-AFC4-6F175D3DCCD1}">
-              <a14:hiddenFill xmlns:a14="http://schemas.microsoft.com/office/drawing/2010/main">
-                <a:solidFill>
-                  <a:schemeClr val="accent1"/>
-                </a:solidFill>
-              </a14:hiddenFill>
-            </a:ext>
-            <a:ext uri="{91240B29-F687-4F45-9708-019B960494DF}">
-              <a14:hiddenLine xmlns:a14="http://schemas.microsoft.com/office/drawing/2010/main" w="9525">
-                <a:solidFill>
-                  <a:schemeClr val="tx1"/>
-                </a:solidFill>
-                <a:miter lim="800000"/>
-                <a:headEnd/>
-                <a:tailEnd/>
-              </a14:hiddenLine>
-            </a:ext>
-            <a:ext uri="{AF507438-7753-43E0-B8FC-AC1667EBCBE1}">
-              <a14:hiddenEffects xmlns:a14="http://schemas.microsoft.com/office/drawing/2010/main">
-                <a:effectLst>
-                  <a:outerShdw dist="35921" dir="2700000" algn="ctr" rotWithShape="0">
-                    <a:schemeClr val="bg2"/>
-                  </a:outerShdw>
-                </a:effectLst>
-              </a14:hiddenEffects>
-            </a:ext>
-          </a:extLst>
-        </p:spPr>
-        <p:txBody>
-          <a:bodyPr vert="horz" wrap="none" lIns="91440" tIns="45720" rIns="91440" bIns="45720" numCol="1" anchor="ctr" anchorCtr="0" compatLnSpc="1">
-            <a:prstTxWarp prst="textNoShape">
-              <a:avLst/>
-            </a:prstTxWarp>
-            <a:spAutoFit/>
-          </a:bodyPr>
-          <a:lstStyle/>
-          <a:p>
-            <a:endParaRPr lang="ko-KR" altLang="en-US"/>
-          </a:p>
-        </p:txBody>
-      </p:sp>
-      <p:sp>
-        <p:nvSpPr>
-          <p:cNvPr id="4" name="Rectangle 6">
-            <a:extLst>
-              <a:ext uri="{FF2B5EF4-FFF2-40B4-BE49-F238E27FC236}">
-                <a16:creationId xmlns:a16="http://schemas.microsoft.com/office/drawing/2014/main" id="{0F6BE229-605D-4FBE-92D4-80BE3D355158}"/>
-              </a:ext>
-            </a:extLst>
-          </p:cNvPr>
-          <p:cNvSpPr>
-            <a:spLocks noChangeArrowheads="1"/>
-          </p:cNvSpPr>
-          <p:nvPr/>
-        </p:nvSpPr>
-        <p:spPr bwMode="auto">
-          <a:xfrm>
-            <a:off x="6301290" y="3824694"/>
-            <a:ext cx="12192000" cy="457200"/>
-          </a:xfrm>
-          <a:prstGeom prst="rect">
-            <a:avLst/>
-          </a:prstGeom>
-          <a:noFill/>
-          <a:ln>
-            <a:noFill/>
-          </a:ln>
-          <a:effectLst/>
-          <a:extLst>
-            <a:ext uri="{909E8E84-426E-40DD-AFC4-6F175D3DCCD1}">
-              <a14:hiddenFill xmlns:a14="http://schemas.microsoft.com/office/drawing/2010/main">
-                <a:solidFill>
-                  <a:schemeClr val="accent1"/>
-                </a:solidFill>
-              </a14:hiddenFill>
-            </a:ext>
-            <a:ext uri="{91240B29-F687-4F45-9708-019B960494DF}">
-              <a14:hiddenLine xmlns:a14="http://schemas.microsoft.com/office/drawing/2010/main" w="9525">
-                <a:solidFill>
-                  <a:schemeClr val="tx1"/>
-                </a:solidFill>
-                <a:miter lim="800000"/>
-                <a:headEnd/>
-                <a:tailEnd/>
-              </a14:hiddenLine>
-            </a:ext>
-            <a:ext uri="{AF507438-7753-43E0-B8FC-AC1667EBCBE1}">
-              <a14:hiddenEffects xmlns:a14="http://schemas.microsoft.com/office/drawing/2010/main">
-                <a:effectLst>
-                  <a:outerShdw dist="35921" dir="2700000" algn="ctr" rotWithShape="0">
-                    <a:schemeClr val="bg2"/>
-                  </a:outerShdw>
-                </a:effectLst>
-              </a14:hiddenEffects>
-            </a:ext>
-          </a:extLst>
-        </p:spPr>
-        <p:txBody>
-          <a:bodyPr vert="horz" wrap="none" lIns="91440" tIns="45720" rIns="91440" bIns="45720" numCol="1" anchor="ctr" anchorCtr="0" compatLnSpc="1">
-            <a:prstTxWarp prst="textNoShape">
-              <a:avLst/>
-            </a:prstTxWarp>
-            <a:spAutoFit/>
-          </a:bodyPr>
-          <a:lstStyle/>
-          <a:p>
-            <a:endParaRPr lang="ko-KR" altLang="en-US"/>
-          </a:p>
-        </p:txBody>
-      </p:sp>
-      <p:sp>
-        <p:nvSpPr>
-          <p:cNvPr id="5" name="Rectangle 8">
-            <a:extLst>
-              <a:ext uri="{FF2B5EF4-FFF2-40B4-BE49-F238E27FC236}">
-                <a16:creationId xmlns:a16="http://schemas.microsoft.com/office/drawing/2014/main" id="{952A8774-FBCE-4F34-B002-DACF5876BAF3}"/>
-              </a:ext>
-            </a:extLst>
-          </p:cNvPr>
-          <p:cNvSpPr>
-            <a:spLocks noChangeArrowheads="1"/>
-          </p:cNvSpPr>
-          <p:nvPr/>
-        </p:nvSpPr>
-        <p:spPr bwMode="auto">
-          <a:xfrm>
-            <a:off x="0" y="0"/>
-            <a:ext cx="12192000" cy="457200"/>
-          </a:xfrm>
-          <a:prstGeom prst="rect">
-            <a:avLst/>
-          </a:prstGeom>
-          <a:noFill/>
-          <a:ln>
-            <a:noFill/>
-          </a:ln>
-          <a:effectLst/>
-          <a:extLst>
-            <a:ext uri="{909E8E84-426E-40DD-AFC4-6F175D3DCCD1}">
-              <a14:hiddenFill xmlns:a14="http://schemas.microsoft.com/office/drawing/2010/main">
-                <a:solidFill>
-                  <a:schemeClr val="accent1"/>
-                </a:solidFill>
-              </a14:hiddenFill>
-            </a:ext>
-            <a:ext uri="{91240B29-F687-4F45-9708-019B960494DF}">
-              <a14:hiddenLine xmlns:a14="http://schemas.microsoft.com/office/drawing/2010/main" w="9525">
-                <a:solidFill>
-                  <a:schemeClr val="tx1"/>
-                </a:solidFill>
-                <a:miter lim="800000"/>
-                <a:headEnd/>
-                <a:tailEnd/>
-              </a14:hiddenLine>
-            </a:ext>
-            <a:ext uri="{AF507438-7753-43E0-B8FC-AC1667EBCBE1}">
-              <a14:hiddenEffects xmlns:a14="http://schemas.microsoft.com/office/drawing/2010/main">
-                <a:effectLst>
-                  <a:outerShdw dist="35921" dir="2700000" algn="ctr" rotWithShape="0">
-                    <a:schemeClr val="bg2"/>
-                  </a:outerShdw>
-                </a:effectLst>
-              </a14:hiddenEffects>
-            </a:ext>
-          </a:extLst>
-        </p:spPr>
-        <p:txBody>
-          <a:bodyPr vert="horz" wrap="none" lIns="91440" tIns="45720" rIns="91440" bIns="45720" numCol="1" anchor="ctr" anchorCtr="0" compatLnSpc="1">
-            <a:prstTxWarp prst="textNoShape">
-              <a:avLst/>
-            </a:prstTxWarp>
-            <a:spAutoFit/>
-          </a:bodyPr>
-          <a:lstStyle/>
-          <a:p>
-            <a:endParaRPr lang="ko-KR" altLang="en-US"/>
-          </a:p>
-        </p:txBody>
-      </p:sp>
-      <p:sp>
-        <p:nvSpPr>
-          <p:cNvPr id="24" name="직사각형 23">
-            <a:extLst>
-              <a:ext uri="{FF2B5EF4-FFF2-40B4-BE49-F238E27FC236}">
-                <a16:creationId xmlns:a16="http://schemas.microsoft.com/office/drawing/2014/main" id="{0C3315AB-F23A-4FA0-9092-9BE161AE8B37}"/>
-              </a:ext>
-            </a:extLst>
-          </p:cNvPr>
-          <p:cNvSpPr/>
-          <p:nvPr/>
-        </p:nvSpPr>
-        <p:spPr>
-          <a:xfrm>
-            <a:off x="3390786" y="1735605"/>
-            <a:ext cx="5401866" cy="5478423"/>
-          </a:xfrm>
-          <a:prstGeom prst="rect">
-            <a:avLst/>
-          </a:prstGeom>
-        </p:spPr>
-        <p:txBody>
-          <a:bodyPr wrap="square">
-            <a:spAutoFit/>
-          </a:bodyPr>
-          <a:lstStyle/>
-          <a:p>
-            <a:pPr marL="342900" indent="-342900">
-              <a:buAutoNum type="arabicPeriod" startAt="2"/>
-            </a:pPr>
-            <a:r>
-              <a:rPr lang="ko-KR" altLang="en-US" sz="1400" b="1" dirty="0">
-                <a:ln>
-                  <a:solidFill>
-                    <a:schemeClr val="bg1">
-                      <a:lumMod val="50000"/>
-                      <a:alpha val="0"/>
-                    </a:schemeClr>
-                  </a:solidFill>
-                </a:ln>
-                <a:solidFill>
-                  <a:schemeClr val="tx1">
-                    <a:lumMod val="75000"/>
-                    <a:lumOff val="25000"/>
-                  </a:schemeClr>
-                </a:solidFill>
-                <a:latin typeface="나눔바른고딕" panose="020B0603020101020101" pitchFamily="50" charset="-127"/>
-                <a:ea typeface="나눔바른고딕" panose="020B0603020101020101" pitchFamily="50" charset="-127"/>
-              </a:rPr>
-              <a:t>서버</a:t>
-            </a:r>
-            <a:r>
-              <a:rPr lang="en-US" altLang="ko-KR" sz="1400" b="1" dirty="0">
-                <a:ln>
-                  <a:solidFill>
-                    <a:schemeClr val="bg1">
-                      <a:lumMod val="50000"/>
-                      <a:alpha val="0"/>
-                    </a:schemeClr>
-                  </a:solidFill>
-                </a:ln>
-                <a:solidFill>
-                  <a:schemeClr val="tx1">
-                    <a:lumMod val="75000"/>
-                    <a:lumOff val="25000"/>
-                  </a:schemeClr>
-                </a:solidFill>
-                <a:latin typeface="나눔바른고딕" panose="020B0603020101020101" pitchFamily="50" charset="-127"/>
-                <a:ea typeface="나눔바른고딕" panose="020B0603020101020101" pitchFamily="50" charset="-127"/>
-              </a:rPr>
-              <a:t>(</a:t>
-            </a:r>
-            <a:r>
-              <a:rPr lang="ko-KR" altLang="en-US" sz="1400" b="1" dirty="0">
-                <a:ln>
-                  <a:solidFill>
-                    <a:schemeClr val="bg1">
-                      <a:lumMod val="50000"/>
-                      <a:alpha val="0"/>
-                    </a:schemeClr>
-                  </a:solidFill>
-                </a:ln>
-                <a:solidFill>
-                  <a:schemeClr val="tx1">
-                    <a:lumMod val="75000"/>
-                    <a:lumOff val="25000"/>
-                  </a:schemeClr>
-                </a:solidFill>
-                <a:latin typeface="나눔바른고딕" panose="020B0603020101020101" pitchFamily="50" charset="-127"/>
-                <a:ea typeface="나눔바른고딕" panose="020B0603020101020101" pitchFamily="50" charset="-127"/>
-              </a:rPr>
-              <a:t>담당자</a:t>
-            </a:r>
-            <a:r>
-              <a:rPr lang="en-US" altLang="ko-KR" sz="1400" b="1" dirty="0">
-                <a:ln>
-                  <a:solidFill>
-                    <a:schemeClr val="bg1">
-                      <a:lumMod val="50000"/>
-                      <a:alpha val="0"/>
-                    </a:schemeClr>
-                  </a:solidFill>
-                </a:ln>
-                <a:solidFill>
-                  <a:schemeClr val="tx1">
-                    <a:lumMod val="75000"/>
-                    <a:lumOff val="25000"/>
-                  </a:schemeClr>
-                </a:solidFill>
-                <a:latin typeface="나눔바른고딕" panose="020B0603020101020101" pitchFamily="50" charset="-127"/>
-                <a:ea typeface="나눔바른고딕" panose="020B0603020101020101" pitchFamily="50" charset="-127"/>
-              </a:rPr>
-              <a:t>)</a:t>
-            </a:r>
-            <a:r>
-              <a:rPr lang="ko-KR" altLang="en-US" sz="1400" b="1" dirty="0">
-                <a:ln>
-                  <a:solidFill>
-                    <a:schemeClr val="bg1">
-                      <a:lumMod val="50000"/>
-                      <a:alpha val="0"/>
-                    </a:schemeClr>
-                  </a:solidFill>
-                </a:ln>
-                <a:solidFill>
-                  <a:schemeClr val="tx1">
-                    <a:lumMod val="75000"/>
-                    <a:lumOff val="25000"/>
-                  </a:schemeClr>
-                </a:solidFill>
-                <a:latin typeface="나눔바른고딕" panose="020B0603020101020101" pitchFamily="50" charset="-127"/>
-                <a:ea typeface="나눔바른고딕" panose="020B0603020101020101" pitchFamily="50" charset="-127"/>
-              </a:rPr>
-              <a:t>와 클라이언트</a:t>
-            </a:r>
-            <a:r>
-              <a:rPr lang="en-US" altLang="ko-KR" sz="1400" b="1" dirty="0">
-                <a:ln>
-                  <a:solidFill>
-                    <a:schemeClr val="bg1">
-                      <a:lumMod val="50000"/>
-                      <a:alpha val="0"/>
-                    </a:schemeClr>
-                  </a:solidFill>
-                </a:ln>
-                <a:solidFill>
-                  <a:schemeClr val="tx1">
-                    <a:lumMod val="75000"/>
-                    <a:lumOff val="25000"/>
-                  </a:schemeClr>
-                </a:solidFill>
-                <a:latin typeface="나눔바른고딕" panose="020B0603020101020101" pitchFamily="50" charset="-127"/>
-                <a:ea typeface="나눔바른고딕" panose="020B0603020101020101" pitchFamily="50" charset="-127"/>
-              </a:rPr>
-              <a:t>(</a:t>
-            </a:r>
-            <a:r>
-              <a:rPr lang="ko-KR" altLang="en-US" sz="1400" b="1" dirty="0">
-                <a:ln>
-                  <a:solidFill>
-                    <a:schemeClr val="bg1">
-                      <a:lumMod val="50000"/>
-                      <a:alpha val="0"/>
-                    </a:schemeClr>
-                  </a:solidFill>
-                </a:ln>
-                <a:solidFill>
-                  <a:schemeClr val="tx1">
-                    <a:lumMod val="75000"/>
-                    <a:lumOff val="25000"/>
-                  </a:schemeClr>
-                </a:solidFill>
-                <a:latin typeface="나눔바른고딕" panose="020B0603020101020101" pitchFamily="50" charset="-127"/>
-                <a:ea typeface="나눔바른고딕" panose="020B0603020101020101" pitchFamily="50" charset="-127"/>
-              </a:rPr>
-              <a:t>담당자</a:t>
-            </a:r>
-            <a:r>
-              <a:rPr lang="en-US" altLang="ko-KR" sz="1400" b="1" dirty="0">
-                <a:ln>
-                  <a:solidFill>
-                    <a:schemeClr val="bg1">
-                      <a:lumMod val="50000"/>
-                      <a:alpha val="0"/>
-                    </a:schemeClr>
-                  </a:solidFill>
-                </a:ln>
-                <a:solidFill>
-                  <a:schemeClr val="tx1">
-                    <a:lumMod val="75000"/>
-                    <a:lumOff val="25000"/>
-                  </a:schemeClr>
-                </a:solidFill>
-                <a:latin typeface="나눔바른고딕" panose="020B0603020101020101" pitchFamily="50" charset="-127"/>
-                <a:ea typeface="나눔바른고딕" panose="020B0603020101020101" pitchFamily="50" charset="-127"/>
-              </a:rPr>
-              <a:t>)</a:t>
-            </a:r>
-            <a:r>
-              <a:rPr lang="ko-KR" altLang="en-US" sz="1400" b="1" dirty="0">
-                <a:ln>
-                  <a:solidFill>
-                    <a:schemeClr val="bg1">
-                      <a:lumMod val="50000"/>
-                      <a:alpha val="0"/>
-                    </a:schemeClr>
-                  </a:solidFill>
-                </a:ln>
-                <a:solidFill>
-                  <a:schemeClr val="tx1">
-                    <a:lumMod val="75000"/>
-                    <a:lumOff val="25000"/>
-                  </a:schemeClr>
-                </a:solidFill>
-                <a:latin typeface="나눔바른고딕" panose="020B0603020101020101" pitchFamily="50" charset="-127"/>
-                <a:ea typeface="나눔바른고딕" panose="020B0603020101020101" pitchFamily="50" charset="-127"/>
-              </a:rPr>
-              <a:t>에 대한 연결</a:t>
-            </a:r>
-            <a:br>
-              <a:rPr lang="en-US" altLang="ko-KR" sz="1400" b="1" dirty="0">
-                <a:ln>
-                  <a:solidFill>
-                    <a:schemeClr val="bg1">
-                      <a:lumMod val="50000"/>
-                      <a:alpha val="0"/>
-                    </a:schemeClr>
-                  </a:solidFill>
-                </a:ln>
-                <a:solidFill>
-                  <a:schemeClr val="tx1">
-                    <a:lumMod val="75000"/>
-                    <a:lumOff val="25000"/>
-                  </a:schemeClr>
-                </a:solidFill>
-                <a:latin typeface="나눔바른고딕" panose="020B0603020101020101" pitchFamily="50" charset="-127"/>
-                <a:ea typeface="나눔바른고딕" panose="020B0603020101020101" pitchFamily="50" charset="-127"/>
-              </a:rPr>
-            </a:br>
-            <a:br>
-              <a:rPr lang="en-US" altLang="ko-KR" sz="1400" dirty="0">
-                <a:ln>
-                  <a:solidFill>
-                    <a:schemeClr val="bg1">
-                      <a:lumMod val="50000"/>
-                      <a:alpha val="0"/>
-                    </a:schemeClr>
-                  </a:solidFill>
-                </a:ln>
-                <a:solidFill>
-                  <a:schemeClr val="tx1">
-                    <a:lumMod val="75000"/>
-                    <a:lumOff val="25000"/>
-                  </a:schemeClr>
-                </a:solidFill>
-                <a:latin typeface="나눔바른고딕" panose="020B0603020101020101" pitchFamily="50" charset="-127"/>
-                <a:ea typeface="나눔바른고딕" panose="020B0603020101020101" pitchFamily="50" charset="-127"/>
-              </a:rPr>
-            </a:br>
-            <a:r>
-              <a:rPr lang="ko-KR" altLang="en-US" sz="1400" dirty="0">
-                <a:ln>
-                  <a:solidFill>
-                    <a:schemeClr val="bg1">
-                      <a:lumMod val="50000"/>
-                      <a:alpha val="0"/>
-                    </a:schemeClr>
-                  </a:solidFill>
-                </a:ln>
-                <a:solidFill>
-                  <a:schemeClr val="tx1">
-                    <a:lumMod val="75000"/>
-                    <a:lumOff val="25000"/>
-                  </a:schemeClr>
-                </a:solidFill>
-                <a:latin typeface="나눔바른고딕" panose="020B0603020101020101" pitchFamily="50" charset="-127"/>
-                <a:ea typeface="나눔바른고딕" panose="020B0603020101020101" pitchFamily="50" charset="-127"/>
-              </a:rPr>
-              <a:t>이는 기술 외적으로</a:t>
-            </a:r>
-            <a:r>
-              <a:rPr lang="en-US" altLang="ko-KR" sz="1400" dirty="0">
-                <a:ln>
-                  <a:solidFill>
-                    <a:schemeClr val="bg1">
-                      <a:lumMod val="50000"/>
-                      <a:alpha val="0"/>
-                    </a:schemeClr>
-                  </a:solidFill>
-                </a:ln>
-                <a:solidFill>
-                  <a:schemeClr val="tx1">
-                    <a:lumMod val="75000"/>
-                    <a:lumOff val="25000"/>
-                  </a:schemeClr>
-                </a:solidFill>
-                <a:latin typeface="나눔바른고딕" panose="020B0603020101020101" pitchFamily="50" charset="-127"/>
-                <a:ea typeface="나눔바른고딕" panose="020B0603020101020101" pitchFamily="50" charset="-127"/>
-              </a:rPr>
-              <a:t>, </a:t>
-            </a:r>
-            <a:r>
-              <a:rPr lang="ko-KR" altLang="en-US" sz="1400" dirty="0">
-                <a:ln>
-                  <a:solidFill>
-                    <a:schemeClr val="bg1">
-                      <a:lumMod val="50000"/>
-                      <a:alpha val="0"/>
-                    </a:schemeClr>
-                  </a:solidFill>
-                </a:ln>
-                <a:solidFill>
-                  <a:schemeClr val="tx1">
-                    <a:lumMod val="75000"/>
-                    <a:lumOff val="25000"/>
-                  </a:schemeClr>
-                </a:solidFill>
-                <a:latin typeface="나눔바른고딕" panose="020B0603020101020101" pitchFamily="50" charset="-127"/>
-                <a:ea typeface="나눔바른고딕" panose="020B0603020101020101" pitchFamily="50" charset="-127"/>
-              </a:rPr>
-              <a:t>커뮤니케이션에 대한 경험입니다</a:t>
-            </a:r>
-            <a:r>
-              <a:rPr lang="en-US" altLang="ko-KR" sz="1400" dirty="0">
-                <a:ln>
-                  <a:solidFill>
-                    <a:schemeClr val="bg1">
-                      <a:lumMod val="50000"/>
-                      <a:alpha val="0"/>
-                    </a:schemeClr>
-                  </a:solidFill>
-                </a:ln>
-                <a:solidFill>
-                  <a:schemeClr val="tx1">
-                    <a:lumMod val="75000"/>
-                    <a:lumOff val="25000"/>
-                  </a:schemeClr>
-                </a:solidFill>
-                <a:latin typeface="나눔바른고딕" panose="020B0603020101020101" pitchFamily="50" charset="-127"/>
-                <a:ea typeface="나눔바른고딕" panose="020B0603020101020101" pitchFamily="50" charset="-127"/>
-              </a:rPr>
-              <a:t>.</a:t>
-            </a:r>
-            <a:br>
-              <a:rPr lang="en-US" altLang="ko-KR" sz="1400" dirty="0">
-                <a:ln>
-                  <a:solidFill>
-                    <a:schemeClr val="bg1">
-                      <a:lumMod val="50000"/>
-                      <a:alpha val="0"/>
-                    </a:schemeClr>
-                  </a:solidFill>
-                </a:ln>
-                <a:solidFill>
-                  <a:schemeClr val="tx1">
-                    <a:lumMod val="75000"/>
-                    <a:lumOff val="25000"/>
-                  </a:schemeClr>
-                </a:solidFill>
-                <a:latin typeface="나눔바른고딕" panose="020B0603020101020101" pitchFamily="50" charset="-127"/>
-                <a:ea typeface="나눔바른고딕" panose="020B0603020101020101" pitchFamily="50" charset="-127"/>
-              </a:rPr>
-            </a:br>
-            <a:br>
-              <a:rPr lang="en-US" altLang="ko-KR" sz="1400" dirty="0">
-                <a:ln>
-                  <a:solidFill>
-                    <a:schemeClr val="bg1">
-                      <a:lumMod val="50000"/>
-                      <a:alpha val="0"/>
-                    </a:schemeClr>
-                  </a:solidFill>
-                </a:ln>
-                <a:solidFill>
-                  <a:schemeClr val="tx1">
-                    <a:lumMod val="75000"/>
-                    <a:lumOff val="25000"/>
-                  </a:schemeClr>
-                </a:solidFill>
-                <a:latin typeface="나눔바른고딕" panose="020B0603020101020101" pitchFamily="50" charset="-127"/>
-                <a:ea typeface="나눔바른고딕" panose="020B0603020101020101" pitchFamily="50" charset="-127"/>
-              </a:rPr>
-            </a:br>
-            <a:r>
-              <a:rPr lang="ko-KR" altLang="en-US" sz="1400" dirty="0">
-                <a:ln>
-                  <a:solidFill>
-                    <a:schemeClr val="bg1">
-                      <a:lumMod val="50000"/>
-                      <a:alpha val="0"/>
-                    </a:schemeClr>
-                  </a:solidFill>
-                </a:ln>
-                <a:solidFill>
-                  <a:schemeClr val="tx1">
-                    <a:lumMod val="75000"/>
-                    <a:lumOff val="25000"/>
-                  </a:schemeClr>
-                </a:solidFill>
-                <a:latin typeface="나눔바른고딕" panose="020B0603020101020101" pitchFamily="50" charset="-127"/>
-                <a:ea typeface="나눔바른고딕" panose="020B0603020101020101" pitchFamily="50" charset="-127"/>
-              </a:rPr>
-              <a:t>모두 프로젝트가 처음인 학생 셋이 모여 프로젝트를 진행했던 것이라</a:t>
-            </a:r>
-            <a:r>
-              <a:rPr lang="en-US" altLang="ko-KR" sz="1400" dirty="0">
-                <a:ln>
-                  <a:solidFill>
-                    <a:schemeClr val="bg1">
-                      <a:lumMod val="50000"/>
-                      <a:alpha val="0"/>
-                    </a:schemeClr>
-                  </a:solidFill>
-                </a:ln>
-                <a:solidFill>
-                  <a:schemeClr val="tx1">
-                    <a:lumMod val="75000"/>
-                    <a:lumOff val="25000"/>
-                  </a:schemeClr>
-                </a:solidFill>
-                <a:latin typeface="나눔바른고딕" panose="020B0603020101020101" pitchFamily="50" charset="-127"/>
-                <a:ea typeface="나눔바른고딕" panose="020B0603020101020101" pitchFamily="50" charset="-127"/>
-              </a:rPr>
-              <a:t>,</a:t>
-            </a:r>
-            <a:r>
-              <a:rPr lang="ko-KR" altLang="en-US" sz="1400" dirty="0">
-                <a:ln>
-                  <a:solidFill>
-                    <a:schemeClr val="bg1">
-                      <a:lumMod val="50000"/>
-                      <a:alpha val="0"/>
-                    </a:schemeClr>
-                  </a:solidFill>
-                </a:ln>
-                <a:solidFill>
-                  <a:schemeClr val="tx1">
-                    <a:lumMod val="75000"/>
-                    <a:lumOff val="25000"/>
-                  </a:schemeClr>
-                </a:solidFill>
-                <a:latin typeface="나눔바른고딕" panose="020B0603020101020101" pitchFamily="50" charset="-127"/>
-                <a:ea typeface="나눔바른고딕" panose="020B0603020101020101" pitchFamily="50" charset="-127"/>
-              </a:rPr>
-              <a:t> 서로 다른 개발 영역에 대해 어떻게 소통하며 프로젝트를 발전시켜 나가야 할 지 정확하게 아는 사람은 아무도 없었습니다</a:t>
-            </a:r>
-            <a:r>
-              <a:rPr lang="en-US" altLang="ko-KR" sz="1400" dirty="0">
-                <a:ln>
-                  <a:solidFill>
-                    <a:schemeClr val="bg1">
-                      <a:lumMod val="50000"/>
-                      <a:alpha val="0"/>
-                    </a:schemeClr>
-                  </a:solidFill>
-                </a:ln>
-                <a:solidFill>
-                  <a:schemeClr val="tx1">
-                    <a:lumMod val="75000"/>
-                    <a:lumOff val="25000"/>
-                  </a:schemeClr>
-                </a:solidFill>
-                <a:latin typeface="나눔바른고딕" panose="020B0603020101020101" pitchFamily="50" charset="-127"/>
-                <a:ea typeface="나눔바른고딕" panose="020B0603020101020101" pitchFamily="50" charset="-127"/>
-              </a:rPr>
-              <a:t>.</a:t>
-            </a:r>
-            <a:br>
-              <a:rPr lang="en-US" altLang="ko-KR" sz="1400" dirty="0">
-                <a:ln>
-                  <a:solidFill>
-                    <a:schemeClr val="bg1">
-                      <a:lumMod val="50000"/>
-                      <a:alpha val="0"/>
-                    </a:schemeClr>
-                  </a:solidFill>
-                </a:ln>
-                <a:solidFill>
-                  <a:schemeClr val="tx1">
-                    <a:lumMod val="75000"/>
-                    <a:lumOff val="25000"/>
-                  </a:schemeClr>
-                </a:solidFill>
-                <a:latin typeface="나눔바른고딕" panose="020B0603020101020101" pitchFamily="50" charset="-127"/>
-                <a:ea typeface="나눔바른고딕" panose="020B0603020101020101" pitchFamily="50" charset="-127"/>
-              </a:rPr>
-            </a:br>
-            <a:br>
-              <a:rPr lang="en-US" altLang="ko-KR" sz="1400" dirty="0">
-                <a:ln>
-                  <a:solidFill>
-                    <a:schemeClr val="bg1">
-                      <a:lumMod val="50000"/>
-                      <a:alpha val="0"/>
-                    </a:schemeClr>
-                  </a:solidFill>
-                </a:ln>
-                <a:solidFill>
-                  <a:schemeClr val="tx1">
-                    <a:lumMod val="75000"/>
-                    <a:lumOff val="25000"/>
-                  </a:schemeClr>
-                </a:solidFill>
-                <a:latin typeface="나눔바른고딕" panose="020B0603020101020101" pitchFamily="50" charset="-127"/>
-                <a:ea typeface="나눔바른고딕" panose="020B0603020101020101" pitchFamily="50" charset="-127"/>
-              </a:rPr>
-            </a:br>
-            <a:r>
-              <a:rPr lang="ko-KR" altLang="en-US" sz="1400" dirty="0">
-                <a:ln>
-                  <a:solidFill>
-                    <a:schemeClr val="bg1">
-                      <a:lumMod val="50000"/>
-                      <a:alpha val="0"/>
-                    </a:schemeClr>
-                  </a:solidFill>
-                </a:ln>
-                <a:solidFill>
-                  <a:schemeClr val="tx1">
-                    <a:lumMod val="75000"/>
-                    <a:lumOff val="25000"/>
-                  </a:schemeClr>
-                </a:solidFill>
-                <a:latin typeface="나눔바른고딕" panose="020B0603020101020101" pitchFamily="50" charset="-127"/>
-                <a:ea typeface="나눔바른고딕" panose="020B0603020101020101" pitchFamily="50" charset="-127"/>
-              </a:rPr>
-              <a:t>프로젝트가 진행되면서 개발업무로 서버 개발</a:t>
-            </a:r>
-            <a:r>
-              <a:rPr lang="en-US" altLang="ko-KR" sz="1400" dirty="0">
-                <a:ln>
-                  <a:solidFill>
-                    <a:schemeClr val="bg1">
-                      <a:lumMod val="50000"/>
-                      <a:alpha val="0"/>
-                    </a:schemeClr>
-                  </a:solidFill>
-                </a:ln>
-                <a:solidFill>
-                  <a:schemeClr val="tx1">
-                    <a:lumMod val="75000"/>
-                    <a:lumOff val="25000"/>
-                  </a:schemeClr>
-                </a:solidFill>
-                <a:latin typeface="나눔바른고딕" panose="020B0603020101020101" pitchFamily="50" charset="-127"/>
-                <a:ea typeface="나눔바른고딕" panose="020B0603020101020101" pitchFamily="50" charset="-127"/>
-              </a:rPr>
-              <a:t>,</a:t>
-            </a:r>
-            <a:r>
-              <a:rPr lang="ko-KR" altLang="en-US" sz="1400" dirty="0">
-                <a:ln>
-                  <a:solidFill>
-                    <a:schemeClr val="bg1">
-                      <a:lumMod val="50000"/>
-                      <a:alpha val="0"/>
-                    </a:schemeClr>
-                  </a:solidFill>
-                </a:ln>
-                <a:solidFill>
-                  <a:schemeClr val="tx1">
-                    <a:lumMod val="75000"/>
-                    <a:lumOff val="25000"/>
-                  </a:schemeClr>
-                </a:solidFill>
-                <a:latin typeface="나눔바른고딕" panose="020B0603020101020101" pitchFamily="50" charset="-127"/>
-                <a:ea typeface="나눔바른고딕" panose="020B0603020101020101" pitchFamily="50" charset="-127"/>
-              </a:rPr>
-              <a:t> 클라이언트 개발</a:t>
-            </a:r>
-            <a:r>
-              <a:rPr lang="en-US" altLang="ko-KR" sz="1400" dirty="0">
-                <a:ln>
-                  <a:solidFill>
-                    <a:schemeClr val="bg1">
-                      <a:lumMod val="50000"/>
-                      <a:alpha val="0"/>
-                    </a:schemeClr>
-                  </a:solidFill>
-                </a:ln>
-                <a:solidFill>
-                  <a:schemeClr val="tx1">
-                    <a:lumMod val="75000"/>
-                    <a:lumOff val="25000"/>
-                  </a:schemeClr>
-                </a:solidFill>
-                <a:latin typeface="나눔바른고딕" panose="020B0603020101020101" pitchFamily="50" charset="-127"/>
-                <a:ea typeface="나눔바른고딕" panose="020B0603020101020101" pitchFamily="50" charset="-127"/>
-              </a:rPr>
-              <a:t>, </a:t>
-            </a:r>
-            <a:r>
-              <a:rPr lang="ko-KR" altLang="en-US" sz="1400" dirty="0">
-                <a:ln>
-                  <a:solidFill>
-                    <a:schemeClr val="bg1">
-                      <a:lumMod val="50000"/>
-                      <a:alpha val="0"/>
-                    </a:schemeClr>
-                  </a:solidFill>
-                </a:ln>
-                <a:solidFill>
-                  <a:schemeClr val="tx1">
-                    <a:lumMod val="75000"/>
-                    <a:lumOff val="25000"/>
-                  </a:schemeClr>
-                </a:solidFill>
-                <a:latin typeface="나눔바른고딕" panose="020B0603020101020101" pitchFamily="50" charset="-127"/>
-                <a:ea typeface="나눔바른고딕" panose="020B0603020101020101" pitchFamily="50" charset="-127"/>
-              </a:rPr>
-              <a:t>서버</a:t>
-            </a:r>
-            <a:r>
-              <a:rPr lang="en-US" altLang="ko-KR" sz="1400" dirty="0">
-                <a:ln>
-                  <a:solidFill>
-                    <a:schemeClr val="bg1">
-                      <a:lumMod val="50000"/>
-                      <a:alpha val="0"/>
-                    </a:schemeClr>
-                  </a:solidFill>
-                </a:ln>
-                <a:solidFill>
-                  <a:schemeClr val="tx1">
-                    <a:lumMod val="75000"/>
-                    <a:lumOff val="25000"/>
-                  </a:schemeClr>
-                </a:solidFill>
-                <a:latin typeface="나눔바른고딕" panose="020B0603020101020101" pitchFamily="50" charset="-127"/>
-                <a:ea typeface="나눔바른고딕" panose="020B0603020101020101" pitchFamily="50" charset="-127"/>
-              </a:rPr>
-              <a:t>-</a:t>
-            </a:r>
-            <a:r>
-              <a:rPr lang="ko-KR" altLang="en-US" sz="1400" dirty="0">
-                <a:ln>
-                  <a:solidFill>
-                    <a:schemeClr val="bg1">
-                      <a:lumMod val="50000"/>
-                      <a:alpha val="0"/>
-                    </a:schemeClr>
-                  </a:solidFill>
-                </a:ln>
-                <a:solidFill>
-                  <a:schemeClr val="tx1">
-                    <a:lumMod val="75000"/>
-                    <a:lumOff val="25000"/>
-                  </a:schemeClr>
-                </a:solidFill>
-                <a:latin typeface="나눔바른고딕" panose="020B0603020101020101" pitchFamily="50" charset="-127"/>
-                <a:ea typeface="나눔바른고딕" panose="020B0603020101020101" pitchFamily="50" charset="-127"/>
-              </a:rPr>
-              <a:t>클라이언트 연결</a:t>
-            </a:r>
-            <a:r>
-              <a:rPr lang="en-US" altLang="ko-KR" sz="1400" dirty="0">
-                <a:ln>
-                  <a:solidFill>
-                    <a:schemeClr val="bg1">
-                      <a:lumMod val="50000"/>
-                      <a:alpha val="0"/>
-                    </a:schemeClr>
-                  </a:solidFill>
-                </a:ln>
-                <a:solidFill>
-                  <a:schemeClr val="tx1">
-                    <a:lumMod val="75000"/>
-                    <a:lumOff val="25000"/>
-                  </a:schemeClr>
-                </a:solidFill>
-                <a:latin typeface="나눔바른고딕" panose="020B0603020101020101" pitchFamily="50" charset="-127"/>
-                <a:ea typeface="나눔바른고딕" panose="020B0603020101020101" pitchFamily="50" charset="-127"/>
-              </a:rPr>
-              <a:t>+</a:t>
-            </a:r>
-            <a:r>
-              <a:rPr lang="ko-KR" altLang="en-US" sz="1400" dirty="0">
-                <a:ln>
-                  <a:solidFill>
-                    <a:schemeClr val="bg1">
-                      <a:lumMod val="50000"/>
-                      <a:alpha val="0"/>
-                    </a:schemeClr>
-                  </a:solidFill>
-                </a:ln>
-                <a:solidFill>
-                  <a:schemeClr val="tx1">
-                    <a:lumMod val="75000"/>
-                    <a:lumOff val="25000"/>
-                  </a:schemeClr>
-                </a:solidFill>
-                <a:latin typeface="나눔바른고딕" panose="020B0603020101020101" pitchFamily="50" charset="-127"/>
-                <a:ea typeface="나눔바른고딕" panose="020B0603020101020101" pitchFamily="50" charset="-127"/>
-              </a:rPr>
-              <a:t>클라이언트 서브개발 세 역할이 있었는데</a:t>
-            </a:r>
-            <a:r>
-              <a:rPr lang="en-US" altLang="ko-KR" sz="1400" dirty="0">
-                <a:ln>
-                  <a:solidFill>
-                    <a:schemeClr val="bg1">
-                      <a:lumMod val="50000"/>
-                      <a:alpha val="0"/>
-                    </a:schemeClr>
-                  </a:solidFill>
-                </a:ln>
-                <a:solidFill>
-                  <a:schemeClr val="tx1">
-                    <a:lumMod val="75000"/>
-                    <a:lumOff val="25000"/>
-                  </a:schemeClr>
-                </a:solidFill>
-                <a:latin typeface="나눔바른고딕" panose="020B0603020101020101" pitchFamily="50" charset="-127"/>
-                <a:ea typeface="나눔바른고딕" panose="020B0603020101020101" pitchFamily="50" charset="-127"/>
-              </a:rPr>
-              <a:t>, </a:t>
-            </a:r>
-            <a:r>
-              <a:rPr lang="ko-KR" altLang="en-US" sz="1400" dirty="0">
-                <a:ln>
-                  <a:solidFill>
-                    <a:schemeClr val="bg1">
-                      <a:lumMod val="50000"/>
-                      <a:alpha val="0"/>
-                    </a:schemeClr>
-                  </a:solidFill>
-                </a:ln>
-                <a:solidFill>
-                  <a:schemeClr val="tx1">
-                    <a:lumMod val="75000"/>
-                    <a:lumOff val="25000"/>
-                  </a:schemeClr>
-                </a:solidFill>
-                <a:latin typeface="나눔바른고딕" panose="020B0603020101020101" pitchFamily="50" charset="-127"/>
-                <a:ea typeface="나눔바른고딕" panose="020B0603020101020101" pitchFamily="50" charset="-127"/>
-              </a:rPr>
-              <a:t>제가 서버</a:t>
-            </a:r>
-            <a:r>
-              <a:rPr lang="en-US" altLang="ko-KR" sz="1400" dirty="0">
-                <a:ln>
-                  <a:solidFill>
-                    <a:schemeClr val="bg1">
-                      <a:lumMod val="50000"/>
-                      <a:alpha val="0"/>
-                    </a:schemeClr>
-                  </a:solidFill>
-                </a:ln>
-                <a:solidFill>
-                  <a:schemeClr val="tx1">
-                    <a:lumMod val="75000"/>
-                    <a:lumOff val="25000"/>
-                  </a:schemeClr>
-                </a:solidFill>
-                <a:latin typeface="나눔바른고딕" panose="020B0603020101020101" pitchFamily="50" charset="-127"/>
-                <a:ea typeface="나눔바른고딕" panose="020B0603020101020101" pitchFamily="50" charset="-127"/>
-              </a:rPr>
-              <a:t>-</a:t>
-            </a:r>
-            <a:r>
-              <a:rPr lang="ko-KR" altLang="en-US" sz="1400" dirty="0">
-                <a:ln>
-                  <a:solidFill>
-                    <a:schemeClr val="bg1">
-                      <a:lumMod val="50000"/>
-                      <a:alpha val="0"/>
-                    </a:schemeClr>
-                  </a:solidFill>
-                </a:ln>
-                <a:solidFill>
-                  <a:schemeClr val="tx1">
-                    <a:lumMod val="75000"/>
-                    <a:lumOff val="25000"/>
-                  </a:schemeClr>
-                </a:solidFill>
-                <a:latin typeface="나눔바른고딕" panose="020B0603020101020101" pitchFamily="50" charset="-127"/>
-                <a:ea typeface="나눔바른고딕" panose="020B0603020101020101" pitchFamily="50" charset="-127"/>
-              </a:rPr>
-              <a:t>클라이언트 연결과 클라이언트 서브개발을 맡게 되어 자연스럽게 서버 개발자와 소통하고</a:t>
-            </a:r>
-            <a:r>
-              <a:rPr lang="en-US" altLang="ko-KR" sz="1400" dirty="0">
-                <a:ln>
-                  <a:solidFill>
-                    <a:schemeClr val="bg1">
-                      <a:lumMod val="50000"/>
-                      <a:alpha val="0"/>
-                    </a:schemeClr>
-                  </a:solidFill>
-                </a:ln>
-                <a:solidFill>
-                  <a:schemeClr val="tx1">
-                    <a:lumMod val="75000"/>
-                    <a:lumOff val="25000"/>
-                  </a:schemeClr>
-                </a:solidFill>
-                <a:latin typeface="나눔바른고딕" panose="020B0603020101020101" pitchFamily="50" charset="-127"/>
-                <a:ea typeface="나눔바른고딕" panose="020B0603020101020101" pitchFamily="50" charset="-127"/>
-              </a:rPr>
-              <a:t>, </a:t>
-            </a:r>
-            <a:r>
-              <a:rPr lang="ko-KR" altLang="en-US" sz="1400" dirty="0">
-                <a:ln>
-                  <a:solidFill>
-                    <a:schemeClr val="bg1">
-                      <a:lumMod val="50000"/>
-                      <a:alpha val="0"/>
-                    </a:schemeClr>
-                  </a:solidFill>
-                </a:ln>
-                <a:solidFill>
-                  <a:schemeClr val="tx1">
-                    <a:lumMod val="75000"/>
-                    <a:lumOff val="25000"/>
-                  </a:schemeClr>
-                </a:solidFill>
-                <a:latin typeface="나눔바른고딕" panose="020B0603020101020101" pitchFamily="50" charset="-127"/>
-                <a:ea typeface="나눔바른고딕" panose="020B0603020101020101" pitchFamily="50" charset="-127"/>
-              </a:rPr>
-              <a:t>클라이언트 개발자랑도 가깝게 소통해야 하는 상황으로 흘러갔습니다</a:t>
-            </a:r>
-            <a:r>
-              <a:rPr lang="en-US" altLang="ko-KR" sz="1400" dirty="0">
-                <a:ln>
-                  <a:solidFill>
-                    <a:schemeClr val="bg1">
-                      <a:lumMod val="50000"/>
-                      <a:alpha val="0"/>
-                    </a:schemeClr>
-                  </a:solidFill>
-                </a:ln>
-                <a:solidFill>
-                  <a:schemeClr val="tx1">
-                    <a:lumMod val="75000"/>
-                    <a:lumOff val="25000"/>
-                  </a:schemeClr>
-                </a:solidFill>
-                <a:latin typeface="나눔바른고딕" panose="020B0603020101020101" pitchFamily="50" charset="-127"/>
-                <a:ea typeface="나눔바른고딕" panose="020B0603020101020101" pitchFamily="50" charset="-127"/>
-              </a:rPr>
-              <a:t>.</a:t>
-            </a:r>
-            <a:br>
-              <a:rPr lang="en-US" altLang="ko-KR" sz="1400" dirty="0">
-                <a:ln>
-                  <a:solidFill>
-                    <a:schemeClr val="bg1">
-                      <a:lumMod val="50000"/>
-                      <a:alpha val="0"/>
-                    </a:schemeClr>
-                  </a:solidFill>
-                </a:ln>
-                <a:solidFill>
-                  <a:schemeClr val="tx1">
-                    <a:lumMod val="75000"/>
-                    <a:lumOff val="25000"/>
-                  </a:schemeClr>
-                </a:solidFill>
-                <a:latin typeface="나눔바른고딕" panose="020B0603020101020101" pitchFamily="50" charset="-127"/>
-                <a:ea typeface="나눔바른고딕" panose="020B0603020101020101" pitchFamily="50" charset="-127"/>
-              </a:rPr>
-            </a:br>
-            <a:br>
-              <a:rPr lang="en-US" altLang="ko-KR" sz="1400" dirty="0">
-                <a:ln>
-                  <a:solidFill>
-                    <a:schemeClr val="bg1">
-                      <a:lumMod val="50000"/>
-                      <a:alpha val="0"/>
-                    </a:schemeClr>
-                  </a:solidFill>
-                </a:ln>
-                <a:solidFill>
-                  <a:schemeClr val="tx1">
-                    <a:lumMod val="75000"/>
-                    <a:lumOff val="25000"/>
-                  </a:schemeClr>
-                </a:solidFill>
-                <a:latin typeface="나눔바른고딕" panose="020B0603020101020101" pitchFamily="50" charset="-127"/>
-                <a:ea typeface="나눔바른고딕" panose="020B0603020101020101" pitchFamily="50" charset="-127"/>
-              </a:rPr>
-            </a:br>
-            <a:r>
-              <a:rPr lang="ko-KR" altLang="en-US" sz="1400" dirty="0">
-                <a:ln>
-                  <a:solidFill>
-                    <a:schemeClr val="bg1">
-                      <a:lumMod val="50000"/>
-                      <a:alpha val="0"/>
-                    </a:schemeClr>
-                  </a:solidFill>
-                </a:ln>
-                <a:solidFill>
-                  <a:schemeClr val="tx1">
-                    <a:lumMod val="75000"/>
-                    <a:lumOff val="25000"/>
-                  </a:schemeClr>
-                </a:solidFill>
-                <a:latin typeface="나눔바른고딕" panose="020B0603020101020101" pitchFamily="50" charset="-127"/>
-                <a:ea typeface="나눔바른고딕" panose="020B0603020101020101" pitchFamily="50" charset="-127"/>
-              </a:rPr>
-              <a:t>이대로 프로젝트가 끝났다면 이슈가 되지 않았겠지만</a:t>
-            </a:r>
-            <a:r>
-              <a:rPr lang="en-US" altLang="ko-KR" sz="1400" dirty="0">
-                <a:ln>
-                  <a:solidFill>
-                    <a:schemeClr val="bg1">
-                      <a:lumMod val="50000"/>
-                      <a:alpha val="0"/>
-                    </a:schemeClr>
-                  </a:solidFill>
-                </a:ln>
-                <a:solidFill>
-                  <a:schemeClr val="tx1">
-                    <a:lumMod val="75000"/>
-                    <a:lumOff val="25000"/>
-                  </a:schemeClr>
-                </a:solidFill>
-                <a:latin typeface="나눔바른고딕" panose="020B0603020101020101" pitchFamily="50" charset="-127"/>
-                <a:ea typeface="나눔바른고딕" panose="020B0603020101020101" pitchFamily="50" charset="-127"/>
-              </a:rPr>
-              <a:t>, </a:t>
-            </a:r>
-            <a:r>
-              <a:rPr lang="ko-KR" altLang="en-US" sz="1400" dirty="0">
-                <a:ln>
-                  <a:solidFill>
-                    <a:schemeClr val="bg1">
-                      <a:lumMod val="50000"/>
-                      <a:alpha val="0"/>
-                    </a:schemeClr>
-                  </a:solidFill>
-                </a:ln>
-                <a:solidFill>
-                  <a:schemeClr val="tx1">
-                    <a:lumMod val="75000"/>
-                    <a:lumOff val="25000"/>
-                  </a:schemeClr>
-                </a:solidFill>
-                <a:latin typeface="나눔바른고딕" panose="020B0603020101020101" pitchFamily="50" charset="-127"/>
-                <a:ea typeface="나눔바른고딕" panose="020B0603020101020101" pitchFamily="50" charset="-127"/>
-              </a:rPr>
-              <a:t>문제는 서버 개발자와 클라이언트 개발자의 원활하지 않은 소통으로부터 시작되어</a:t>
-            </a:r>
-            <a:r>
-              <a:rPr lang="en-US" altLang="ko-KR" sz="1400" dirty="0">
-                <a:ln>
-                  <a:solidFill>
-                    <a:schemeClr val="bg1">
-                      <a:lumMod val="50000"/>
-                      <a:alpha val="0"/>
-                    </a:schemeClr>
-                  </a:solidFill>
-                </a:ln>
-                <a:solidFill>
-                  <a:schemeClr val="tx1">
-                    <a:lumMod val="75000"/>
-                    <a:lumOff val="25000"/>
-                  </a:schemeClr>
-                </a:solidFill>
-                <a:latin typeface="나눔바른고딕" panose="020B0603020101020101" pitchFamily="50" charset="-127"/>
-                <a:ea typeface="나눔바른고딕" panose="020B0603020101020101" pitchFamily="50" charset="-127"/>
-              </a:rPr>
-              <a:t>, </a:t>
-            </a:r>
-            <a:r>
-              <a:rPr lang="ko-KR" altLang="en-US" sz="1400" dirty="0">
-                <a:ln>
-                  <a:solidFill>
-                    <a:schemeClr val="bg1">
-                      <a:lumMod val="50000"/>
-                      <a:alpha val="0"/>
-                    </a:schemeClr>
-                  </a:solidFill>
-                </a:ln>
-                <a:solidFill>
-                  <a:schemeClr val="tx1">
-                    <a:lumMod val="75000"/>
-                    <a:lumOff val="25000"/>
-                  </a:schemeClr>
-                </a:solidFill>
-                <a:latin typeface="나눔바른고딕" panose="020B0603020101020101" pitchFamily="50" charset="-127"/>
-                <a:ea typeface="나눔바른고딕" panose="020B0603020101020101" pitchFamily="50" charset="-127"/>
-              </a:rPr>
-              <a:t>제가 맡은 개발적인 업무 외에도 프로젝트의 방향이 어긋나지 않기 위해 다른 팀원들을 케어하고</a:t>
-            </a:r>
-            <a:r>
-              <a:rPr lang="en-US" altLang="ko-KR" sz="1400" dirty="0">
-                <a:ln>
-                  <a:solidFill>
-                    <a:schemeClr val="bg1">
-                      <a:lumMod val="50000"/>
-                      <a:alpha val="0"/>
-                    </a:schemeClr>
-                  </a:solidFill>
-                </a:ln>
-                <a:solidFill>
-                  <a:schemeClr val="tx1">
-                    <a:lumMod val="75000"/>
-                    <a:lumOff val="25000"/>
-                  </a:schemeClr>
-                </a:solidFill>
-                <a:latin typeface="나눔바른고딕" panose="020B0603020101020101" pitchFamily="50" charset="-127"/>
-                <a:ea typeface="나눔바른고딕" panose="020B0603020101020101" pitchFamily="50" charset="-127"/>
-              </a:rPr>
-              <a:t>, </a:t>
-            </a:r>
-            <a:r>
-              <a:rPr lang="ko-KR" altLang="en-US" sz="1400" dirty="0">
-                <a:ln>
-                  <a:solidFill>
-                    <a:schemeClr val="bg1">
-                      <a:lumMod val="50000"/>
-                      <a:alpha val="0"/>
-                    </a:schemeClr>
-                  </a:solidFill>
-                </a:ln>
-                <a:solidFill>
-                  <a:schemeClr val="tx1">
-                    <a:lumMod val="75000"/>
-                    <a:lumOff val="25000"/>
-                  </a:schemeClr>
-                </a:solidFill>
-                <a:latin typeface="나눔바른고딕" panose="020B0603020101020101" pitchFamily="50" charset="-127"/>
-                <a:ea typeface="나눔바른고딕" panose="020B0603020101020101" pitchFamily="50" charset="-127"/>
-              </a:rPr>
-              <a:t>서로의 </a:t>
-            </a:r>
-            <a:r>
-              <a:rPr lang="ko-KR" altLang="en-US" sz="1400" dirty="0" err="1">
-                <a:ln>
-                  <a:solidFill>
-                    <a:schemeClr val="bg1">
-                      <a:lumMod val="50000"/>
-                      <a:alpha val="0"/>
-                    </a:schemeClr>
-                  </a:solidFill>
-                </a:ln>
-                <a:solidFill>
-                  <a:schemeClr val="tx1">
-                    <a:lumMod val="75000"/>
-                    <a:lumOff val="25000"/>
-                  </a:schemeClr>
-                </a:solidFill>
-                <a:latin typeface="나눔바른고딕" panose="020B0603020101020101" pitchFamily="50" charset="-127"/>
-                <a:ea typeface="나눔바른고딕" panose="020B0603020101020101" pitchFamily="50" charset="-127"/>
-              </a:rPr>
-              <a:t>컴플레인이나</a:t>
-            </a:r>
-            <a:r>
-              <a:rPr lang="ko-KR" altLang="en-US" sz="1400" dirty="0">
-                <a:ln>
-                  <a:solidFill>
-                    <a:schemeClr val="bg1">
-                      <a:lumMod val="50000"/>
-                      <a:alpha val="0"/>
-                    </a:schemeClr>
-                  </a:solidFill>
-                </a:ln>
-                <a:solidFill>
-                  <a:schemeClr val="tx1">
-                    <a:lumMod val="75000"/>
-                    <a:lumOff val="25000"/>
-                  </a:schemeClr>
-                </a:solidFill>
-                <a:latin typeface="나눔바른고딕" panose="020B0603020101020101" pitchFamily="50" charset="-127"/>
-                <a:ea typeface="나눔바른고딕" panose="020B0603020101020101" pitchFamily="50" charset="-127"/>
-              </a:rPr>
-              <a:t> 요구사항을 원활하게 전달하는 역할까지 맡아서 </a:t>
-            </a:r>
-            <a:endParaRPr lang="en-US" altLang="ko-KR" sz="1400" dirty="0">
-              <a:ln>
-                <a:solidFill>
-                  <a:schemeClr val="bg1">
-                    <a:lumMod val="50000"/>
-                    <a:alpha val="0"/>
-                  </a:schemeClr>
-                </a:solidFill>
-              </a:ln>
-              <a:solidFill>
-                <a:schemeClr val="tx1">
-                  <a:lumMod val="75000"/>
-                  <a:lumOff val="25000"/>
-                </a:schemeClr>
-              </a:solidFill>
-              <a:latin typeface="나눔바른고딕" panose="020B0603020101020101" pitchFamily="50" charset="-127"/>
-              <a:ea typeface="나눔바른고딕" panose="020B0603020101020101" pitchFamily="50" charset="-127"/>
-            </a:endParaRPr>
-          </a:p>
-          <a:p>
-            <a:pPr marL="342900" indent="-342900">
-              <a:buAutoNum type="arabicPeriod" startAt="2"/>
-            </a:pPr>
-            <a:endParaRPr lang="en-US" altLang="ko-KR" sz="1400" dirty="0">
-              <a:ln>
-                <a:solidFill>
-                  <a:schemeClr val="bg1">
-                    <a:lumMod val="50000"/>
-                    <a:alpha val="0"/>
-                  </a:schemeClr>
-                </a:solidFill>
-              </a:ln>
-              <a:solidFill>
-                <a:schemeClr val="tx1">
-                  <a:lumMod val="75000"/>
-                  <a:lumOff val="25000"/>
-                </a:schemeClr>
-              </a:solidFill>
-              <a:latin typeface="나눔바른고딕" panose="020B0603020101020101" pitchFamily="50" charset="-127"/>
-              <a:ea typeface="나눔바른고딕" panose="020B0603020101020101" pitchFamily="50" charset="-127"/>
-            </a:endParaRPr>
-          </a:p>
-          <a:p>
-            <a:endParaRPr lang="en-US" altLang="ko-KR" sz="1400" b="1" dirty="0">
-              <a:ln>
-                <a:solidFill>
-                  <a:schemeClr val="bg1">
-                    <a:lumMod val="50000"/>
-                    <a:alpha val="0"/>
-                  </a:schemeClr>
-                </a:solidFill>
-              </a:ln>
-              <a:solidFill>
-                <a:schemeClr val="tx1">
-                  <a:lumMod val="75000"/>
-                  <a:lumOff val="25000"/>
-                </a:schemeClr>
-              </a:solidFill>
-              <a:latin typeface="나눔바른고딕" panose="020B0603020101020101" pitchFamily="50" charset="-127"/>
-              <a:ea typeface="나눔바른고딕" panose="020B0603020101020101" pitchFamily="50" charset="-127"/>
-            </a:endParaRPr>
-          </a:p>
-          <a:p>
-            <a:endParaRPr lang="en-US" altLang="ko-KR" sz="1400" b="1" dirty="0">
-              <a:ln>
-                <a:solidFill>
-                  <a:schemeClr val="bg1">
-                    <a:lumMod val="50000"/>
-                    <a:alpha val="0"/>
-                  </a:schemeClr>
-                </a:solidFill>
-              </a:ln>
-              <a:solidFill>
-                <a:schemeClr val="tx1">
-                  <a:lumMod val="75000"/>
-                  <a:lumOff val="25000"/>
-                </a:schemeClr>
-              </a:solidFill>
-              <a:latin typeface="나눔바른고딕" panose="020B0603020101020101" pitchFamily="50" charset="-127"/>
-              <a:ea typeface="나눔바른고딕" panose="020B0603020101020101" pitchFamily="50" charset="-127"/>
-            </a:endParaRPr>
-          </a:p>
-          <a:p>
-            <a:br>
-              <a:rPr lang="en-US" altLang="ko-KR" sz="1400" b="1" dirty="0">
-                <a:ln>
-                  <a:solidFill>
-                    <a:schemeClr val="bg1">
-                      <a:lumMod val="50000"/>
-                      <a:alpha val="0"/>
-                    </a:schemeClr>
-                  </a:solidFill>
-                </a:ln>
-                <a:solidFill>
-                  <a:srgbClr val="C00000"/>
-                </a:solidFill>
-                <a:latin typeface="나눔바른고딕" panose="020B0603020101020101" pitchFamily="50" charset="-127"/>
-                <a:ea typeface="나눔바른고딕" panose="020B0603020101020101" pitchFamily="50" charset="-127"/>
-              </a:rPr>
-            </a:br>
-            <a:endParaRPr lang="en-US" altLang="ko-KR" sz="1400" b="1" dirty="0">
-              <a:ln>
-                <a:solidFill>
-                  <a:schemeClr val="bg1">
-                    <a:lumMod val="50000"/>
-                    <a:alpha val="0"/>
-                  </a:schemeClr>
-                </a:solidFill>
-              </a:ln>
-              <a:solidFill>
-                <a:srgbClr val="C00000"/>
-              </a:solidFill>
-              <a:latin typeface="나눔바른고딕" panose="020B0603020101020101" pitchFamily="50" charset="-127"/>
-              <a:ea typeface="나눔바른고딕" panose="020B0603020101020101" pitchFamily="50" charset="-127"/>
-            </a:endParaRPr>
-          </a:p>
-          <a:p>
-            <a:endParaRPr lang="en-US" altLang="ko-KR" sz="1400" dirty="0">
-              <a:ln>
-                <a:solidFill>
-                  <a:schemeClr val="bg1">
-                    <a:lumMod val="50000"/>
-                    <a:alpha val="0"/>
-                  </a:schemeClr>
-                </a:solidFill>
-              </a:ln>
-              <a:solidFill>
-                <a:schemeClr val="tx1">
-                  <a:lumMod val="75000"/>
-                  <a:lumOff val="25000"/>
-                </a:schemeClr>
-              </a:solidFill>
-              <a:latin typeface="나눔바른고딕 UltraLight" panose="020B0603020101020101" pitchFamily="50" charset="-127"/>
-              <a:ea typeface="나눔바른고딕 UltraLight" panose="020B0603020101020101" pitchFamily="50" charset="-127"/>
-            </a:endParaRPr>
-          </a:p>
-        </p:txBody>
-      </p:sp>
-      <p:sp>
-        <p:nvSpPr>
-          <p:cNvPr id="6" name="Rectangle 2">
-            <a:extLst>
-              <a:ext uri="{FF2B5EF4-FFF2-40B4-BE49-F238E27FC236}">
-                <a16:creationId xmlns:a16="http://schemas.microsoft.com/office/drawing/2014/main" id="{28037EF8-1F0D-4085-80EE-548A39FC6546}"/>
-              </a:ext>
-            </a:extLst>
-          </p:cNvPr>
-          <p:cNvSpPr>
-            <a:spLocks noChangeArrowheads="1"/>
-          </p:cNvSpPr>
-          <p:nvPr/>
-        </p:nvSpPr>
-        <p:spPr bwMode="auto">
-          <a:xfrm>
-            <a:off x="7118350" y="1525994"/>
-            <a:ext cx="12192000" cy="457200"/>
-          </a:xfrm>
-          <a:prstGeom prst="rect">
-            <a:avLst/>
-          </a:prstGeom>
-          <a:noFill/>
-          <a:ln>
-            <a:noFill/>
-          </a:ln>
-          <a:effectLst/>
-          <a:extLst>
-            <a:ext uri="{909E8E84-426E-40DD-AFC4-6F175D3DCCD1}">
-              <a14:hiddenFill xmlns:a14="http://schemas.microsoft.com/office/drawing/2010/main">
-                <a:solidFill>
-                  <a:schemeClr val="accent1"/>
-                </a:solidFill>
-              </a14:hiddenFill>
-            </a:ext>
-            <a:ext uri="{91240B29-F687-4F45-9708-019B960494DF}">
-              <a14:hiddenLine xmlns:a14="http://schemas.microsoft.com/office/drawing/2010/main" w="9525">
-                <a:solidFill>
-                  <a:schemeClr val="tx1"/>
-                </a:solidFill>
-                <a:miter lim="800000"/>
-                <a:headEnd/>
-                <a:tailEnd/>
-              </a14:hiddenLine>
-            </a:ext>
-            <a:ext uri="{AF507438-7753-43E0-B8FC-AC1667EBCBE1}">
-              <a14:hiddenEffects xmlns:a14="http://schemas.microsoft.com/office/drawing/2010/main">
-                <a:effectLst>
-                  <a:outerShdw dist="35921" dir="2700000" algn="ctr" rotWithShape="0">
-                    <a:schemeClr val="bg2"/>
-                  </a:outerShdw>
-                </a:effectLst>
-              </a14:hiddenEffects>
-            </a:ext>
-          </a:extLst>
-        </p:spPr>
-        <p:txBody>
-          <a:bodyPr vert="horz" wrap="none" lIns="91440" tIns="45720" rIns="91440" bIns="45720" numCol="1" anchor="ctr" anchorCtr="0" compatLnSpc="1">
-            <a:prstTxWarp prst="textNoShape">
-              <a:avLst/>
-            </a:prstTxWarp>
-            <a:spAutoFit/>
-          </a:bodyPr>
-          <a:lstStyle/>
-          <a:p>
-            <a:endParaRPr lang="ko-KR" altLang="en-US" dirty="0"/>
-          </a:p>
-        </p:txBody>
-      </p:sp>
-      <p:grpSp>
-        <p:nvGrpSpPr>
-          <p:cNvPr id="7" name="그룹 6">
-            <a:extLst>
-              <a:ext uri="{FF2B5EF4-FFF2-40B4-BE49-F238E27FC236}">
-                <a16:creationId xmlns:a16="http://schemas.microsoft.com/office/drawing/2014/main" id="{E436B9F7-0778-4A80-9E51-F975DEF3B23B}"/>
-              </a:ext>
-            </a:extLst>
-          </p:cNvPr>
-          <p:cNvGrpSpPr/>
-          <p:nvPr/>
-        </p:nvGrpSpPr>
-        <p:grpSpPr>
-          <a:xfrm>
-            <a:off x="8654717" y="1756649"/>
-            <a:ext cx="3188033" cy="3994985"/>
-            <a:chOff x="8610267" y="1636831"/>
-            <a:chExt cx="3266614" cy="4094533"/>
-          </a:xfrm>
-        </p:grpSpPr>
-        <p:grpSp>
-          <p:nvGrpSpPr>
-            <p:cNvPr id="41" name="그룹 40">
-              <a:extLst>
-                <a:ext uri="{FF2B5EF4-FFF2-40B4-BE49-F238E27FC236}">
-                  <a16:creationId xmlns:a16="http://schemas.microsoft.com/office/drawing/2014/main" id="{9AAA266F-85D3-4BCA-8680-243E7C03C4F5}"/>
-                </a:ext>
-              </a:extLst>
-            </p:cNvPr>
-            <p:cNvGrpSpPr/>
-            <p:nvPr/>
-          </p:nvGrpSpPr>
-          <p:grpSpPr>
-            <a:xfrm>
-              <a:off x="9483667" y="1636831"/>
-              <a:ext cx="1493218" cy="2245163"/>
-              <a:chOff x="4071578" y="1662504"/>
-              <a:chExt cx="1493218" cy="2245163"/>
-            </a:xfrm>
-          </p:grpSpPr>
-          <p:sp>
-            <p:nvSpPr>
-              <p:cNvPr id="42" name="직사각형 41">
-                <a:extLst>
-                  <a:ext uri="{FF2B5EF4-FFF2-40B4-BE49-F238E27FC236}">
-                    <a16:creationId xmlns:a16="http://schemas.microsoft.com/office/drawing/2014/main" id="{EDC81A49-B66D-4068-97E4-230CC3216159}"/>
-                  </a:ext>
-                </a:extLst>
-              </p:cNvPr>
-              <p:cNvSpPr/>
-              <p:nvPr/>
-            </p:nvSpPr>
-            <p:spPr>
-              <a:xfrm>
-                <a:off x="4083406" y="1662504"/>
-                <a:ext cx="1481390" cy="1870251"/>
-              </a:xfrm>
-              <a:prstGeom prst="rect">
-                <a:avLst/>
-              </a:prstGeom>
-              <a:noFill/>
-              <a:ln w="19050">
-                <a:solidFill>
-                  <a:schemeClr val="bg2">
-                    <a:lumMod val="50000"/>
-                    <a:alpha val="50000"/>
-                  </a:schemeClr>
-                </a:solidFill>
-              </a:ln>
-            </p:spPr>
-            <p:style>
-              <a:lnRef idx="2">
-                <a:schemeClr val="accent1">
-                  <a:shade val="50000"/>
-                </a:schemeClr>
-              </a:lnRef>
-              <a:fillRef idx="1">
-                <a:schemeClr val="accent1"/>
-              </a:fillRef>
-              <a:effectRef idx="0">
-                <a:schemeClr val="accent1"/>
-              </a:effectRef>
-              <a:fontRef idx="minor">
-                <a:schemeClr val="lt1"/>
-              </a:fontRef>
-            </p:style>
-            <p:txBody>
-              <a:bodyPr rtlCol="0" anchor="ctr"/>
-              <a:lstStyle/>
-              <a:p>
-                <a:pPr algn="ctr"/>
-                <a:endParaRPr lang="ko-KR" altLang="en-US"/>
-              </a:p>
-            </p:txBody>
-          </p:sp>
-          <p:pic>
-            <p:nvPicPr>
-              <p:cNvPr id="43" name="그림 42">
-                <a:extLst>
-                  <a:ext uri="{FF2B5EF4-FFF2-40B4-BE49-F238E27FC236}">
-                    <a16:creationId xmlns:a16="http://schemas.microsoft.com/office/drawing/2014/main" id="{5E271631-3F8A-4219-A3AC-8F4281E4B2C1}"/>
-                  </a:ext>
-                </a:extLst>
-              </p:cNvPr>
-              <p:cNvPicPr>
-                <a:picLocks noChangeAspect="1"/>
-              </p:cNvPicPr>
-              <p:nvPr/>
-            </p:nvPicPr>
-            <p:blipFill>
-              <a:blip r:embed="rId2" cstate="print">
-                <a:duotone>
-                  <a:prstClr val="black"/>
-                  <a:srgbClr val="D33E3E">
-                    <a:tint val="45000"/>
-                    <a:satMod val="400000"/>
-                  </a:srgbClr>
-                </a:duotone>
-                <a:extLst>
-                  <a:ext uri="{BEBA8EAE-BF5A-486C-A8C5-ECC9F3942E4B}">
-                    <a14:imgProps xmlns:a14="http://schemas.microsoft.com/office/drawing/2010/main">
-                      <a14:imgLayer r:embed="rId3">
-                        <a14:imgEffect>
-                          <a14:brightnessContrast bright="100000" contrast="-64000"/>
-                        </a14:imgEffect>
-                      </a14:imgLayer>
-                    </a14:imgProps>
-                  </a:ext>
-                  <a:ext uri="{28A0092B-C50C-407E-A947-70E740481C1C}">
-                    <a14:useLocalDpi xmlns:a14="http://schemas.microsoft.com/office/drawing/2010/main" val="0"/>
-                  </a:ext>
-                </a:extLst>
-              </a:blip>
-              <a:stretch>
-                <a:fillRect/>
-              </a:stretch>
-            </p:blipFill>
-            <p:spPr>
-              <a:xfrm>
-                <a:off x="4575053" y="1921618"/>
-                <a:ext cx="498095" cy="498095"/>
-              </a:xfrm>
-              <a:prstGeom prst="rect">
-                <a:avLst/>
-              </a:prstGeom>
-            </p:spPr>
-          </p:pic>
-          <p:sp>
-            <p:nvSpPr>
-              <p:cNvPr id="44" name="TextBox 43">
-                <a:extLst>
-                  <a:ext uri="{FF2B5EF4-FFF2-40B4-BE49-F238E27FC236}">
-                    <a16:creationId xmlns:a16="http://schemas.microsoft.com/office/drawing/2014/main" id="{FAFB9E81-9C0D-4B55-A48F-6078CAEFBF79}"/>
-                  </a:ext>
-                </a:extLst>
-              </p:cNvPr>
-              <p:cNvSpPr txBox="1"/>
-              <p:nvPr/>
-            </p:nvSpPr>
-            <p:spPr>
-              <a:xfrm>
-                <a:off x="4071578" y="2425072"/>
-                <a:ext cx="1493218" cy="1482595"/>
-              </a:xfrm>
-              <a:prstGeom prst="rect">
-                <a:avLst/>
-              </a:prstGeom>
-              <a:noFill/>
-            </p:spPr>
-            <p:txBody>
-              <a:bodyPr wrap="square" rtlCol="0">
-                <a:spAutoFit/>
-              </a:bodyPr>
-              <a:lstStyle/>
-              <a:p>
-                <a:pPr algn="ctr"/>
-                <a:r>
-                  <a:rPr lang="en-US" altLang="ko-KR" sz="1300" b="1" dirty="0">
-                    <a:solidFill>
-                      <a:schemeClr val="bg2">
-                        <a:lumMod val="50000"/>
-                      </a:schemeClr>
-                    </a:solidFill>
-                    <a:latin typeface="나눔스퀘어" panose="020B0600000101010101" pitchFamily="50" charset="-127"/>
-                    <a:ea typeface="나눔스퀘어" panose="020B0600000101010101" pitchFamily="50" charset="-127"/>
-                  </a:rPr>
-                  <a:t> Server</a:t>
-                </a:r>
-              </a:p>
-              <a:p>
-                <a:endParaRPr lang="en-US" altLang="ko-KR" sz="1300" b="1" dirty="0">
-                  <a:solidFill>
-                    <a:schemeClr val="bg1">
-                      <a:lumMod val="85000"/>
-                    </a:schemeClr>
-                  </a:solidFill>
-                  <a:latin typeface="나눔스퀘어" panose="020B0600000101010101" pitchFamily="50" charset="-127"/>
-                  <a:ea typeface="나눔스퀘어" panose="020B0600000101010101" pitchFamily="50" charset="-127"/>
-                </a:endParaRPr>
-              </a:p>
-              <a:p>
-                <a:pPr algn="ctr"/>
-                <a:r>
-                  <a:rPr lang="ko-KR" altLang="en-US" sz="1100" b="1" dirty="0">
-                    <a:solidFill>
-                      <a:schemeClr val="bg1">
-                        <a:lumMod val="75000"/>
-                      </a:schemeClr>
-                    </a:solidFill>
-                    <a:latin typeface="나눔스퀘어" panose="020B0600000101010101" pitchFamily="50" charset="-127"/>
-                    <a:ea typeface="나눔스퀘어" panose="020B0600000101010101" pitchFamily="50" charset="-127"/>
-                  </a:rPr>
-                  <a:t>네트워크 제공을 </a:t>
-                </a:r>
-                <a:endParaRPr lang="en-US" altLang="ko-KR" sz="1100" b="1" dirty="0">
-                  <a:solidFill>
-                    <a:schemeClr val="bg1">
-                      <a:lumMod val="75000"/>
-                    </a:schemeClr>
-                  </a:solidFill>
-                  <a:latin typeface="나눔스퀘어" panose="020B0600000101010101" pitchFamily="50" charset="-127"/>
-                  <a:ea typeface="나눔스퀘어" panose="020B0600000101010101" pitchFamily="50" charset="-127"/>
-                </a:endParaRPr>
-              </a:p>
-              <a:p>
-                <a:pPr algn="ctr"/>
-                <a:r>
-                  <a:rPr lang="ko-KR" altLang="en-US" sz="1100" b="1" dirty="0">
-                    <a:solidFill>
-                      <a:schemeClr val="bg1">
-                        <a:lumMod val="75000"/>
-                      </a:schemeClr>
-                    </a:solidFill>
-                    <a:latin typeface="나눔스퀘어" panose="020B0600000101010101" pitchFamily="50" charset="-127"/>
-                    <a:ea typeface="나눔스퀘어" panose="020B0600000101010101" pitchFamily="50" charset="-127"/>
-                  </a:rPr>
-                  <a:t>위한 </a:t>
-                </a:r>
-                <a:r>
-                  <a:rPr lang="en-US" altLang="ko-KR" sz="1100" b="1" dirty="0">
-                    <a:solidFill>
-                      <a:schemeClr val="bg1">
-                        <a:lumMod val="75000"/>
-                      </a:schemeClr>
-                    </a:solidFill>
-                    <a:latin typeface="나눔스퀘어" panose="020B0600000101010101" pitchFamily="50" charset="-127"/>
-                    <a:ea typeface="나눔스퀘어" panose="020B0600000101010101" pitchFamily="50" charset="-127"/>
-                  </a:rPr>
-                  <a:t>TCP/IP </a:t>
-                </a:r>
-                <a:r>
-                  <a:rPr lang="ko-KR" altLang="en-US" sz="1100" b="1" dirty="0">
-                    <a:solidFill>
-                      <a:schemeClr val="bg1">
-                        <a:lumMod val="75000"/>
-                      </a:schemeClr>
-                    </a:solidFill>
-                    <a:latin typeface="나눔스퀘어" panose="020B0600000101010101" pitchFamily="50" charset="-127"/>
-                    <a:ea typeface="나눔스퀘어" panose="020B0600000101010101" pitchFamily="50" charset="-127"/>
-                  </a:rPr>
-                  <a:t>기반의 서버 </a:t>
-                </a:r>
-                <a:endParaRPr lang="en-US" altLang="ko-KR" sz="1100" b="1" dirty="0">
-                  <a:solidFill>
-                    <a:schemeClr val="bg1">
-                      <a:lumMod val="75000"/>
-                    </a:schemeClr>
-                  </a:solidFill>
-                  <a:latin typeface="나눔스퀘어" panose="020B0600000101010101" pitchFamily="50" charset="-127"/>
-                  <a:ea typeface="나눔스퀘어" panose="020B0600000101010101" pitchFamily="50" charset="-127"/>
-                </a:endParaRPr>
-              </a:p>
-              <a:p>
-                <a:endParaRPr lang="en-US" altLang="ko-KR" sz="1100" b="1" dirty="0">
-                  <a:solidFill>
-                    <a:schemeClr val="bg1">
-                      <a:lumMod val="75000"/>
-                    </a:schemeClr>
-                  </a:solidFill>
-                  <a:latin typeface="나눔스퀘어" panose="020B0600000101010101" pitchFamily="50" charset="-127"/>
-                  <a:ea typeface="나눔스퀘어" panose="020B0600000101010101" pitchFamily="50" charset="-127"/>
-                </a:endParaRPr>
-              </a:p>
-              <a:p>
-                <a:endParaRPr lang="en-US" altLang="ko-KR" dirty="0"/>
-              </a:p>
-            </p:txBody>
-          </p:sp>
-        </p:grpSp>
-        <p:grpSp>
-          <p:nvGrpSpPr>
-            <p:cNvPr id="45" name="그룹 44">
-              <a:extLst>
-                <a:ext uri="{FF2B5EF4-FFF2-40B4-BE49-F238E27FC236}">
-                  <a16:creationId xmlns:a16="http://schemas.microsoft.com/office/drawing/2014/main" id="{DCFE6AE8-4190-43B1-AFAB-57497C96C04B}"/>
-                </a:ext>
-              </a:extLst>
-            </p:cNvPr>
-            <p:cNvGrpSpPr/>
-            <p:nvPr/>
-          </p:nvGrpSpPr>
-          <p:grpSpPr>
-            <a:xfrm>
-              <a:off x="8610267" y="3676672"/>
-              <a:ext cx="1514658" cy="1870251"/>
-              <a:chOff x="3284172" y="3721642"/>
-              <a:chExt cx="1514658" cy="1870251"/>
-            </a:xfrm>
-          </p:grpSpPr>
-          <p:sp>
-            <p:nvSpPr>
-              <p:cNvPr id="46" name="직사각형 45">
-                <a:extLst>
-                  <a:ext uri="{FF2B5EF4-FFF2-40B4-BE49-F238E27FC236}">
-                    <a16:creationId xmlns:a16="http://schemas.microsoft.com/office/drawing/2014/main" id="{776B1F34-C401-4A0D-BB8A-1641E756137D}"/>
-                  </a:ext>
-                </a:extLst>
-              </p:cNvPr>
-              <p:cNvSpPr/>
-              <p:nvPr/>
-            </p:nvSpPr>
-            <p:spPr>
-              <a:xfrm>
-                <a:off x="3317440" y="3721642"/>
-                <a:ext cx="1481390" cy="1870251"/>
-              </a:xfrm>
-              <a:prstGeom prst="rect">
-                <a:avLst/>
-              </a:prstGeom>
-              <a:noFill/>
-              <a:ln w="19050">
-                <a:solidFill>
-                  <a:schemeClr val="bg2">
-                    <a:lumMod val="50000"/>
-                    <a:alpha val="50000"/>
-                  </a:schemeClr>
-                </a:solidFill>
-              </a:ln>
-            </p:spPr>
-            <p:style>
-              <a:lnRef idx="2">
-                <a:schemeClr val="accent1">
-                  <a:shade val="50000"/>
-                </a:schemeClr>
-              </a:lnRef>
-              <a:fillRef idx="1">
-                <a:schemeClr val="accent1"/>
-              </a:fillRef>
-              <a:effectRef idx="0">
-                <a:schemeClr val="accent1"/>
-              </a:effectRef>
-              <a:fontRef idx="minor">
-                <a:schemeClr val="lt1"/>
-              </a:fontRef>
-            </p:style>
-            <p:txBody>
-              <a:bodyPr rtlCol="0" anchor="ctr"/>
-              <a:lstStyle/>
-              <a:p>
-                <a:pPr algn="ctr"/>
-                <a:endParaRPr lang="ko-KR" altLang="en-US"/>
-              </a:p>
-            </p:txBody>
-          </p:sp>
-          <p:sp>
-            <p:nvSpPr>
-              <p:cNvPr id="47" name="TextBox 46">
-                <a:extLst>
-                  <a:ext uri="{FF2B5EF4-FFF2-40B4-BE49-F238E27FC236}">
-                    <a16:creationId xmlns:a16="http://schemas.microsoft.com/office/drawing/2014/main" id="{7C1D5059-5DA7-4118-A9CC-D698AA48CEA5}"/>
-                  </a:ext>
-                </a:extLst>
-              </p:cNvPr>
-              <p:cNvSpPr txBox="1"/>
-              <p:nvPr/>
-            </p:nvSpPr>
-            <p:spPr>
-              <a:xfrm>
-                <a:off x="3284172" y="4453262"/>
-                <a:ext cx="1493218" cy="1025199"/>
-              </a:xfrm>
-              <a:prstGeom prst="rect">
-                <a:avLst/>
-              </a:prstGeom>
-              <a:noFill/>
-            </p:spPr>
-            <p:txBody>
-              <a:bodyPr wrap="square" rtlCol="0">
-                <a:spAutoFit/>
-              </a:bodyPr>
-              <a:lstStyle/>
-              <a:p>
-                <a:pPr algn="ctr"/>
-                <a:r>
-                  <a:rPr lang="en-US" altLang="ko-KR" sz="1300" b="1" dirty="0">
-                    <a:solidFill>
-                      <a:schemeClr val="bg2">
-                        <a:lumMod val="50000"/>
-                      </a:schemeClr>
-                    </a:solidFill>
-                    <a:latin typeface="나눔스퀘어" panose="020B0600000101010101" pitchFamily="50" charset="-127"/>
-                    <a:ea typeface="나눔스퀘어" panose="020B0600000101010101" pitchFamily="50" charset="-127"/>
-                  </a:rPr>
-                  <a:t>Server-Client</a:t>
-                </a:r>
-              </a:p>
-              <a:p>
-                <a:pPr algn="ctr"/>
-                <a:endParaRPr lang="en-US" altLang="ko-KR" sz="1300" b="1" dirty="0">
-                  <a:solidFill>
-                    <a:schemeClr val="bg1">
-                      <a:lumMod val="85000"/>
-                    </a:schemeClr>
-                  </a:solidFill>
-                  <a:latin typeface="나눔스퀘어" panose="020B0600000101010101" pitchFamily="50" charset="-127"/>
-                  <a:ea typeface="나눔스퀘어" panose="020B0600000101010101" pitchFamily="50" charset="-127"/>
-                </a:endParaRPr>
-              </a:p>
-              <a:p>
-                <a:pPr algn="ctr"/>
-                <a:r>
-                  <a:rPr lang="ko-KR" altLang="en-US" sz="1100" b="1" dirty="0">
-                    <a:solidFill>
-                      <a:schemeClr val="bg1">
-                        <a:lumMod val="75000"/>
-                      </a:schemeClr>
-                    </a:solidFill>
-                    <a:latin typeface="나눔스퀘어" panose="020B0600000101010101" pitchFamily="50" charset="-127"/>
-                    <a:ea typeface="나눔스퀘어" panose="020B0600000101010101" pitchFamily="50" charset="-127"/>
-                  </a:rPr>
-                  <a:t>  사용자와 서버의 상호 작용을 위한 </a:t>
-                </a:r>
-                <a:endParaRPr lang="en-US" altLang="ko-KR" sz="1100" b="1" dirty="0">
-                  <a:solidFill>
-                    <a:schemeClr val="bg1">
-                      <a:lumMod val="75000"/>
-                    </a:schemeClr>
-                  </a:solidFill>
-                  <a:latin typeface="나눔스퀘어" panose="020B0600000101010101" pitchFamily="50" charset="-127"/>
-                  <a:ea typeface="나눔스퀘어" panose="020B0600000101010101" pitchFamily="50" charset="-127"/>
-                </a:endParaRPr>
-              </a:p>
-              <a:p>
-                <a:pPr algn="ctr"/>
-                <a:r>
-                  <a:rPr lang="ko-KR" altLang="en-US" sz="1100" b="1" dirty="0">
-                    <a:solidFill>
-                      <a:schemeClr val="bg1">
-                        <a:lumMod val="75000"/>
-                      </a:schemeClr>
-                    </a:solidFill>
-                    <a:latin typeface="나눔스퀘어" panose="020B0600000101010101" pitchFamily="50" charset="-127"/>
-                    <a:ea typeface="나눔스퀘어" panose="020B0600000101010101" pitchFamily="50" charset="-127"/>
-                  </a:rPr>
-                  <a:t>기능 구현</a:t>
-                </a:r>
-                <a:endParaRPr lang="en-US" altLang="ko-KR" dirty="0"/>
-              </a:p>
-            </p:txBody>
-          </p:sp>
-          <p:pic>
-            <p:nvPicPr>
-              <p:cNvPr id="48" name="그림 47">
-                <a:extLst>
-                  <a:ext uri="{FF2B5EF4-FFF2-40B4-BE49-F238E27FC236}">
-                    <a16:creationId xmlns:a16="http://schemas.microsoft.com/office/drawing/2014/main" id="{131E963B-83EA-4BD8-AF52-AAC983434036}"/>
-                  </a:ext>
-                </a:extLst>
-              </p:cNvPr>
-              <p:cNvPicPr>
-                <a:picLocks noChangeAspect="1"/>
-              </p:cNvPicPr>
-              <p:nvPr/>
-            </p:nvPicPr>
-            <p:blipFill>
-              <a:blip r:embed="rId4" cstate="print">
-                <a:duotone>
-                  <a:schemeClr val="accent1">
-                    <a:shade val="45000"/>
-                    <a:satMod val="135000"/>
-                  </a:schemeClr>
-                  <a:prstClr val="white"/>
-                </a:duotone>
-                <a:extLst>
-                  <a:ext uri="{BEBA8EAE-BF5A-486C-A8C5-ECC9F3942E4B}">
-                    <a14:imgProps xmlns:a14="http://schemas.microsoft.com/office/drawing/2010/main">
-                      <a14:imgLayer r:embed="rId5">
-                        <a14:imgEffect>
-                          <a14:brightnessContrast contrast="-84000"/>
-                        </a14:imgEffect>
-                      </a14:imgLayer>
-                    </a14:imgProps>
-                  </a:ext>
-                  <a:ext uri="{28A0092B-C50C-407E-A947-70E740481C1C}">
-                    <a14:useLocalDpi xmlns:a14="http://schemas.microsoft.com/office/drawing/2010/main" val="0"/>
-                  </a:ext>
-                </a:extLst>
-              </a:blip>
-              <a:stretch>
-                <a:fillRect/>
-              </a:stretch>
-            </p:blipFill>
-            <p:spPr>
-              <a:xfrm>
-                <a:off x="3728854" y="3869882"/>
-                <a:ext cx="636978" cy="636978"/>
-              </a:xfrm>
-              <a:prstGeom prst="rect">
-                <a:avLst/>
-              </a:prstGeom>
-            </p:spPr>
-          </p:pic>
-        </p:grpSp>
-        <p:grpSp>
-          <p:nvGrpSpPr>
-            <p:cNvPr id="49" name="그룹 48">
-              <a:extLst>
-                <a:ext uri="{FF2B5EF4-FFF2-40B4-BE49-F238E27FC236}">
-                  <a16:creationId xmlns:a16="http://schemas.microsoft.com/office/drawing/2014/main" id="{0A6488C7-C3A1-4762-8367-DE8F8E365CE2}"/>
-                </a:ext>
-              </a:extLst>
-            </p:cNvPr>
-            <p:cNvGrpSpPr/>
-            <p:nvPr/>
-          </p:nvGrpSpPr>
-          <p:grpSpPr>
-            <a:xfrm>
-              <a:off x="10270609" y="3676672"/>
-              <a:ext cx="1606272" cy="2054692"/>
-              <a:chOff x="4944514" y="3721642"/>
-              <a:chExt cx="1606272" cy="2054692"/>
-            </a:xfrm>
-          </p:grpSpPr>
-          <p:sp>
-            <p:nvSpPr>
-              <p:cNvPr id="50" name="직사각형 49">
-                <a:extLst>
-                  <a:ext uri="{FF2B5EF4-FFF2-40B4-BE49-F238E27FC236}">
-                    <a16:creationId xmlns:a16="http://schemas.microsoft.com/office/drawing/2014/main" id="{A6BED97A-302A-4C22-BAA6-4A4BDE3D6EB8}"/>
-                  </a:ext>
-                </a:extLst>
-              </p:cNvPr>
-              <p:cNvSpPr/>
-              <p:nvPr/>
-            </p:nvSpPr>
-            <p:spPr>
-              <a:xfrm>
-                <a:off x="5008107" y="3721642"/>
-                <a:ext cx="1481390" cy="1870251"/>
-              </a:xfrm>
-              <a:prstGeom prst="rect">
-                <a:avLst/>
-              </a:prstGeom>
-              <a:noFill/>
-              <a:ln w="19050">
-                <a:solidFill>
-                  <a:schemeClr val="bg2">
-                    <a:lumMod val="50000"/>
-                    <a:alpha val="50000"/>
-                  </a:schemeClr>
-                </a:solidFill>
-              </a:ln>
-            </p:spPr>
-            <p:style>
-              <a:lnRef idx="2">
-                <a:schemeClr val="accent1">
-                  <a:shade val="50000"/>
-                </a:schemeClr>
-              </a:lnRef>
-              <a:fillRef idx="1">
-                <a:schemeClr val="accent1"/>
-              </a:fillRef>
-              <a:effectRef idx="0">
-                <a:schemeClr val="accent1"/>
-              </a:effectRef>
-              <a:fontRef idx="minor">
-                <a:schemeClr val="lt1"/>
-              </a:fontRef>
-            </p:style>
-            <p:txBody>
-              <a:bodyPr rtlCol="0" anchor="ctr"/>
-              <a:lstStyle/>
-              <a:p>
-                <a:pPr algn="ctr"/>
-                <a:endParaRPr lang="ko-KR" altLang="en-US"/>
-              </a:p>
-            </p:txBody>
-          </p:sp>
-          <p:sp>
-            <p:nvSpPr>
-              <p:cNvPr id="51" name="TextBox 50">
-                <a:extLst>
-                  <a:ext uri="{FF2B5EF4-FFF2-40B4-BE49-F238E27FC236}">
-                    <a16:creationId xmlns:a16="http://schemas.microsoft.com/office/drawing/2014/main" id="{719794DE-C6D0-48B9-82F7-AD23F1CE4B21}"/>
-                  </a:ext>
-                </a:extLst>
-              </p:cNvPr>
-              <p:cNvSpPr txBox="1"/>
-              <p:nvPr/>
-            </p:nvSpPr>
-            <p:spPr>
-              <a:xfrm>
-                <a:off x="4944514" y="4467233"/>
-                <a:ext cx="1606272" cy="1309101"/>
-              </a:xfrm>
-              <a:prstGeom prst="rect">
-                <a:avLst/>
-              </a:prstGeom>
-              <a:noFill/>
-            </p:spPr>
-            <p:txBody>
-              <a:bodyPr wrap="square" rtlCol="0">
-                <a:spAutoFit/>
-              </a:bodyPr>
-              <a:lstStyle/>
-              <a:p>
-                <a:pPr algn="ctr"/>
-                <a:r>
-                  <a:rPr lang="en-US" altLang="ko-KR" sz="1300" b="1" dirty="0">
-                    <a:solidFill>
-                      <a:schemeClr val="bg1">
-                        <a:lumMod val="85000"/>
-                      </a:schemeClr>
-                    </a:solidFill>
-                    <a:latin typeface="나눔스퀘어" panose="020B0600000101010101" pitchFamily="50" charset="-127"/>
-                    <a:ea typeface="나눔스퀘어" panose="020B0600000101010101" pitchFamily="50" charset="-127"/>
-                  </a:rPr>
-                  <a:t> </a:t>
-                </a:r>
-                <a:r>
-                  <a:rPr lang="en-US" altLang="ko-KR" sz="1300" b="1" dirty="0">
-                    <a:solidFill>
-                      <a:schemeClr val="bg2">
-                        <a:lumMod val="50000"/>
-                      </a:schemeClr>
-                    </a:solidFill>
-                    <a:latin typeface="나눔스퀘어" panose="020B0600000101010101" pitchFamily="50" charset="-127"/>
-                    <a:ea typeface="나눔스퀘어" panose="020B0600000101010101" pitchFamily="50" charset="-127"/>
-                  </a:rPr>
-                  <a:t>Client</a:t>
-                </a:r>
-                <a:endParaRPr lang="en-US" altLang="ko-KR" sz="1300" b="1" dirty="0">
-                  <a:solidFill>
-                    <a:schemeClr val="bg1">
-                      <a:lumMod val="95000"/>
-                    </a:schemeClr>
-                  </a:solidFill>
-                  <a:latin typeface="나눔스퀘어" panose="020B0600000101010101" pitchFamily="50" charset="-127"/>
-                  <a:ea typeface="나눔스퀘어" panose="020B0600000101010101" pitchFamily="50" charset="-127"/>
-                </a:endParaRPr>
-              </a:p>
-              <a:p>
-                <a:endParaRPr lang="en-US" altLang="ko-KR" sz="1300" b="1" dirty="0">
-                  <a:solidFill>
-                    <a:schemeClr val="bg1">
-                      <a:lumMod val="85000"/>
-                    </a:schemeClr>
-                  </a:solidFill>
-                  <a:latin typeface="나눔스퀘어" panose="020B0600000101010101" pitchFamily="50" charset="-127"/>
-                  <a:ea typeface="나눔스퀘어" panose="020B0600000101010101" pitchFamily="50" charset="-127"/>
-                </a:endParaRPr>
-              </a:p>
-              <a:p>
-                <a:pPr algn="ctr"/>
-                <a:r>
-                  <a:rPr lang="ko-KR" altLang="en-US" sz="1100" b="1" dirty="0">
-                    <a:solidFill>
-                      <a:schemeClr val="bg1">
-                        <a:lumMod val="75000"/>
-                      </a:schemeClr>
-                    </a:solidFill>
-                    <a:latin typeface="나눔스퀘어" panose="020B0600000101010101" pitchFamily="50" charset="-127"/>
-                    <a:ea typeface="나눔스퀘어" panose="020B0600000101010101" pitchFamily="50" charset="-127"/>
-                  </a:rPr>
-                  <a:t>사용자가 실제로 </a:t>
-                </a:r>
-                <a:endParaRPr lang="en-US" altLang="ko-KR" sz="1100" b="1" dirty="0">
-                  <a:solidFill>
-                    <a:schemeClr val="bg1">
-                      <a:lumMod val="75000"/>
-                    </a:schemeClr>
-                  </a:solidFill>
-                  <a:latin typeface="나눔스퀘어" panose="020B0600000101010101" pitchFamily="50" charset="-127"/>
-                  <a:ea typeface="나눔스퀘어" panose="020B0600000101010101" pitchFamily="50" charset="-127"/>
-                </a:endParaRPr>
-              </a:p>
-              <a:p>
-                <a:pPr algn="ctr"/>
-                <a:r>
-                  <a:rPr lang="ko-KR" altLang="en-US" sz="1100" b="1" dirty="0">
-                    <a:solidFill>
-                      <a:schemeClr val="bg1">
-                        <a:lumMod val="75000"/>
-                      </a:schemeClr>
-                    </a:solidFill>
-                    <a:latin typeface="나눔스퀘어" panose="020B0600000101010101" pitchFamily="50" charset="-127"/>
-                    <a:ea typeface="나눔스퀘어" panose="020B0600000101010101" pitchFamily="50" charset="-127"/>
-                  </a:rPr>
-                  <a:t>플레이하는 </a:t>
-                </a:r>
-                <a:endParaRPr lang="en-US" altLang="ko-KR" sz="1100" b="1" dirty="0">
-                  <a:solidFill>
-                    <a:schemeClr val="bg1">
-                      <a:lumMod val="75000"/>
-                    </a:schemeClr>
-                  </a:solidFill>
-                  <a:latin typeface="나눔스퀘어" panose="020B0600000101010101" pitchFamily="50" charset="-127"/>
-                  <a:ea typeface="나눔스퀘어" panose="020B0600000101010101" pitchFamily="50" charset="-127"/>
-                </a:endParaRPr>
-              </a:p>
-              <a:p>
-                <a:pPr algn="ctr"/>
-                <a:r>
-                  <a:rPr lang="ko-KR" altLang="en-US" sz="1100" b="1" dirty="0" err="1">
-                    <a:solidFill>
-                      <a:schemeClr val="bg1">
-                        <a:lumMod val="75000"/>
-                      </a:schemeClr>
-                    </a:solidFill>
-                    <a:latin typeface="나눔스퀘어" panose="020B0600000101010101" pitchFamily="50" charset="-127"/>
-                    <a:ea typeface="나눔스퀘어" panose="020B0600000101010101" pitchFamily="50" charset="-127"/>
-                  </a:rPr>
-                  <a:t>인게임</a:t>
-                </a:r>
-                <a:r>
-                  <a:rPr lang="ko-KR" altLang="en-US" sz="1100" b="1" dirty="0">
-                    <a:solidFill>
-                      <a:schemeClr val="bg1">
-                        <a:lumMod val="75000"/>
-                      </a:schemeClr>
-                    </a:solidFill>
-                    <a:latin typeface="나눔스퀘어" panose="020B0600000101010101" pitchFamily="50" charset="-127"/>
-                    <a:ea typeface="나눔스퀘어" panose="020B0600000101010101" pitchFamily="50" charset="-127"/>
-                  </a:rPr>
-                  <a:t> 구축</a:t>
-                </a:r>
-                <a:endParaRPr lang="en-US" altLang="ko-KR" sz="1300" b="1" dirty="0">
-                  <a:solidFill>
-                    <a:schemeClr val="bg1">
-                      <a:lumMod val="85000"/>
-                    </a:schemeClr>
-                  </a:solidFill>
-                  <a:latin typeface="나눔스퀘어" panose="020B0600000101010101" pitchFamily="50" charset="-127"/>
-                  <a:ea typeface="나눔스퀘어" panose="020B0600000101010101" pitchFamily="50" charset="-127"/>
-                </a:endParaRPr>
-              </a:p>
-              <a:p>
-                <a:endParaRPr lang="en-US" altLang="ko-KR" dirty="0"/>
-              </a:p>
-            </p:txBody>
-          </p:sp>
-          <p:pic>
-            <p:nvPicPr>
-              <p:cNvPr id="52" name="그림 51">
-                <a:extLst>
-                  <a:ext uri="{FF2B5EF4-FFF2-40B4-BE49-F238E27FC236}">
-                    <a16:creationId xmlns:a16="http://schemas.microsoft.com/office/drawing/2014/main" id="{F6F9D5F5-5B44-4AF7-AE8E-16937B259031}"/>
-                  </a:ext>
-                </a:extLst>
-              </p:cNvPr>
-              <p:cNvPicPr>
-                <a:picLocks noChangeAspect="1"/>
-              </p:cNvPicPr>
-              <p:nvPr/>
-            </p:nvPicPr>
-            <p:blipFill>
-              <a:blip r:embed="rId6" cstate="print">
-                <a:duotone>
-                  <a:schemeClr val="accent4">
-                    <a:shade val="45000"/>
-                    <a:satMod val="135000"/>
-                  </a:schemeClr>
-                  <a:prstClr val="white"/>
-                </a:duotone>
-                <a:extLst>
-                  <a:ext uri="{BEBA8EAE-BF5A-486C-A8C5-ECC9F3942E4B}">
-                    <a14:imgProps xmlns:a14="http://schemas.microsoft.com/office/drawing/2010/main">
-                      <a14:imgLayer r:embed="rId7">
-                        <a14:imgEffect>
-                          <a14:brightnessContrast bright="-17000" contrast="1000"/>
-                        </a14:imgEffect>
-                      </a14:imgLayer>
-                    </a14:imgProps>
-                  </a:ext>
-                  <a:ext uri="{28A0092B-C50C-407E-A947-70E740481C1C}">
-                    <a14:useLocalDpi xmlns:a14="http://schemas.microsoft.com/office/drawing/2010/main" val="0"/>
-                  </a:ext>
-                </a:extLst>
-              </a:blip>
-              <a:stretch>
-                <a:fillRect/>
-              </a:stretch>
-            </p:blipFill>
-            <p:spPr>
-              <a:xfrm>
-                <a:off x="5444135" y="3937518"/>
-                <a:ext cx="607031" cy="529715"/>
-              </a:xfrm>
-              <a:prstGeom prst="rect">
-                <a:avLst/>
-              </a:prstGeom>
-            </p:spPr>
-          </p:pic>
-        </p:grpSp>
-      </p:grpSp>
-    </p:spTree>
-    <p:extLst>
-      <p:ext uri="{BB962C8B-B14F-4D97-AF65-F5344CB8AC3E}">
-        <p14:creationId xmlns:p14="http://schemas.microsoft.com/office/powerpoint/2010/main" val="1370285287"/>
-      </p:ext>
-    </p:extLst>
-  </p:cSld>
-  <p:clrMapOvr>
-    <a:masterClrMapping/>
-  </p:clrMapOvr>
-</p:sld>
-</file>
-
-<file path=ppt/slides/slide7.xml><?xml version="1.0" encoding="utf-8"?>
 <p:sld xmlns:a="http://schemas.openxmlformats.org/drawingml/2006/main" xmlns:r="http://schemas.openxmlformats.org/officeDocument/2006/relationships" xmlns:p="http://schemas.openxmlformats.org/presentationml/2006/main">
   <p:cSld>
     <p:spTree>
@@ -19967,15 +15823,6 @@
                 <a:srgbClr val="FFFFFF"/>
               </a:contourClr>
             </a:sp3d>
-            <a:extLst>
-              <a:ext uri="{909E8E84-426E-40DD-AFC4-6F175D3DCCD1}">
-                <a14:hiddenFill xmlns:a14="http://schemas.microsoft.com/office/drawing/2010/main">
-                  <a:solidFill>
-                    <a:srgbClr val="FFFFFF"/>
-                  </a:solidFill>
-                </a14:hiddenFill>
-              </a:ext>
-            </a:extLst>
           </p:spPr>
         </p:pic>
         <p:pic>
@@ -20041,15 +15888,6 @@
                 <a:srgbClr val="FFFFFF"/>
               </a:contourClr>
             </a:sp3d>
-            <a:extLst>
-              <a:ext uri="{909E8E84-426E-40DD-AFC4-6F175D3DCCD1}">
-                <a14:hiddenFill xmlns:a14="http://schemas.microsoft.com/office/drawing/2010/main">
-                  <a:solidFill>
-                    <a:srgbClr val="FFFFFF"/>
-                  </a:solidFill>
-                </a14:hiddenFill>
-              </a:ext>
-            </a:extLst>
           </p:spPr>
         </p:pic>
         <p:pic>
@@ -20115,15 +15953,6 @@
                 <a:srgbClr val="FFFFFF"/>
               </a:contourClr>
             </a:sp3d>
-            <a:extLst>
-              <a:ext uri="{909E8E84-426E-40DD-AFC4-6F175D3DCCD1}">
-                <a14:hiddenFill xmlns:a14="http://schemas.microsoft.com/office/drawing/2010/main">
-                  <a:solidFill>
-                    <a:srgbClr val="FFFFFF"/>
-                  </a:solidFill>
-                </a14:hiddenFill>
-              </a:ext>
-            </a:extLst>
           </p:spPr>
         </p:pic>
         <p:pic>
@@ -20189,15 +16018,6 @@
                 <a:srgbClr val="FFFFFF"/>
               </a:contourClr>
             </a:sp3d>
-            <a:extLst>
-              <a:ext uri="{909E8E84-426E-40DD-AFC4-6F175D3DCCD1}">
-                <a14:hiddenFill xmlns:a14="http://schemas.microsoft.com/office/drawing/2010/main">
-                  <a:solidFill>
-                    <a:srgbClr val="FFFFFF"/>
-                  </a:solidFill>
-                </a14:hiddenFill>
-              </a:ext>
-            </a:extLst>
           </p:spPr>
         </p:pic>
       </p:grpSp>
@@ -21218,7 +17038,7 @@
 </p:sld>
 </file>
 
-<file path=ppt/slides/slide8.xml><?xml version="1.0" encoding="utf-8"?>
+<file path=ppt/slides/slide7.xml><?xml version="1.0" encoding="utf-8"?>
 <p:sld xmlns:a="http://schemas.openxmlformats.org/drawingml/2006/main" xmlns:r="http://schemas.openxmlformats.org/officeDocument/2006/relationships" xmlns:p="http://schemas.openxmlformats.org/presentationml/2006/main">
   <p:cSld>
     <p:spTree>
@@ -22342,7 +18162,7 @@
 </p:sld>
 </file>
 
-<file path=ppt/slides/slide9.xml><?xml version="1.0" encoding="utf-8"?>
+<file path=ppt/slides/slide8.xml><?xml version="1.0" encoding="utf-8"?>
 <p:sld xmlns:a="http://schemas.openxmlformats.org/drawingml/2006/main" xmlns:r="http://schemas.openxmlformats.org/officeDocument/2006/relationships" xmlns:p="http://schemas.openxmlformats.org/presentationml/2006/main">
   <p:cSld>
     <p:spTree>
@@ -23448,15 +19268,6 @@
                 <a:srgbClr val="FFFFFF"/>
               </a:contourClr>
             </a:sp3d>
-            <a:extLst>
-              <a:ext uri="{909E8E84-426E-40DD-AFC4-6F175D3DCCD1}">
-                <a14:hiddenFill xmlns:a14="http://schemas.microsoft.com/office/drawing/2010/main">
-                  <a:solidFill>
-                    <a:srgbClr val="FFFFFF"/>
-                  </a:solidFill>
-                </a14:hiddenFill>
-              </a:ext>
-            </a:extLst>
           </p:spPr>
         </p:pic>
         <p:pic>
@@ -23522,15 +19333,6 @@
                 <a:srgbClr val="FFFFFF"/>
               </a:contourClr>
             </a:sp3d>
-            <a:extLst>
-              <a:ext uri="{909E8E84-426E-40DD-AFC4-6F175D3DCCD1}">
-                <a14:hiddenFill xmlns:a14="http://schemas.microsoft.com/office/drawing/2010/main">
-                  <a:solidFill>
-                    <a:srgbClr val="FFFFFF"/>
-                  </a:solidFill>
-                </a14:hiddenFill>
-              </a:ext>
-            </a:extLst>
           </p:spPr>
         </p:pic>
         <p:pic>
@@ -23596,15 +19398,6 @@
                 <a:srgbClr val="FFFFFF"/>
               </a:contourClr>
             </a:sp3d>
-            <a:extLst>
-              <a:ext uri="{909E8E84-426E-40DD-AFC4-6F175D3DCCD1}">
-                <a14:hiddenFill xmlns:a14="http://schemas.microsoft.com/office/drawing/2010/main">
-                  <a:solidFill>
-                    <a:srgbClr val="FFFFFF"/>
-                  </a:solidFill>
-                </a14:hiddenFill>
-              </a:ext>
-            </a:extLst>
           </p:spPr>
         </p:pic>
         <p:pic>
@@ -23670,15 +19463,6 @@
                 <a:srgbClr val="FFFFFF"/>
               </a:contourClr>
             </a:sp3d>
-            <a:extLst>
-              <a:ext uri="{909E8E84-426E-40DD-AFC4-6F175D3DCCD1}">
-                <a14:hiddenFill xmlns:a14="http://schemas.microsoft.com/office/drawing/2010/main">
-                  <a:solidFill>
-                    <a:srgbClr val="FFFFFF"/>
-                  </a:solidFill>
-                </a14:hiddenFill>
-              </a:ext>
-            </a:extLst>
           </p:spPr>
         </p:pic>
       </p:grpSp>
@@ -24772,6 +20556,1575 @@
     <p:extLst>
       <p:ext uri="{BB962C8B-B14F-4D97-AF65-F5344CB8AC3E}">
         <p14:creationId xmlns:p14="http://schemas.microsoft.com/office/powerpoint/2010/main" val="1080265395"/>
+      </p:ext>
+    </p:extLst>
+  </p:cSld>
+  <p:clrMapOvr>
+    <a:masterClrMapping/>
+  </p:clrMapOvr>
+</p:sld>
+</file>
+
+<file path=ppt/slides/slide9.xml><?xml version="1.0" encoding="utf-8"?>
+<p:sld xmlns:a="http://schemas.openxmlformats.org/drawingml/2006/main" xmlns:r="http://schemas.openxmlformats.org/officeDocument/2006/relationships" xmlns:p="http://schemas.openxmlformats.org/presentationml/2006/main">
+  <p:cSld>
+    <p:spTree>
+      <p:nvGrpSpPr>
+        <p:cNvPr id="1" name=""/>
+        <p:cNvGrpSpPr/>
+        <p:nvPr/>
+      </p:nvGrpSpPr>
+      <p:grpSpPr>
+        <a:xfrm>
+          <a:off x="0" y="0"/>
+          <a:ext cx="0" cy="0"/>
+          <a:chOff x="0" y="0"/>
+          <a:chExt cx="0" cy="0"/>
+        </a:xfrm>
+      </p:grpSpPr>
+      <p:pic>
+        <p:nvPicPr>
+          <p:cNvPr id="10" name="그림 9">
+            <a:extLst>
+              <a:ext uri="{FF2B5EF4-FFF2-40B4-BE49-F238E27FC236}">
+                <a16:creationId xmlns:a16="http://schemas.microsoft.com/office/drawing/2014/main" id="{DFA93DD3-6BBF-4180-98BA-FD4A5C0ECBB2}"/>
+              </a:ext>
+            </a:extLst>
+          </p:cNvPr>
+          <p:cNvPicPr>
+            <a:picLocks noChangeAspect="1"/>
+          </p:cNvPicPr>
+          <p:nvPr/>
+        </p:nvPicPr>
+        <p:blipFill>
+          <a:blip r:embed="rId2" cstate="print">
+            <a:extLst>
+              <a:ext uri="{28A0092B-C50C-407E-A947-70E740481C1C}">
+                <a14:useLocalDpi xmlns:a14="http://schemas.microsoft.com/office/drawing/2010/main" val="0"/>
+              </a:ext>
+            </a:extLst>
+          </a:blip>
+          <a:stretch>
+            <a:fillRect/>
+          </a:stretch>
+        </p:blipFill>
+        <p:spPr>
+          <a:xfrm>
+            <a:off x="8408828" y="1666219"/>
+            <a:ext cx="3414871" cy="1920865"/>
+          </a:xfrm>
+          <a:prstGeom prst="rect">
+            <a:avLst/>
+          </a:prstGeom>
+        </p:spPr>
+      </p:pic>
+      <p:sp>
+        <p:nvSpPr>
+          <p:cNvPr id="35" name="직사각형 34"/>
+          <p:cNvSpPr/>
+          <p:nvPr/>
+        </p:nvSpPr>
+        <p:spPr>
+          <a:xfrm>
+            <a:off x="5641265" y="1128663"/>
+            <a:ext cx="3433953" cy="369332"/>
+          </a:xfrm>
+          <a:prstGeom prst="rect">
+            <a:avLst/>
+          </a:prstGeom>
+        </p:spPr>
+        <p:txBody>
+          <a:bodyPr wrap="none">
+            <a:spAutoFit/>
+          </a:bodyPr>
+          <a:lstStyle/>
+          <a:p>
+            <a:pPr algn="ctr"/>
+            <a:r>
+              <a:rPr lang="ko-KR" altLang="en-US" b="1" dirty="0">
+                <a:ln>
+                  <a:solidFill>
+                    <a:schemeClr val="bg1">
+                      <a:lumMod val="50000"/>
+                      <a:alpha val="0"/>
+                    </a:schemeClr>
+                  </a:solidFill>
+                </a:ln>
+                <a:solidFill>
+                  <a:schemeClr val="tx1">
+                    <a:lumMod val="75000"/>
+                    <a:lumOff val="25000"/>
+                  </a:schemeClr>
+                </a:solidFill>
+                <a:latin typeface="나눔바른고딕" panose="020B0603020101020101" pitchFamily="50" charset="-127"/>
+                <a:ea typeface="나눔바른고딕" panose="020B0603020101020101" pitchFamily="50" charset="-127"/>
+              </a:rPr>
+              <a:t>주요 개발 내용 </a:t>
+            </a:r>
+            <a:r>
+              <a:rPr lang="en-US" altLang="ko-KR" b="1" dirty="0">
+                <a:ln>
+                  <a:solidFill>
+                    <a:schemeClr val="bg1">
+                      <a:lumMod val="50000"/>
+                      <a:alpha val="0"/>
+                    </a:schemeClr>
+                  </a:solidFill>
+                </a:ln>
+                <a:solidFill>
+                  <a:schemeClr val="tx1">
+                    <a:lumMod val="75000"/>
+                    <a:lumOff val="25000"/>
+                  </a:schemeClr>
+                </a:solidFill>
+                <a:latin typeface="나눔바른고딕" panose="020B0603020101020101" pitchFamily="50" charset="-127"/>
+                <a:ea typeface="나눔바른고딕" panose="020B0603020101020101" pitchFamily="50" charset="-127"/>
+              </a:rPr>
+              <a:t>: </a:t>
+            </a:r>
+            <a:r>
+              <a:rPr lang="ko-KR" altLang="en-US" b="1" dirty="0">
+                <a:ln>
+                  <a:solidFill>
+                    <a:schemeClr val="bg1">
+                      <a:lumMod val="50000"/>
+                      <a:alpha val="0"/>
+                    </a:schemeClr>
+                  </a:solidFill>
+                </a:ln>
+                <a:solidFill>
+                  <a:schemeClr val="tx1">
+                    <a:lumMod val="75000"/>
+                    <a:lumOff val="25000"/>
+                  </a:schemeClr>
+                </a:solidFill>
+                <a:latin typeface="나눔바른고딕" panose="020B0603020101020101" pitchFamily="50" charset="-127"/>
+                <a:ea typeface="나눔바른고딕" panose="020B0603020101020101" pitchFamily="50" charset="-127"/>
+              </a:rPr>
+              <a:t>프로젝트 구조 설계</a:t>
+            </a:r>
+            <a:endParaRPr lang="en-US" altLang="ko-KR" b="1" dirty="0">
+              <a:ln>
+                <a:solidFill>
+                  <a:schemeClr val="bg1">
+                    <a:lumMod val="50000"/>
+                    <a:alpha val="0"/>
+                  </a:schemeClr>
+                </a:solidFill>
+              </a:ln>
+              <a:solidFill>
+                <a:schemeClr val="tx1">
+                  <a:lumMod val="75000"/>
+                  <a:lumOff val="25000"/>
+                </a:schemeClr>
+              </a:solidFill>
+              <a:latin typeface="나눔바른고딕" panose="020B0603020101020101" pitchFamily="50" charset="-127"/>
+              <a:ea typeface="나눔바른고딕" panose="020B0603020101020101" pitchFamily="50" charset="-127"/>
+            </a:endParaRPr>
+          </a:p>
+        </p:txBody>
+      </p:sp>
+      <p:sp>
+        <p:nvSpPr>
+          <p:cNvPr id="2" name="Rectangle 2">
+            <a:extLst>
+              <a:ext uri="{FF2B5EF4-FFF2-40B4-BE49-F238E27FC236}">
+                <a16:creationId xmlns:a16="http://schemas.microsoft.com/office/drawing/2014/main" id="{664484F6-F8F4-4B25-933B-829FC23D2EB3}"/>
+              </a:ext>
+            </a:extLst>
+          </p:cNvPr>
+          <p:cNvSpPr>
+            <a:spLocks noChangeArrowheads="1"/>
+          </p:cNvSpPr>
+          <p:nvPr/>
+        </p:nvSpPr>
+        <p:spPr bwMode="auto">
+          <a:xfrm>
+            <a:off x="8788873" y="1437619"/>
+            <a:ext cx="12192000" cy="457200"/>
+          </a:xfrm>
+          <a:prstGeom prst="rect">
+            <a:avLst/>
+          </a:prstGeom>
+          <a:noFill/>
+          <a:ln>
+            <a:noFill/>
+          </a:ln>
+          <a:effectLst/>
+          <a:extLst>
+            <a:ext uri="{909E8E84-426E-40DD-AFC4-6F175D3DCCD1}">
+              <a14:hiddenFill xmlns:a14="http://schemas.microsoft.com/office/drawing/2010/main">
+                <a:solidFill>
+                  <a:schemeClr val="accent1"/>
+                </a:solidFill>
+              </a14:hiddenFill>
+            </a:ext>
+            <a:ext uri="{91240B29-F687-4F45-9708-019B960494DF}">
+              <a14:hiddenLine xmlns:a14="http://schemas.microsoft.com/office/drawing/2010/main" w="9525">
+                <a:solidFill>
+                  <a:schemeClr val="tx1"/>
+                </a:solidFill>
+                <a:miter lim="800000"/>
+                <a:headEnd/>
+                <a:tailEnd/>
+              </a14:hiddenLine>
+            </a:ext>
+            <a:ext uri="{AF507438-7753-43E0-B8FC-AC1667EBCBE1}">
+              <a14:hiddenEffects xmlns:a14="http://schemas.microsoft.com/office/drawing/2010/main">
+                <a:effectLst>
+                  <a:outerShdw dist="35921" dir="2700000" algn="ctr" rotWithShape="0">
+                    <a:schemeClr val="bg2"/>
+                  </a:outerShdw>
+                </a:effectLst>
+              </a14:hiddenEffects>
+            </a:ext>
+          </a:extLst>
+        </p:spPr>
+        <p:txBody>
+          <a:bodyPr vert="horz" wrap="none" lIns="91440" tIns="45720" rIns="91440" bIns="45720" numCol="1" anchor="ctr" anchorCtr="0" compatLnSpc="1">
+            <a:prstTxWarp prst="textNoShape">
+              <a:avLst/>
+            </a:prstTxWarp>
+            <a:spAutoFit/>
+          </a:bodyPr>
+          <a:lstStyle/>
+          <a:p>
+            <a:endParaRPr lang="ko-KR" altLang="en-US"/>
+          </a:p>
+        </p:txBody>
+      </p:sp>
+      <p:sp>
+        <p:nvSpPr>
+          <p:cNvPr id="3" name="Rectangle 4">
+            <a:extLst>
+              <a:ext uri="{FF2B5EF4-FFF2-40B4-BE49-F238E27FC236}">
+                <a16:creationId xmlns:a16="http://schemas.microsoft.com/office/drawing/2014/main" id="{262BE8FA-748A-41E5-AF94-175DD1142FE5}"/>
+              </a:ext>
+            </a:extLst>
+          </p:cNvPr>
+          <p:cNvSpPr>
+            <a:spLocks noChangeArrowheads="1"/>
+          </p:cNvSpPr>
+          <p:nvPr/>
+        </p:nvSpPr>
+        <p:spPr bwMode="auto">
+          <a:xfrm>
+            <a:off x="0" y="0"/>
+            <a:ext cx="12192000" cy="457200"/>
+          </a:xfrm>
+          <a:prstGeom prst="rect">
+            <a:avLst/>
+          </a:prstGeom>
+          <a:noFill/>
+          <a:ln>
+            <a:noFill/>
+          </a:ln>
+          <a:effectLst/>
+          <a:extLst>
+            <a:ext uri="{909E8E84-426E-40DD-AFC4-6F175D3DCCD1}">
+              <a14:hiddenFill xmlns:a14="http://schemas.microsoft.com/office/drawing/2010/main">
+                <a:solidFill>
+                  <a:schemeClr val="accent1"/>
+                </a:solidFill>
+              </a14:hiddenFill>
+            </a:ext>
+            <a:ext uri="{91240B29-F687-4F45-9708-019B960494DF}">
+              <a14:hiddenLine xmlns:a14="http://schemas.microsoft.com/office/drawing/2010/main" w="9525">
+                <a:solidFill>
+                  <a:schemeClr val="tx1"/>
+                </a:solidFill>
+                <a:miter lim="800000"/>
+                <a:headEnd/>
+                <a:tailEnd/>
+              </a14:hiddenLine>
+            </a:ext>
+            <a:ext uri="{AF507438-7753-43E0-B8FC-AC1667EBCBE1}">
+              <a14:hiddenEffects xmlns:a14="http://schemas.microsoft.com/office/drawing/2010/main">
+                <a:effectLst>
+                  <a:outerShdw dist="35921" dir="2700000" algn="ctr" rotWithShape="0">
+                    <a:schemeClr val="bg2"/>
+                  </a:outerShdw>
+                </a:effectLst>
+              </a14:hiddenEffects>
+            </a:ext>
+          </a:extLst>
+        </p:spPr>
+        <p:txBody>
+          <a:bodyPr vert="horz" wrap="none" lIns="91440" tIns="45720" rIns="91440" bIns="45720" numCol="1" anchor="ctr" anchorCtr="0" compatLnSpc="1">
+            <a:prstTxWarp prst="textNoShape">
+              <a:avLst/>
+            </a:prstTxWarp>
+            <a:spAutoFit/>
+          </a:bodyPr>
+          <a:lstStyle/>
+          <a:p>
+            <a:endParaRPr lang="ko-KR" altLang="en-US"/>
+          </a:p>
+        </p:txBody>
+      </p:sp>
+      <p:sp>
+        <p:nvSpPr>
+          <p:cNvPr id="4" name="Rectangle 6">
+            <a:extLst>
+              <a:ext uri="{FF2B5EF4-FFF2-40B4-BE49-F238E27FC236}">
+                <a16:creationId xmlns:a16="http://schemas.microsoft.com/office/drawing/2014/main" id="{0F6BE229-605D-4FBE-92D4-80BE3D355158}"/>
+              </a:ext>
+            </a:extLst>
+          </p:cNvPr>
+          <p:cNvSpPr>
+            <a:spLocks noChangeArrowheads="1"/>
+          </p:cNvSpPr>
+          <p:nvPr/>
+        </p:nvSpPr>
+        <p:spPr bwMode="auto">
+          <a:xfrm>
+            <a:off x="6301290" y="3824694"/>
+            <a:ext cx="12192000" cy="457200"/>
+          </a:xfrm>
+          <a:prstGeom prst="rect">
+            <a:avLst/>
+          </a:prstGeom>
+          <a:noFill/>
+          <a:ln>
+            <a:noFill/>
+          </a:ln>
+          <a:effectLst/>
+          <a:extLst>
+            <a:ext uri="{909E8E84-426E-40DD-AFC4-6F175D3DCCD1}">
+              <a14:hiddenFill xmlns:a14="http://schemas.microsoft.com/office/drawing/2010/main">
+                <a:solidFill>
+                  <a:schemeClr val="accent1"/>
+                </a:solidFill>
+              </a14:hiddenFill>
+            </a:ext>
+            <a:ext uri="{91240B29-F687-4F45-9708-019B960494DF}">
+              <a14:hiddenLine xmlns:a14="http://schemas.microsoft.com/office/drawing/2010/main" w="9525">
+                <a:solidFill>
+                  <a:schemeClr val="tx1"/>
+                </a:solidFill>
+                <a:miter lim="800000"/>
+                <a:headEnd/>
+                <a:tailEnd/>
+              </a14:hiddenLine>
+            </a:ext>
+            <a:ext uri="{AF507438-7753-43E0-B8FC-AC1667EBCBE1}">
+              <a14:hiddenEffects xmlns:a14="http://schemas.microsoft.com/office/drawing/2010/main">
+                <a:effectLst>
+                  <a:outerShdw dist="35921" dir="2700000" algn="ctr" rotWithShape="0">
+                    <a:schemeClr val="bg2"/>
+                  </a:outerShdw>
+                </a:effectLst>
+              </a14:hiddenEffects>
+            </a:ext>
+          </a:extLst>
+        </p:spPr>
+        <p:txBody>
+          <a:bodyPr vert="horz" wrap="none" lIns="91440" tIns="45720" rIns="91440" bIns="45720" numCol="1" anchor="ctr" anchorCtr="0" compatLnSpc="1">
+            <a:prstTxWarp prst="textNoShape">
+              <a:avLst/>
+            </a:prstTxWarp>
+            <a:spAutoFit/>
+          </a:bodyPr>
+          <a:lstStyle/>
+          <a:p>
+            <a:endParaRPr lang="ko-KR" altLang="en-US"/>
+          </a:p>
+        </p:txBody>
+      </p:sp>
+      <p:sp>
+        <p:nvSpPr>
+          <p:cNvPr id="5" name="Rectangle 8">
+            <a:extLst>
+              <a:ext uri="{FF2B5EF4-FFF2-40B4-BE49-F238E27FC236}">
+                <a16:creationId xmlns:a16="http://schemas.microsoft.com/office/drawing/2014/main" id="{952A8774-FBCE-4F34-B002-DACF5876BAF3}"/>
+              </a:ext>
+            </a:extLst>
+          </p:cNvPr>
+          <p:cNvSpPr>
+            <a:spLocks noChangeArrowheads="1"/>
+          </p:cNvSpPr>
+          <p:nvPr/>
+        </p:nvSpPr>
+        <p:spPr bwMode="auto">
+          <a:xfrm>
+            <a:off x="0" y="0"/>
+            <a:ext cx="12192000" cy="457200"/>
+          </a:xfrm>
+          <a:prstGeom prst="rect">
+            <a:avLst/>
+          </a:prstGeom>
+          <a:noFill/>
+          <a:ln>
+            <a:noFill/>
+          </a:ln>
+          <a:effectLst/>
+          <a:extLst>
+            <a:ext uri="{909E8E84-426E-40DD-AFC4-6F175D3DCCD1}">
+              <a14:hiddenFill xmlns:a14="http://schemas.microsoft.com/office/drawing/2010/main">
+                <a:solidFill>
+                  <a:schemeClr val="accent1"/>
+                </a:solidFill>
+              </a14:hiddenFill>
+            </a:ext>
+            <a:ext uri="{91240B29-F687-4F45-9708-019B960494DF}">
+              <a14:hiddenLine xmlns:a14="http://schemas.microsoft.com/office/drawing/2010/main" w="9525">
+                <a:solidFill>
+                  <a:schemeClr val="tx1"/>
+                </a:solidFill>
+                <a:miter lim="800000"/>
+                <a:headEnd/>
+                <a:tailEnd/>
+              </a14:hiddenLine>
+            </a:ext>
+            <a:ext uri="{AF507438-7753-43E0-B8FC-AC1667EBCBE1}">
+              <a14:hiddenEffects xmlns:a14="http://schemas.microsoft.com/office/drawing/2010/main">
+                <a:effectLst>
+                  <a:outerShdw dist="35921" dir="2700000" algn="ctr" rotWithShape="0">
+                    <a:schemeClr val="bg2"/>
+                  </a:outerShdw>
+                </a:effectLst>
+              </a14:hiddenEffects>
+            </a:ext>
+          </a:extLst>
+        </p:spPr>
+        <p:txBody>
+          <a:bodyPr vert="horz" wrap="none" lIns="91440" tIns="45720" rIns="91440" bIns="45720" numCol="1" anchor="ctr" anchorCtr="0" compatLnSpc="1">
+            <a:prstTxWarp prst="textNoShape">
+              <a:avLst/>
+            </a:prstTxWarp>
+            <a:spAutoFit/>
+          </a:bodyPr>
+          <a:lstStyle/>
+          <a:p>
+            <a:endParaRPr lang="ko-KR" altLang="en-US"/>
+          </a:p>
+        </p:txBody>
+      </p:sp>
+      <p:sp>
+        <p:nvSpPr>
+          <p:cNvPr id="24" name="직사각형 23">
+            <a:extLst>
+              <a:ext uri="{FF2B5EF4-FFF2-40B4-BE49-F238E27FC236}">
+                <a16:creationId xmlns:a16="http://schemas.microsoft.com/office/drawing/2014/main" id="{0C3315AB-F23A-4FA0-9092-9BE161AE8B37}"/>
+              </a:ext>
+            </a:extLst>
+          </p:cNvPr>
+          <p:cNvSpPr/>
+          <p:nvPr/>
+        </p:nvSpPr>
+        <p:spPr>
+          <a:xfrm>
+            <a:off x="3390786" y="1735605"/>
+            <a:ext cx="5401866" cy="4401205"/>
+          </a:xfrm>
+          <a:prstGeom prst="rect">
+            <a:avLst/>
+          </a:prstGeom>
+        </p:spPr>
+        <p:txBody>
+          <a:bodyPr wrap="square">
+            <a:spAutoFit/>
+          </a:bodyPr>
+          <a:lstStyle/>
+          <a:p>
+            <a:pPr marL="342900" indent="-342900">
+              <a:buAutoNum type="arabicPeriod"/>
+            </a:pPr>
+            <a:r>
+              <a:rPr lang="en-US" altLang="ko-KR" sz="1400" b="1" dirty="0">
+                <a:ln>
+                  <a:solidFill>
+                    <a:schemeClr val="bg1">
+                      <a:lumMod val="50000"/>
+                      <a:alpha val="0"/>
+                    </a:schemeClr>
+                  </a:solidFill>
+                </a:ln>
+                <a:solidFill>
+                  <a:schemeClr val="tx1">
+                    <a:lumMod val="75000"/>
+                    <a:lumOff val="25000"/>
+                  </a:schemeClr>
+                </a:solidFill>
+                <a:latin typeface="나눔바른고딕" panose="020B0603020101020101" pitchFamily="50" charset="-127"/>
+                <a:ea typeface="나눔바른고딕" panose="020B0603020101020101" pitchFamily="50" charset="-127"/>
+              </a:rPr>
+              <a:t>MVP Model </a:t>
+            </a:r>
+            <a:r>
+              <a:rPr lang="ko-KR" altLang="en-US" sz="1400" b="1" dirty="0">
+                <a:ln>
+                  <a:solidFill>
+                    <a:schemeClr val="bg1">
+                      <a:lumMod val="50000"/>
+                      <a:alpha val="0"/>
+                    </a:schemeClr>
+                  </a:solidFill>
+                </a:ln>
+                <a:solidFill>
+                  <a:schemeClr val="tx1">
+                    <a:lumMod val="75000"/>
+                    <a:lumOff val="25000"/>
+                  </a:schemeClr>
+                </a:solidFill>
+                <a:latin typeface="나눔바른고딕" panose="020B0603020101020101" pitchFamily="50" charset="-127"/>
+                <a:ea typeface="나눔바른고딕" panose="020B0603020101020101" pitchFamily="50" charset="-127"/>
+              </a:rPr>
+              <a:t>채택 </a:t>
+            </a:r>
+            <a:r>
+              <a:rPr lang="en-US" altLang="ko-KR" sz="1400" b="1" dirty="0">
+                <a:ln>
+                  <a:solidFill>
+                    <a:schemeClr val="bg1">
+                      <a:lumMod val="50000"/>
+                      <a:alpha val="0"/>
+                    </a:schemeClr>
+                  </a:solidFill>
+                </a:ln>
+                <a:solidFill>
+                  <a:schemeClr val="tx1">
+                    <a:lumMod val="75000"/>
+                    <a:lumOff val="25000"/>
+                  </a:schemeClr>
+                </a:solidFill>
+                <a:latin typeface="나눔바른고딕" panose="020B0603020101020101" pitchFamily="50" charset="-127"/>
+                <a:ea typeface="나눔바른고딕" panose="020B0603020101020101" pitchFamily="50" charset="-127"/>
+              </a:rPr>
+              <a:t>&amp; </a:t>
+            </a:r>
+            <a:r>
+              <a:rPr lang="ko-KR" altLang="en-US" sz="1400" b="1" dirty="0">
+                <a:ln>
+                  <a:solidFill>
+                    <a:schemeClr val="bg1">
+                      <a:lumMod val="50000"/>
+                      <a:alpha val="0"/>
+                    </a:schemeClr>
+                  </a:solidFill>
+                </a:ln>
+                <a:solidFill>
+                  <a:schemeClr val="tx1">
+                    <a:lumMod val="75000"/>
+                    <a:lumOff val="25000"/>
+                  </a:schemeClr>
+                </a:solidFill>
+                <a:latin typeface="나눔바른고딕" panose="020B0603020101020101" pitchFamily="50" charset="-127"/>
+                <a:ea typeface="나눔바른고딕" panose="020B0603020101020101" pitchFamily="50" charset="-127"/>
+              </a:rPr>
+              <a:t>구현</a:t>
+            </a:r>
+            <a:br>
+              <a:rPr lang="en-US" altLang="ko-KR" sz="1400" b="1" dirty="0">
+                <a:ln>
+                  <a:solidFill>
+                    <a:schemeClr val="bg1">
+                      <a:lumMod val="50000"/>
+                      <a:alpha val="0"/>
+                    </a:schemeClr>
+                  </a:solidFill>
+                </a:ln>
+                <a:solidFill>
+                  <a:schemeClr val="tx1">
+                    <a:lumMod val="75000"/>
+                    <a:lumOff val="25000"/>
+                  </a:schemeClr>
+                </a:solidFill>
+                <a:latin typeface="나눔바른고딕" panose="020B0603020101020101" pitchFamily="50" charset="-127"/>
+                <a:ea typeface="나눔바른고딕" panose="020B0603020101020101" pitchFamily="50" charset="-127"/>
+              </a:rPr>
+            </a:br>
+            <a:br>
+              <a:rPr lang="en-US" altLang="ko-KR" sz="1400" dirty="0">
+                <a:ln>
+                  <a:solidFill>
+                    <a:schemeClr val="bg1">
+                      <a:lumMod val="50000"/>
+                      <a:alpha val="0"/>
+                    </a:schemeClr>
+                  </a:solidFill>
+                </a:ln>
+                <a:solidFill>
+                  <a:schemeClr val="tx1">
+                    <a:lumMod val="75000"/>
+                    <a:lumOff val="25000"/>
+                  </a:schemeClr>
+                </a:solidFill>
+                <a:latin typeface="나눔바른고딕" panose="020B0603020101020101" pitchFamily="50" charset="-127"/>
+                <a:ea typeface="나눔바른고딕" panose="020B0603020101020101" pitchFamily="50" charset="-127"/>
+              </a:rPr>
+            </a:br>
+            <a:r>
+              <a:rPr lang="ko-KR" altLang="en-US" sz="1400" dirty="0">
+                <a:ln>
+                  <a:solidFill>
+                    <a:schemeClr val="bg1">
+                      <a:lumMod val="50000"/>
+                      <a:alpha val="0"/>
+                    </a:schemeClr>
+                  </a:solidFill>
+                </a:ln>
+                <a:solidFill>
+                  <a:schemeClr val="tx1">
+                    <a:lumMod val="75000"/>
+                    <a:lumOff val="25000"/>
+                  </a:schemeClr>
+                </a:solidFill>
+                <a:latin typeface="나눔바른고딕" panose="020B0603020101020101" pitchFamily="50" charset="-127"/>
+                <a:ea typeface="나눔바른고딕" panose="020B0603020101020101" pitchFamily="50" charset="-127"/>
+              </a:rPr>
+              <a:t>해당 프로젝트의 프로토타입을 제작해본 후</a:t>
+            </a:r>
+            <a:r>
+              <a:rPr lang="en-US" altLang="ko-KR" sz="1400" dirty="0">
+                <a:ln>
+                  <a:solidFill>
+                    <a:schemeClr val="bg1">
+                      <a:lumMod val="50000"/>
+                      <a:alpha val="0"/>
+                    </a:schemeClr>
+                  </a:solidFill>
+                </a:ln>
+                <a:solidFill>
+                  <a:schemeClr val="tx1">
+                    <a:lumMod val="75000"/>
+                    <a:lumOff val="25000"/>
+                  </a:schemeClr>
+                </a:solidFill>
+                <a:latin typeface="나눔바른고딕" panose="020B0603020101020101" pitchFamily="50" charset="-127"/>
+                <a:ea typeface="나눔바른고딕" panose="020B0603020101020101" pitchFamily="50" charset="-127"/>
+              </a:rPr>
+              <a:t>, Re-Building</a:t>
+            </a:r>
+            <a:r>
+              <a:rPr lang="ko-KR" altLang="en-US" sz="1400" dirty="0">
+                <a:ln>
+                  <a:solidFill>
+                    <a:schemeClr val="bg1">
+                      <a:lumMod val="50000"/>
+                      <a:alpha val="0"/>
+                    </a:schemeClr>
+                  </a:solidFill>
+                </a:ln>
+                <a:solidFill>
+                  <a:schemeClr val="tx1">
+                    <a:lumMod val="75000"/>
+                    <a:lumOff val="25000"/>
+                  </a:schemeClr>
+                </a:solidFill>
+                <a:latin typeface="나눔바른고딕" panose="020B0603020101020101" pitchFamily="50" charset="-127"/>
+                <a:ea typeface="나눔바른고딕" panose="020B0603020101020101" pitchFamily="50" charset="-127"/>
+              </a:rPr>
+              <a:t> 하는 과정에서 프로젝트의 모델에 대한 고민을 하다가 웹에서 사용되고 있는 </a:t>
+            </a:r>
+            <a:r>
+              <a:rPr lang="en-US" altLang="ko-KR" sz="1400" dirty="0">
+                <a:ln>
+                  <a:solidFill>
+                    <a:schemeClr val="bg1">
+                      <a:lumMod val="50000"/>
+                      <a:alpha val="0"/>
+                    </a:schemeClr>
+                  </a:solidFill>
+                </a:ln>
+                <a:solidFill>
+                  <a:schemeClr val="tx1">
+                    <a:lumMod val="75000"/>
+                    <a:lumOff val="25000"/>
+                  </a:schemeClr>
+                </a:solidFill>
+                <a:latin typeface="나눔바른고딕" panose="020B0603020101020101" pitchFamily="50" charset="-127"/>
+                <a:ea typeface="나눔바른고딕" panose="020B0603020101020101" pitchFamily="50" charset="-127"/>
+              </a:rPr>
+              <a:t>MVC</a:t>
+            </a:r>
+            <a:r>
+              <a:rPr lang="ko-KR" altLang="en-US" sz="1400" dirty="0">
+                <a:ln>
+                  <a:solidFill>
+                    <a:schemeClr val="bg1">
+                      <a:lumMod val="50000"/>
+                      <a:alpha val="0"/>
+                    </a:schemeClr>
+                  </a:solidFill>
+                </a:ln>
+                <a:solidFill>
+                  <a:schemeClr val="tx1">
+                    <a:lumMod val="75000"/>
+                    <a:lumOff val="25000"/>
+                  </a:schemeClr>
+                </a:solidFill>
+                <a:latin typeface="나눔바른고딕" panose="020B0603020101020101" pitchFamily="50" charset="-127"/>
+                <a:ea typeface="나눔바른고딕" panose="020B0603020101020101" pitchFamily="50" charset="-127"/>
+              </a:rPr>
+              <a:t>모델과 비슷한 </a:t>
+            </a:r>
+            <a:r>
+              <a:rPr lang="en-US" altLang="ko-KR" sz="1400" dirty="0">
+                <a:ln>
+                  <a:solidFill>
+                    <a:schemeClr val="bg1">
+                      <a:lumMod val="50000"/>
+                      <a:alpha val="0"/>
+                    </a:schemeClr>
+                  </a:solidFill>
+                </a:ln>
+                <a:solidFill>
+                  <a:schemeClr val="tx1">
+                    <a:lumMod val="75000"/>
+                    <a:lumOff val="25000"/>
+                  </a:schemeClr>
+                </a:solidFill>
+                <a:latin typeface="나눔바른고딕" panose="020B0603020101020101" pitchFamily="50" charset="-127"/>
+                <a:ea typeface="나눔바른고딕" panose="020B0603020101020101" pitchFamily="50" charset="-127"/>
+              </a:rPr>
+              <a:t>MVP</a:t>
+            </a:r>
+            <a:r>
+              <a:rPr lang="ko-KR" altLang="en-US" sz="1400" dirty="0">
+                <a:ln>
+                  <a:solidFill>
+                    <a:schemeClr val="bg1">
+                      <a:lumMod val="50000"/>
+                      <a:alpha val="0"/>
+                    </a:schemeClr>
+                  </a:solidFill>
+                </a:ln>
+                <a:solidFill>
+                  <a:schemeClr val="tx1">
+                    <a:lumMod val="75000"/>
+                    <a:lumOff val="25000"/>
+                  </a:schemeClr>
+                </a:solidFill>
+                <a:latin typeface="나눔바른고딕" panose="020B0603020101020101" pitchFamily="50" charset="-127"/>
+                <a:ea typeface="나눔바른고딕" panose="020B0603020101020101" pitchFamily="50" charset="-127"/>
+              </a:rPr>
+              <a:t>모델이 저희의 프로젝트와 시너지가 좋을 것 같아 고려하게 되었습니다</a:t>
+            </a:r>
+            <a:r>
+              <a:rPr lang="en-US" altLang="ko-KR" sz="1400" dirty="0">
+                <a:ln>
+                  <a:solidFill>
+                    <a:schemeClr val="bg1">
+                      <a:lumMod val="50000"/>
+                      <a:alpha val="0"/>
+                    </a:schemeClr>
+                  </a:solidFill>
+                </a:ln>
+                <a:solidFill>
+                  <a:schemeClr val="tx1">
+                    <a:lumMod val="75000"/>
+                    <a:lumOff val="25000"/>
+                  </a:schemeClr>
+                </a:solidFill>
+                <a:latin typeface="나눔바른고딕" panose="020B0603020101020101" pitchFamily="50" charset="-127"/>
+                <a:ea typeface="나눔바른고딕" panose="020B0603020101020101" pitchFamily="50" charset="-127"/>
+              </a:rPr>
+              <a:t>.</a:t>
+            </a:r>
+            <a:br>
+              <a:rPr lang="en-US" altLang="ko-KR" sz="1400" dirty="0">
+                <a:ln>
+                  <a:solidFill>
+                    <a:schemeClr val="bg1">
+                      <a:lumMod val="50000"/>
+                      <a:alpha val="0"/>
+                    </a:schemeClr>
+                  </a:solidFill>
+                </a:ln>
+                <a:solidFill>
+                  <a:schemeClr val="tx1">
+                    <a:lumMod val="75000"/>
+                    <a:lumOff val="25000"/>
+                  </a:schemeClr>
+                </a:solidFill>
+                <a:latin typeface="나눔바른고딕" panose="020B0603020101020101" pitchFamily="50" charset="-127"/>
+                <a:ea typeface="나눔바른고딕" panose="020B0603020101020101" pitchFamily="50" charset="-127"/>
+              </a:rPr>
+            </a:br>
+            <a:br>
+              <a:rPr lang="en-US" altLang="ko-KR" sz="1400" dirty="0">
+                <a:ln>
+                  <a:solidFill>
+                    <a:schemeClr val="bg1">
+                      <a:lumMod val="50000"/>
+                      <a:alpha val="0"/>
+                    </a:schemeClr>
+                  </a:solidFill>
+                </a:ln>
+                <a:solidFill>
+                  <a:schemeClr val="tx1">
+                    <a:lumMod val="75000"/>
+                    <a:lumOff val="25000"/>
+                  </a:schemeClr>
+                </a:solidFill>
+                <a:latin typeface="나눔바른고딕" panose="020B0603020101020101" pitchFamily="50" charset="-127"/>
+                <a:ea typeface="나눔바른고딕" panose="020B0603020101020101" pitchFamily="50" charset="-127"/>
+              </a:rPr>
+            </a:br>
+            <a:r>
+              <a:rPr lang="en-US" altLang="ko-KR" sz="1400" dirty="0">
+                <a:ln>
+                  <a:solidFill>
+                    <a:schemeClr val="bg1">
+                      <a:lumMod val="50000"/>
+                      <a:alpha val="0"/>
+                    </a:schemeClr>
+                  </a:solidFill>
+                </a:ln>
+                <a:solidFill>
+                  <a:schemeClr val="tx1">
+                    <a:lumMod val="75000"/>
+                    <a:lumOff val="25000"/>
+                  </a:schemeClr>
+                </a:solidFill>
+                <a:latin typeface="나눔바른고딕" panose="020B0603020101020101" pitchFamily="50" charset="-127"/>
+                <a:ea typeface="나눔바른고딕" panose="020B0603020101020101" pitchFamily="50" charset="-127"/>
+              </a:rPr>
+              <a:t>MVP</a:t>
+            </a:r>
+            <a:r>
+              <a:rPr lang="ko-KR" altLang="en-US" sz="1400" dirty="0">
+                <a:ln>
+                  <a:solidFill>
+                    <a:schemeClr val="bg1">
+                      <a:lumMod val="50000"/>
+                      <a:alpha val="0"/>
+                    </a:schemeClr>
+                  </a:solidFill>
+                </a:ln>
+                <a:solidFill>
+                  <a:schemeClr val="tx1">
+                    <a:lumMod val="75000"/>
+                    <a:lumOff val="25000"/>
+                  </a:schemeClr>
+                </a:solidFill>
+                <a:latin typeface="나눔바른고딕" panose="020B0603020101020101" pitchFamily="50" charset="-127"/>
+                <a:ea typeface="나눔바른고딕" panose="020B0603020101020101" pitchFamily="50" charset="-127"/>
+              </a:rPr>
+              <a:t>모델에서 유니티 엔진은 자체적으로 </a:t>
+            </a:r>
+            <a:r>
+              <a:rPr lang="en-US" altLang="ko-KR" sz="1400" dirty="0">
+                <a:ln>
+                  <a:solidFill>
+                    <a:schemeClr val="bg1">
+                      <a:lumMod val="50000"/>
+                      <a:alpha val="0"/>
+                    </a:schemeClr>
+                  </a:solidFill>
+                </a:ln>
+                <a:solidFill>
+                  <a:schemeClr val="tx1">
+                    <a:lumMod val="75000"/>
+                    <a:lumOff val="25000"/>
+                  </a:schemeClr>
+                </a:solidFill>
+                <a:latin typeface="나눔바른고딕" panose="020B0603020101020101" pitchFamily="50" charset="-127"/>
+                <a:ea typeface="나눔바른고딕" panose="020B0603020101020101" pitchFamily="50" charset="-127"/>
+              </a:rPr>
+              <a:t>View </a:t>
+            </a:r>
+            <a:r>
+              <a:rPr lang="ko-KR" altLang="en-US" sz="1400" dirty="0">
+                <a:ln>
+                  <a:solidFill>
+                    <a:schemeClr val="bg1">
+                      <a:lumMod val="50000"/>
+                      <a:alpha val="0"/>
+                    </a:schemeClr>
+                  </a:solidFill>
+                </a:ln>
+                <a:solidFill>
+                  <a:schemeClr val="tx1">
+                    <a:lumMod val="75000"/>
+                    <a:lumOff val="25000"/>
+                  </a:schemeClr>
+                </a:solidFill>
+                <a:latin typeface="나눔바른고딕" panose="020B0603020101020101" pitchFamily="50" charset="-127"/>
+                <a:ea typeface="나눔바른고딕" panose="020B0603020101020101" pitchFamily="50" charset="-127"/>
+              </a:rPr>
+              <a:t>역할을 맡게 되며</a:t>
+            </a:r>
+            <a:r>
+              <a:rPr lang="en-US" altLang="ko-KR" sz="1400" dirty="0">
+                <a:ln>
+                  <a:solidFill>
+                    <a:schemeClr val="bg1">
+                      <a:lumMod val="50000"/>
+                      <a:alpha val="0"/>
+                    </a:schemeClr>
+                  </a:solidFill>
+                </a:ln>
+                <a:solidFill>
+                  <a:schemeClr val="tx1">
+                    <a:lumMod val="75000"/>
+                    <a:lumOff val="25000"/>
+                  </a:schemeClr>
+                </a:solidFill>
+                <a:latin typeface="나눔바른고딕" panose="020B0603020101020101" pitchFamily="50" charset="-127"/>
+                <a:ea typeface="나눔바른고딕" panose="020B0603020101020101" pitchFamily="50" charset="-127"/>
+              </a:rPr>
+              <a:t>, </a:t>
+            </a:r>
+            <a:r>
+              <a:rPr lang="ko-KR" altLang="en-US" sz="1400" dirty="0">
+                <a:ln>
+                  <a:solidFill>
+                    <a:schemeClr val="bg1">
+                      <a:lumMod val="50000"/>
+                      <a:alpha val="0"/>
+                    </a:schemeClr>
+                  </a:solidFill>
+                </a:ln>
+                <a:solidFill>
+                  <a:schemeClr val="tx1">
+                    <a:lumMod val="75000"/>
+                    <a:lumOff val="25000"/>
+                  </a:schemeClr>
+                </a:solidFill>
+                <a:latin typeface="나눔바른고딕" panose="020B0603020101020101" pitchFamily="50" charset="-127"/>
+                <a:ea typeface="나눔바른고딕" panose="020B0603020101020101" pitchFamily="50" charset="-127"/>
+              </a:rPr>
+              <a:t>프로젝트의 데이터를 담당할 </a:t>
+            </a:r>
+            <a:r>
+              <a:rPr lang="en-US" altLang="ko-KR" sz="1400" dirty="0">
+                <a:ln>
+                  <a:solidFill>
+                    <a:schemeClr val="bg1">
+                      <a:lumMod val="50000"/>
+                      <a:alpha val="0"/>
+                    </a:schemeClr>
+                  </a:solidFill>
+                </a:ln>
+                <a:solidFill>
+                  <a:schemeClr val="tx1">
+                    <a:lumMod val="75000"/>
+                    <a:lumOff val="25000"/>
+                  </a:schemeClr>
+                </a:solidFill>
+                <a:latin typeface="나눔바른고딕" panose="020B0603020101020101" pitchFamily="50" charset="-127"/>
+                <a:ea typeface="나눔바른고딕" panose="020B0603020101020101" pitchFamily="50" charset="-127"/>
+              </a:rPr>
+              <a:t>Model</a:t>
+            </a:r>
+            <a:r>
+              <a:rPr lang="ko-KR" altLang="en-US" sz="1400" dirty="0">
+                <a:ln>
+                  <a:solidFill>
+                    <a:schemeClr val="bg1">
+                      <a:lumMod val="50000"/>
+                      <a:alpha val="0"/>
+                    </a:schemeClr>
+                  </a:solidFill>
+                </a:ln>
+                <a:solidFill>
+                  <a:schemeClr val="tx1">
+                    <a:lumMod val="75000"/>
+                    <a:lumOff val="25000"/>
+                  </a:schemeClr>
+                </a:solidFill>
+                <a:latin typeface="나눔바른고딕" panose="020B0603020101020101" pitchFamily="50" charset="-127"/>
+                <a:ea typeface="나눔바른고딕" panose="020B0603020101020101" pitchFamily="50" charset="-127"/>
+              </a:rPr>
+              <a:t>을 완전히 분리하여 두고</a:t>
+            </a:r>
+            <a:r>
+              <a:rPr lang="en-US" altLang="ko-KR" sz="1400" dirty="0">
+                <a:ln>
+                  <a:solidFill>
+                    <a:schemeClr val="bg1">
+                      <a:lumMod val="50000"/>
+                      <a:alpha val="0"/>
+                    </a:schemeClr>
+                  </a:solidFill>
+                </a:ln>
+                <a:solidFill>
+                  <a:schemeClr val="tx1">
+                    <a:lumMod val="75000"/>
+                    <a:lumOff val="25000"/>
+                  </a:schemeClr>
+                </a:solidFill>
+                <a:latin typeface="나눔바른고딕" panose="020B0603020101020101" pitchFamily="50" charset="-127"/>
+                <a:ea typeface="나눔바른고딕" panose="020B0603020101020101" pitchFamily="50" charset="-127"/>
+              </a:rPr>
+              <a:t>, </a:t>
+            </a:r>
+            <a:r>
+              <a:rPr lang="ko-KR" altLang="en-US" sz="1400" dirty="0">
+                <a:ln>
+                  <a:solidFill>
+                    <a:schemeClr val="bg1">
+                      <a:lumMod val="50000"/>
+                      <a:alpha val="0"/>
+                    </a:schemeClr>
+                  </a:solidFill>
+                </a:ln>
+                <a:solidFill>
+                  <a:schemeClr val="tx1">
+                    <a:lumMod val="75000"/>
+                    <a:lumOff val="25000"/>
+                  </a:schemeClr>
+                </a:solidFill>
+                <a:latin typeface="나눔바른고딕" panose="020B0603020101020101" pitchFamily="50" charset="-127"/>
+                <a:ea typeface="나눔바른고딕" panose="020B0603020101020101" pitchFamily="50" charset="-127"/>
+              </a:rPr>
+              <a:t>사용자의 </a:t>
+            </a:r>
+            <a:r>
+              <a:rPr lang="en-US" altLang="ko-KR" sz="1400" dirty="0">
+                <a:ln>
+                  <a:solidFill>
+                    <a:schemeClr val="bg1">
+                      <a:lumMod val="50000"/>
+                      <a:alpha val="0"/>
+                    </a:schemeClr>
+                  </a:solidFill>
+                </a:ln>
+                <a:solidFill>
+                  <a:schemeClr val="tx1">
+                    <a:lumMod val="75000"/>
+                    <a:lumOff val="25000"/>
+                  </a:schemeClr>
+                </a:solidFill>
+                <a:latin typeface="나눔바른고딕" panose="020B0603020101020101" pitchFamily="50" charset="-127"/>
+                <a:ea typeface="나눔바른고딕" panose="020B0603020101020101" pitchFamily="50" charset="-127"/>
+              </a:rPr>
+              <a:t>Input</a:t>
+            </a:r>
+            <a:r>
+              <a:rPr lang="ko-KR" altLang="en-US" sz="1400" dirty="0">
+                <a:ln>
+                  <a:solidFill>
+                    <a:schemeClr val="bg1">
+                      <a:lumMod val="50000"/>
+                      <a:alpha val="0"/>
+                    </a:schemeClr>
+                  </a:solidFill>
+                </a:ln>
+                <a:solidFill>
+                  <a:schemeClr val="tx1">
+                    <a:lumMod val="75000"/>
+                    <a:lumOff val="25000"/>
+                  </a:schemeClr>
+                </a:solidFill>
+                <a:latin typeface="나눔바른고딕" panose="020B0603020101020101" pitchFamily="50" charset="-127"/>
+                <a:ea typeface="나눔바른고딕" panose="020B0603020101020101" pitchFamily="50" charset="-127"/>
+              </a:rPr>
+              <a:t>에 대응하여 실행하는 </a:t>
+            </a:r>
+            <a:r>
+              <a:rPr lang="en-US" altLang="ko-KR" sz="1400" dirty="0">
+                <a:ln>
+                  <a:solidFill>
+                    <a:schemeClr val="bg1">
+                      <a:lumMod val="50000"/>
+                      <a:alpha val="0"/>
+                    </a:schemeClr>
+                  </a:solidFill>
+                </a:ln>
+                <a:solidFill>
+                  <a:schemeClr val="tx1">
+                    <a:lumMod val="75000"/>
+                    <a:lumOff val="25000"/>
+                  </a:schemeClr>
+                </a:solidFill>
+                <a:latin typeface="나눔바른고딕" panose="020B0603020101020101" pitchFamily="50" charset="-127"/>
+                <a:ea typeface="나눔바른고딕" panose="020B0603020101020101" pitchFamily="50" charset="-127"/>
+              </a:rPr>
+              <a:t>Presenter</a:t>
+            </a:r>
+            <a:r>
+              <a:rPr lang="ko-KR" altLang="en-US" sz="1400" dirty="0">
+                <a:ln>
+                  <a:solidFill>
+                    <a:schemeClr val="bg1">
+                      <a:lumMod val="50000"/>
+                      <a:alpha val="0"/>
+                    </a:schemeClr>
+                  </a:solidFill>
+                </a:ln>
+                <a:solidFill>
+                  <a:schemeClr val="tx1">
+                    <a:lumMod val="75000"/>
+                    <a:lumOff val="25000"/>
+                  </a:schemeClr>
+                </a:solidFill>
+                <a:latin typeface="나눔바른고딕" panose="020B0603020101020101" pitchFamily="50" charset="-127"/>
+                <a:ea typeface="나눔바른고딕" panose="020B0603020101020101" pitchFamily="50" charset="-127"/>
+              </a:rPr>
+              <a:t>들을 분리하여 로직을 관리하기 간편하게 정리하였습니다</a:t>
+            </a:r>
+            <a:r>
+              <a:rPr lang="en-US" altLang="ko-KR" sz="1400" dirty="0">
+                <a:ln>
+                  <a:solidFill>
+                    <a:schemeClr val="bg1">
+                      <a:lumMod val="50000"/>
+                      <a:alpha val="0"/>
+                    </a:schemeClr>
+                  </a:solidFill>
+                </a:ln>
+                <a:solidFill>
+                  <a:schemeClr val="tx1">
+                    <a:lumMod val="75000"/>
+                    <a:lumOff val="25000"/>
+                  </a:schemeClr>
+                </a:solidFill>
+                <a:latin typeface="나눔바른고딕" panose="020B0603020101020101" pitchFamily="50" charset="-127"/>
+                <a:ea typeface="나눔바른고딕" panose="020B0603020101020101" pitchFamily="50" charset="-127"/>
+              </a:rPr>
+              <a:t>.</a:t>
+            </a:r>
+            <a:br>
+              <a:rPr lang="en-US" altLang="ko-KR" sz="1400" dirty="0">
+                <a:ln>
+                  <a:solidFill>
+                    <a:schemeClr val="bg1">
+                      <a:lumMod val="50000"/>
+                      <a:alpha val="0"/>
+                    </a:schemeClr>
+                  </a:solidFill>
+                </a:ln>
+                <a:solidFill>
+                  <a:schemeClr val="tx1">
+                    <a:lumMod val="75000"/>
+                    <a:lumOff val="25000"/>
+                  </a:schemeClr>
+                </a:solidFill>
+                <a:latin typeface="나눔바른고딕" panose="020B0603020101020101" pitchFamily="50" charset="-127"/>
+                <a:ea typeface="나눔바른고딕" panose="020B0603020101020101" pitchFamily="50" charset="-127"/>
+              </a:rPr>
+            </a:br>
+            <a:br>
+              <a:rPr lang="en-US" altLang="ko-KR" sz="1400" dirty="0">
+                <a:ln>
+                  <a:solidFill>
+                    <a:schemeClr val="bg1">
+                      <a:lumMod val="50000"/>
+                      <a:alpha val="0"/>
+                    </a:schemeClr>
+                  </a:solidFill>
+                </a:ln>
+                <a:solidFill>
+                  <a:schemeClr val="tx1">
+                    <a:lumMod val="75000"/>
+                    <a:lumOff val="25000"/>
+                  </a:schemeClr>
+                </a:solidFill>
+                <a:latin typeface="나눔바른고딕" panose="020B0603020101020101" pitchFamily="50" charset="-127"/>
+                <a:ea typeface="나눔바른고딕" panose="020B0603020101020101" pitchFamily="50" charset="-127"/>
+              </a:rPr>
+            </a:br>
+            <a:r>
+              <a:rPr lang="en-US" altLang="ko-KR" sz="1400" dirty="0">
+                <a:ln>
+                  <a:solidFill>
+                    <a:schemeClr val="bg1">
+                      <a:lumMod val="50000"/>
+                      <a:alpha val="0"/>
+                    </a:schemeClr>
+                  </a:solidFill>
+                </a:ln>
+                <a:solidFill>
+                  <a:schemeClr val="tx1">
+                    <a:lumMod val="75000"/>
+                    <a:lumOff val="25000"/>
+                  </a:schemeClr>
+                </a:solidFill>
+                <a:latin typeface="나눔바른고딕" panose="020B0603020101020101" pitchFamily="50" charset="-127"/>
+                <a:ea typeface="나눔바른고딕" panose="020B0603020101020101" pitchFamily="50" charset="-127"/>
+              </a:rPr>
+              <a:t>MVP</a:t>
+            </a:r>
+            <a:r>
+              <a:rPr lang="ko-KR" altLang="en-US" sz="1400" dirty="0">
+                <a:ln>
+                  <a:solidFill>
+                    <a:schemeClr val="bg1">
+                      <a:lumMod val="50000"/>
+                      <a:alpha val="0"/>
+                    </a:schemeClr>
+                  </a:solidFill>
+                </a:ln>
+                <a:solidFill>
+                  <a:schemeClr val="tx1">
+                    <a:lumMod val="75000"/>
+                    <a:lumOff val="25000"/>
+                  </a:schemeClr>
+                </a:solidFill>
+                <a:latin typeface="나눔바른고딕" panose="020B0603020101020101" pitchFamily="50" charset="-127"/>
+                <a:ea typeface="나눔바른고딕" panose="020B0603020101020101" pitchFamily="50" charset="-127"/>
+              </a:rPr>
+              <a:t>를 채택함으로써 오는 장점으로는 로직과 데이터를 분리해서 관리할 수 있다는 것이었지만</a:t>
+            </a:r>
+            <a:r>
+              <a:rPr lang="en-US" altLang="ko-KR" sz="1400" dirty="0">
+                <a:ln>
+                  <a:solidFill>
+                    <a:schemeClr val="bg1">
+                      <a:lumMod val="50000"/>
+                      <a:alpha val="0"/>
+                    </a:schemeClr>
+                  </a:solidFill>
+                </a:ln>
+                <a:solidFill>
+                  <a:schemeClr val="tx1">
+                    <a:lumMod val="75000"/>
+                    <a:lumOff val="25000"/>
+                  </a:schemeClr>
+                </a:solidFill>
+                <a:latin typeface="나눔바른고딕" panose="020B0603020101020101" pitchFamily="50" charset="-127"/>
+                <a:ea typeface="나눔바른고딕" panose="020B0603020101020101" pitchFamily="50" charset="-127"/>
+              </a:rPr>
+              <a:t>, Presenter</a:t>
+            </a:r>
+            <a:r>
+              <a:rPr lang="ko-KR" altLang="en-US" sz="1400" dirty="0">
+                <a:ln>
+                  <a:solidFill>
+                    <a:schemeClr val="bg1">
+                      <a:lumMod val="50000"/>
+                      <a:alpha val="0"/>
+                    </a:schemeClr>
+                  </a:solidFill>
+                </a:ln>
+                <a:solidFill>
+                  <a:schemeClr val="tx1">
+                    <a:lumMod val="75000"/>
+                    <a:lumOff val="25000"/>
+                  </a:schemeClr>
+                </a:solidFill>
+                <a:latin typeface="나눔바른고딕" panose="020B0603020101020101" pitchFamily="50" charset="-127"/>
+                <a:ea typeface="나눔바른고딕" panose="020B0603020101020101" pitchFamily="50" charset="-127"/>
+              </a:rPr>
+              <a:t>에 로직이 모여 있다 보니 코드의 가독성이 떨어진다는 문제점이 있어 </a:t>
+            </a:r>
+            <a:r>
+              <a:rPr lang="en-US" altLang="ko-KR" sz="1400" dirty="0">
+                <a:ln>
+                  <a:solidFill>
+                    <a:schemeClr val="bg1">
+                      <a:lumMod val="50000"/>
+                      <a:alpha val="0"/>
+                    </a:schemeClr>
+                  </a:solidFill>
+                </a:ln>
+                <a:solidFill>
+                  <a:schemeClr val="tx1">
+                    <a:lumMod val="75000"/>
+                    <a:lumOff val="25000"/>
+                  </a:schemeClr>
+                </a:solidFill>
+                <a:latin typeface="나눔바른고딕" panose="020B0603020101020101" pitchFamily="50" charset="-127"/>
+                <a:ea typeface="나눔바른고딕" panose="020B0603020101020101" pitchFamily="50" charset="-127"/>
+              </a:rPr>
+              <a:t>Partial Class</a:t>
+            </a:r>
+            <a:r>
+              <a:rPr lang="ko-KR" altLang="en-US" sz="1400" dirty="0">
+                <a:ln>
+                  <a:solidFill>
+                    <a:schemeClr val="bg1">
+                      <a:lumMod val="50000"/>
+                      <a:alpha val="0"/>
+                    </a:schemeClr>
+                  </a:solidFill>
+                </a:ln>
+                <a:solidFill>
+                  <a:schemeClr val="tx1">
+                    <a:lumMod val="75000"/>
+                    <a:lumOff val="25000"/>
+                  </a:schemeClr>
+                </a:solidFill>
+                <a:latin typeface="나눔바른고딕" panose="020B0603020101020101" pitchFamily="50" charset="-127"/>
+                <a:ea typeface="나눔바른고딕" panose="020B0603020101020101" pitchFamily="50" charset="-127"/>
+              </a:rPr>
+              <a:t>와 </a:t>
+            </a:r>
+            <a:r>
+              <a:rPr lang="en-US" altLang="ko-KR" sz="1400" dirty="0" err="1">
+                <a:ln>
+                  <a:solidFill>
+                    <a:schemeClr val="bg1">
+                      <a:lumMod val="50000"/>
+                      <a:alpha val="0"/>
+                    </a:schemeClr>
+                  </a:solidFill>
+                </a:ln>
+                <a:solidFill>
+                  <a:schemeClr val="tx1">
+                    <a:lumMod val="75000"/>
+                    <a:lumOff val="25000"/>
+                  </a:schemeClr>
+                </a:solidFill>
+                <a:latin typeface="나눔바른고딕" panose="020B0603020101020101" pitchFamily="50" charset="-127"/>
+                <a:ea typeface="나눔바른고딕" panose="020B0603020101020101" pitchFamily="50" charset="-127"/>
+              </a:rPr>
+              <a:t>UniRx</a:t>
+            </a:r>
+            <a:r>
+              <a:rPr lang="en-US" altLang="ko-KR" sz="1400" dirty="0">
+                <a:ln>
+                  <a:solidFill>
+                    <a:schemeClr val="bg1">
+                      <a:lumMod val="50000"/>
+                      <a:alpha val="0"/>
+                    </a:schemeClr>
+                  </a:solidFill>
+                </a:ln>
+                <a:solidFill>
+                  <a:schemeClr val="tx1">
+                    <a:lumMod val="75000"/>
+                    <a:lumOff val="25000"/>
+                  </a:schemeClr>
+                </a:solidFill>
+                <a:latin typeface="나눔바른고딕" panose="020B0603020101020101" pitchFamily="50" charset="-127"/>
+                <a:ea typeface="나눔바른고딕" panose="020B0603020101020101" pitchFamily="50" charset="-127"/>
+              </a:rPr>
+              <a:t> </a:t>
+            </a:r>
+            <a:r>
+              <a:rPr lang="ko-KR" altLang="en-US" sz="1400" dirty="0">
+                <a:ln>
+                  <a:solidFill>
+                    <a:schemeClr val="bg1">
+                      <a:lumMod val="50000"/>
+                      <a:alpha val="0"/>
+                    </a:schemeClr>
+                  </a:solidFill>
+                </a:ln>
+                <a:solidFill>
+                  <a:schemeClr val="tx1">
+                    <a:lumMod val="75000"/>
+                    <a:lumOff val="25000"/>
+                  </a:schemeClr>
+                </a:solidFill>
+                <a:latin typeface="나눔바른고딕" panose="020B0603020101020101" pitchFamily="50" charset="-127"/>
+                <a:ea typeface="나눔바른고딕" panose="020B0603020101020101" pitchFamily="50" charset="-127"/>
+              </a:rPr>
+              <a:t>등의 사용으로 해당 문제를 해결하려고 노력하였습니다</a:t>
+            </a:r>
+            <a:r>
+              <a:rPr lang="en-US" altLang="ko-KR" sz="1400" dirty="0">
+                <a:ln>
+                  <a:solidFill>
+                    <a:schemeClr val="bg1">
+                      <a:lumMod val="50000"/>
+                      <a:alpha val="0"/>
+                    </a:schemeClr>
+                  </a:solidFill>
+                </a:ln>
+                <a:solidFill>
+                  <a:schemeClr val="tx1">
+                    <a:lumMod val="75000"/>
+                    <a:lumOff val="25000"/>
+                  </a:schemeClr>
+                </a:solidFill>
+                <a:latin typeface="나눔바른고딕" panose="020B0603020101020101" pitchFamily="50" charset="-127"/>
+                <a:ea typeface="나눔바른고딕" panose="020B0603020101020101" pitchFamily="50" charset="-127"/>
+              </a:rPr>
+              <a:t>.</a:t>
+            </a:r>
+            <a:endParaRPr lang="en-US" altLang="ko-KR" sz="1400" b="1" dirty="0">
+              <a:ln>
+                <a:solidFill>
+                  <a:schemeClr val="bg1">
+                    <a:lumMod val="50000"/>
+                    <a:alpha val="0"/>
+                  </a:schemeClr>
+                </a:solidFill>
+              </a:ln>
+              <a:solidFill>
+                <a:schemeClr val="tx1">
+                  <a:lumMod val="75000"/>
+                  <a:lumOff val="25000"/>
+                </a:schemeClr>
+              </a:solidFill>
+              <a:latin typeface="나눔바른고딕" panose="020B0603020101020101" pitchFamily="50" charset="-127"/>
+              <a:ea typeface="나눔바른고딕" panose="020B0603020101020101" pitchFamily="50" charset="-127"/>
+            </a:endParaRPr>
+          </a:p>
+          <a:p>
+            <a:endParaRPr lang="en-US" altLang="ko-KR" sz="1400" b="1" dirty="0">
+              <a:ln>
+                <a:solidFill>
+                  <a:schemeClr val="bg1">
+                    <a:lumMod val="50000"/>
+                    <a:alpha val="0"/>
+                  </a:schemeClr>
+                </a:solidFill>
+              </a:ln>
+              <a:solidFill>
+                <a:schemeClr val="tx1">
+                  <a:lumMod val="75000"/>
+                  <a:lumOff val="25000"/>
+                </a:schemeClr>
+              </a:solidFill>
+              <a:latin typeface="나눔바른고딕" panose="020B0603020101020101" pitchFamily="50" charset="-127"/>
+              <a:ea typeface="나눔바른고딕" panose="020B0603020101020101" pitchFamily="50" charset="-127"/>
+            </a:endParaRPr>
+          </a:p>
+          <a:p>
+            <a:br>
+              <a:rPr lang="en-US" altLang="ko-KR" sz="1400" b="1" dirty="0">
+                <a:ln>
+                  <a:solidFill>
+                    <a:schemeClr val="bg1">
+                      <a:lumMod val="50000"/>
+                      <a:alpha val="0"/>
+                    </a:schemeClr>
+                  </a:solidFill>
+                </a:ln>
+                <a:solidFill>
+                  <a:srgbClr val="C00000"/>
+                </a:solidFill>
+                <a:latin typeface="나눔바른고딕" panose="020B0603020101020101" pitchFamily="50" charset="-127"/>
+                <a:ea typeface="나눔바른고딕" panose="020B0603020101020101" pitchFamily="50" charset="-127"/>
+              </a:rPr>
+            </a:br>
+            <a:endParaRPr lang="en-US" altLang="ko-KR" sz="1400" b="1" dirty="0">
+              <a:ln>
+                <a:solidFill>
+                  <a:schemeClr val="bg1">
+                    <a:lumMod val="50000"/>
+                    <a:alpha val="0"/>
+                  </a:schemeClr>
+                </a:solidFill>
+              </a:ln>
+              <a:solidFill>
+                <a:srgbClr val="C00000"/>
+              </a:solidFill>
+              <a:latin typeface="나눔바른고딕" panose="020B0603020101020101" pitchFamily="50" charset="-127"/>
+              <a:ea typeface="나눔바른고딕" panose="020B0603020101020101" pitchFamily="50" charset="-127"/>
+            </a:endParaRPr>
+          </a:p>
+          <a:p>
+            <a:endParaRPr lang="en-US" altLang="ko-KR" sz="1400" dirty="0">
+              <a:ln>
+                <a:solidFill>
+                  <a:schemeClr val="bg1">
+                    <a:lumMod val="50000"/>
+                    <a:alpha val="0"/>
+                  </a:schemeClr>
+                </a:solidFill>
+              </a:ln>
+              <a:solidFill>
+                <a:schemeClr val="tx1">
+                  <a:lumMod val="75000"/>
+                  <a:lumOff val="25000"/>
+                </a:schemeClr>
+              </a:solidFill>
+              <a:latin typeface="나눔바른고딕 UltraLight" panose="020B0603020101020101" pitchFamily="50" charset="-127"/>
+              <a:ea typeface="나눔바른고딕 UltraLight" panose="020B0603020101020101" pitchFamily="50" charset="-127"/>
+            </a:endParaRPr>
+          </a:p>
+        </p:txBody>
+      </p:sp>
+      <p:sp>
+        <p:nvSpPr>
+          <p:cNvPr id="6" name="Rectangle 2">
+            <a:extLst>
+              <a:ext uri="{FF2B5EF4-FFF2-40B4-BE49-F238E27FC236}">
+                <a16:creationId xmlns:a16="http://schemas.microsoft.com/office/drawing/2014/main" id="{28037EF8-1F0D-4085-80EE-548A39FC6546}"/>
+              </a:ext>
+            </a:extLst>
+          </p:cNvPr>
+          <p:cNvSpPr>
+            <a:spLocks noChangeArrowheads="1"/>
+          </p:cNvSpPr>
+          <p:nvPr/>
+        </p:nvSpPr>
+        <p:spPr bwMode="auto">
+          <a:xfrm>
+            <a:off x="7118350" y="1525994"/>
+            <a:ext cx="12192000" cy="457200"/>
+          </a:xfrm>
+          <a:prstGeom prst="rect">
+            <a:avLst/>
+          </a:prstGeom>
+          <a:noFill/>
+          <a:ln>
+            <a:noFill/>
+          </a:ln>
+          <a:effectLst/>
+          <a:extLst>
+            <a:ext uri="{909E8E84-426E-40DD-AFC4-6F175D3DCCD1}">
+              <a14:hiddenFill xmlns:a14="http://schemas.microsoft.com/office/drawing/2010/main">
+                <a:solidFill>
+                  <a:schemeClr val="accent1"/>
+                </a:solidFill>
+              </a14:hiddenFill>
+            </a:ext>
+            <a:ext uri="{91240B29-F687-4F45-9708-019B960494DF}">
+              <a14:hiddenLine xmlns:a14="http://schemas.microsoft.com/office/drawing/2010/main" w="9525">
+                <a:solidFill>
+                  <a:schemeClr val="tx1"/>
+                </a:solidFill>
+                <a:miter lim="800000"/>
+                <a:headEnd/>
+                <a:tailEnd/>
+              </a14:hiddenLine>
+            </a:ext>
+            <a:ext uri="{AF507438-7753-43E0-B8FC-AC1667EBCBE1}">
+              <a14:hiddenEffects xmlns:a14="http://schemas.microsoft.com/office/drawing/2010/main">
+                <a:effectLst>
+                  <a:outerShdw dist="35921" dir="2700000" algn="ctr" rotWithShape="0">
+                    <a:schemeClr val="bg2"/>
+                  </a:outerShdw>
+                </a:effectLst>
+              </a14:hiddenEffects>
+            </a:ext>
+          </a:extLst>
+        </p:spPr>
+        <p:txBody>
+          <a:bodyPr vert="horz" wrap="none" lIns="91440" tIns="45720" rIns="91440" bIns="45720" numCol="1" anchor="ctr" anchorCtr="0" compatLnSpc="1">
+            <a:prstTxWarp prst="textNoShape">
+              <a:avLst/>
+            </a:prstTxWarp>
+            <a:spAutoFit/>
+          </a:bodyPr>
+          <a:lstStyle/>
+          <a:p>
+            <a:endParaRPr lang="ko-KR" altLang="en-US"/>
+          </a:p>
+        </p:txBody>
+      </p:sp>
+      <p:pic>
+        <p:nvPicPr>
+          <p:cNvPr id="11" name="그림 10">
+            <a:extLst>
+              <a:ext uri="{FF2B5EF4-FFF2-40B4-BE49-F238E27FC236}">
+                <a16:creationId xmlns:a16="http://schemas.microsoft.com/office/drawing/2014/main" id="{57DEA16A-E283-42E9-B8BD-A062EFAD2403}"/>
+              </a:ext>
+            </a:extLst>
+          </p:cNvPr>
+          <p:cNvPicPr>
+            <a:picLocks noChangeAspect="1"/>
+          </p:cNvPicPr>
+          <p:nvPr/>
+        </p:nvPicPr>
+        <p:blipFill>
+          <a:blip r:embed="rId3"/>
+          <a:stretch>
+            <a:fillRect/>
+          </a:stretch>
+        </p:blipFill>
+        <p:spPr>
+          <a:xfrm>
+            <a:off x="8702087" y="3727309"/>
+            <a:ext cx="2828351" cy="2355709"/>
+          </a:xfrm>
+          <a:prstGeom prst="rect">
+            <a:avLst/>
+          </a:prstGeom>
+        </p:spPr>
+      </p:pic>
+    </p:spTree>
+    <p:extLst>
+      <p:ext uri="{BB962C8B-B14F-4D97-AF65-F5344CB8AC3E}">
+        <p14:creationId xmlns:p14="http://schemas.microsoft.com/office/powerpoint/2010/main" val="995306297"/>
       </p:ext>
     </p:extLst>
   </p:cSld>
